--- a/Slides/Unit 1 - Intro, array, complexity - 2017 - Anim Giulia.pptx
+++ b/Slides/Unit 1 - Intro, array, complexity - 2017 - Anim Giulia.pptx
@@ -5,65 +5,66 @@
     <p:sldMasterId id="2147483729" r:id="rId1"/>
   </p:sldMasterIdLst>
   <p:notesMasterIdLst>
-    <p:notesMasterId r:id="rId58"/>
+    <p:notesMasterId r:id="rId59"/>
   </p:notesMasterIdLst>
   <p:sldIdLst>
     <p:sldId id="256" r:id="rId2"/>
     <p:sldId id="257" r:id="rId3"/>
     <p:sldId id="309" r:id="rId4"/>
-    <p:sldId id="258" r:id="rId5"/>
-    <p:sldId id="310" r:id="rId6"/>
-    <p:sldId id="259" r:id="rId7"/>
-    <p:sldId id="260" r:id="rId8"/>
-    <p:sldId id="315" r:id="rId9"/>
-    <p:sldId id="261" r:id="rId10"/>
-    <p:sldId id="263" r:id="rId11"/>
-    <p:sldId id="267" r:id="rId12"/>
-    <p:sldId id="269" r:id="rId13"/>
-    <p:sldId id="268" r:id="rId14"/>
-    <p:sldId id="270" r:id="rId15"/>
-    <p:sldId id="272" r:id="rId16"/>
-    <p:sldId id="274" r:id="rId17"/>
-    <p:sldId id="331" r:id="rId18"/>
-    <p:sldId id="271" r:id="rId19"/>
-    <p:sldId id="273" r:id="rId20"/>
-    <p:sldId id="325" r:id="rId21"/>
-    <p:sldId id="326" r:id="rId22"/>
-    <p:sldId id="275" r:id="rId23"/>
-    <p:sldId id="280" r:id="rId24"/>
-    <p:sldId id="316" r:id="rId25"/>
-    <p:sldId id="262" r:id="rId26"/>
-    <p:sldId id="317" r:id="rId27"/>
-    <p:sldId id="318" r:id="rId28"/>
-    <p:sldId id="319" r:id="rId29"/>
-    <p:sldId id="320" r:id="rId30"/>
-    <p:sldId id="321" r:id="rId31"/>
-    <p:sldId id="322" r:id="rId32"/>
-    <p:sldId id="264" r:id="rId33"/>
-    <p:sldId id="283" r:id="rId34"/>
-    <p:sldId id="284" r:id="rId35"/>
-    <p:sldId id="328" r:id="rId36"/>
-    <p:sldId id="289" r:id="rId37"/>
-    <p:sldId id="286" r:id="rId38"/>
-    <p:sldId id="332" r:id="rId39"/>
-    <p:sldId id="287" r:id="rId40"/>
-    <p:sldId id="330" r:id="rId41"/>
-    <p:sldId id="288" r:id="rId42"/>
-    <p:sldId id="291" r:id="rId43"/>
-    <p:sldId id="292" r:id="rId44"/>
-    <p:sldId id="290" r:id="rId45"/>
-    <p:sldId id="293" r:id="rId46"/>
-    <p:sldId id="324" r:id="rId47"/>
-    <p:sldId id="296" r:id="rId48"/>
-    <p:sldId id="297" r:id="rId49"/>
-    <p:sldId id="298" r:id="rId50"/>
-    <p:sldId id="299" r:id="rId51"/>
-    <p:sldId id="301" r:id="rId52"/>
-    <p:sldId id="302" r:id="rId53"/>
-    <p:sldId id="303" r:id="rId54"/>
-    <p:sldId id="300" r:id="rId55"/>
-    <p:sldId id="304" r:id="rId56"/>
-    <p:sldId id="314" r:id="rId57"/>
+    <p:sldId id="310" r:id="rId5"/>
+    <p:sldId id="258" r:id="rId6"/>
+    <p:sldId id="333" r:id="rId7"/>
+    <p:sldId id="259" r:id="rId8"/>
+    <p:sldId id="260" r:id="rId9"/>
+    <p:sldId id="315" r:id="rId10"/>
+    <p:sldId id="261" r:id="rId11"/>
+    <p:sldId id="263" r:id="rId12"/>
+    <p:sldId id="267" r:id="rId13"/>
+    <p:sldId id="269" r:id="rId14"/>
+    <p:sldId id="268" r:id="rId15"/>
+    <p:sldId id="270" r:id="rId16"/>
+    <p:sldId id="272" r:id="rId17"/>
+    <p:sldId id="274" r:id="rId18"/>
+    <p:sldId id="331" r:id="rId19"/>
+    <p:sldId id="271" r:id="rId20"/>
+    <p:sldId id="273" r:id="rId21"/>
+    <p:sldId id="325" r:id="rId22"/>
+    <p:sldId id="326" r:id="rId23"/>
+    <p:sldId id="275" r:id="rId24"/>
+    <p:sldId id="280" r:id="rId25"/>
+    <p:sldId id="316" r:id="rId26"/>
+    <p:sldId id="262" r:id="rId27"/>
+    <p:sldId id="317" r:id="rId28"/>
+    <p:sldId id="318" r:id="rId29"/>
+    <p:sldId id="319" r:id="rId30"/>
+    <p:sldId id="320" r:id="rId31"/>
+    <p:sldId id="321" r:id="rId32"/>
+    <p:sldId id="322" r:id="rId33"/>
+    <p:sldId id="264" r:id="rId34"/>
+    <p:sldId id="283" r:id="rId35"/>
+    <p:sldId id="284" r:id="rId36"/>
+    <p:sldId id="328" r:id="rId37"/>
+    <p:sldId id="289" r:id="rId38"/>
+    <p:sldId id="286" r:id="rId39"/>
+    <p:sldId id="332" r:id="rId40"/>
+    <p:sldId id="287" r:id="rId41"/>
+    <p:sldId id="330" r:id="rId42"/>
+    <p:sldId id="288" r:id="rId43"/>
+    <p:sldId id="291" r:id="rId44"/>
+    <p:sldId id="292" r:id="rId45"/>
+    <p:sldId id="290" r:id="rId46"/>
+    <p:sldId id="293" r:id="rId47"/>
+    <p:sldId id="324" r:id="rId48"/>
+    <p:sldId id="296" r:id="rId49"/>
+    <p:sldId id="297" r:id="rId50"/>
+    <p:sldId id="298" r:id="rId51"/>
+    <p:sldId id="299" r:id="rId52"/>
+    <p:sldId id="301" r:id="rId53"/>
+    <p:sldId id="302" r:id="rId54"/>
+    <p:sldId id="303" r:id="rId55"/>
+    <p:sldId id="300" r:id="rId56"/>
+    <p:sldId id="304" r:id="rId57"/>
+    <p:sldId id="314" r:id="rId58"/>
   </p:sldIdLst>
   <p:sldSz cx="12192000" cy="6858000"/>
   <p:notesSz cx="6858000" cy="9144000"/>
@@ -256,7 +257,7 @@
           <a:p>
             <a:fld id="{F314420D-16BA-4EDC-9A71-800590EAD5A3}" type="datetimeFigureOut">
               <a:rPr lang="en-GB" smtClean="0"/>
-              <a:t>13/11/2017</a:t>
+              <a:t>17/11/2017</a:t>
             </a:fld>
             <a:endParaRPr lang="en-GB"/>
           </a:p>
@@ -693,7 +694,7 @@
           <a:p>
             <a:fld id="{29573B9A-66FB-4A63-BCD5-E140B9429FD2}" type="slidenum">
               <a:rPr lang="en-GB" smtClean="0"/>
-              <a:t>27</a:t>
+              <a:t>28</a:t>
             </a:fld>
             <a:endParaRPr lang="en-GB"/>
           </a:p>
@@ -786,7 +787,7 @@
           <a:p>
             <a:fld id="{29573B9A-66FB-4A63-BCD5-E140B9429FD2}" type="slidenum">
               <a:rPr lang="en-GB" smtClean="0"/>
-              <a:t>32</a:t>
+              <a:t>33</a:t>
             </a:fld>
             <a:endParaRPr lang="en-GB"/>
           </a:p>
@@ -1531,7 +1532,7 @@
           <a:p>
             <a:fld id="{4B93BECD-770C-48FB-A9C1-CBDB20A12600}" type="datetime1">
               <a:rPr lang="en-GB" smtClean="0"/>
-              <a:t>13/11/2017</a:t>
+              <a:t>17/11/2017</a:t>
             </a:fld>
             <a:endParaRPr lang="en-GB"/>
           </a:p>
@@ -1786,7 +1787,7 @@
           <a:p>
             <a:fld id="{25DB3270-4F6C-4302-A46B-9A321CB68D60}" type="datetime1">
               <a:rPr lang="en-GB" smtClean="0"/>
-              <a:t>13/11/2017</a:t>
+              <a:t>17/11/2017</a:t>
             </a:fld>
             <a:endParaRPr lang="en-GB"/>
           </a:p>
@@ -2104,7 +2105,7 @@
           <a:p>
             <a:fld id="{98663CE6-C901-47AB-B419-379C7460D51F}" type="datetime1">
               <a:rPr lang="en-GB" smtClean="0"/>
-              <a:t>13/11/2017</a:t>
+              <a:t>17/11/2017</a:t>
             </a:fld>
             <a:endParaRPr lang="en-GB"/>
           </a:p>
@@ -2435,7 +2436,7 @@
           <a:p>
             <a:fld id="{1DCDDF76-E275-4B30-AFAF-14F2984B2FB8}" type="datetime1">
               <a:rPr lang="en-GB" smtClean="0"/>
-              <a:t>13/11/2017</a:t>
+              <a:t>17/11/2017</a:t>
             </a:fld>
             <a:endParaRPr lang="en-GB"/>
           </a:p>
@@ -2753,7 +2754,7 @@
           <a:p>
             <a:fld id="{6E234061-EA38-41AF-B643-629D5F659AFE}" type="datetime1">
               <a:rPr lang="en-GB" smtClean="0"/>
-              <a:t>13/11/2017</a:t>
+              <a:t>17/11/2017</a:t>
             </a:fld>
             <a:endParaRPr lang="en-GB"/>
           </a:p>
@@ -3144,7 +3145,7 @@
           <a:p>
             <a:fld id="{CCEFDD20-9D83-470F-A5B3-7E75B1F3D536}" type="datetime1">
               <a:rPr lang="en-GB" smtClean="0"/>
-              <a:t>13/11/2017</a:t>
+              <a:t>17/11/2017</a:t>
             </a:fld>
             <a:endParaRPr lang="en-GB"/>
           </a:p>
@@ -3318,7 +3319,7 @@
           <a:p>
             <a:fld id="{D6B28952-BD27-4D25-A8D9-1DD6551BC96A}" type="datetime1">
               <a:rPr lang="en-GB" smtClean="0"/>
-              <a:t>13/11/2017</a:t>
+              <a:t>17/11/2017</a:t>
             </a:fld>
             <a:endParaRPr lang="en-GB"/>
           </a:p>
@@ -3502,7 +3503,7 @@
           <a:p>
             <a:fld id="{11397C5C-309C-46DA-A88F-F52AAD42B2B5}" type="datetime1">
               <a:rPr lang="en-GB" smtClean="0"/>
-              <a:t>13/11/2017</a:t>
+              <a:t>17/11/2017</a:t>
             </a:fld>
             <a:endParaRPr lang="en-GB"/>
           </a:p>
@@ -3676,7 +3677,7 @@
           <a:p>
             <a:fld id="{FB7CE8BF-7BF5-49B5-9886-0E587BEB1F22}" type="datetime1">
               <a:rPr lang="en-GB" smtClean="0"/>
-              <a:t>13/11/2017</a:t>
+              <a:t>17/11/2017</a:t>
             </a:fld>
             <a:endParaRPr lang="en-GB"/>
           </a:p>
@@ -3927,7 +3928,7 @@
           <a:p>
             <a:fld id="{F20242B9-9AD0-4C79-8F19-3349C23016C6}" type="datetime1">
               <a:rPr lang="en-GB" smtClean="0"/>
-              <a:t>13/11/2017</a:t>
+              <a:t>17/11/2017</a:t>
             </a:fld>
             <a:endParaRPr lang="en-GB"/>
           </a:p>
@@ -4163,7 +4164,7 @@
           <a:p>
             <a:fld id="{6D728F72-40DE-4BC2-A22C-903AB6655AF0}" type="datetime1">
               <a:rPr lang="en-GB" smtClean="0"/>
-              <a:t>13/11/2017</a:t>
+              <a:t>17/11/2017</a:t>
             </a:fld>
             <a:endParaRPr lang="en-GB"/>
           </a:p>
@@ -4541,7 +4542,7 @@
           <a:p>
             <a:fld id="{C5E88F30-64CD-43A1-A468-6350AE18BE3C}" type="datetime1">
               <a:rPr lang="en-GB" smtClean="0"/>
-              <a:t>13/11/2017</a:t>
+              <a:t>17/11/2017</a:t>
             </a:fld>
             <a:endParaRPr lang="en-GB"/>
           </a:p>
@@ -4668,7 +4669,7 @@
           <a:p>
             <a:fld id="{9AD93EE5-D1CC-4FB2-B6DE-64F0EDFC8BE0}" type="datetime1">
               <a:rPr lang="en-GB" smtClean="0"/>
-              <a:t>13/11/2017</a:t>
+              <a:t>17/11/2017</a:t>
             </a:fld>
             <a:endParaRPr lang="en-GB"/>
           </a:p>
@@ -4767,7 +4768,7 @@
           <a:p>
             <a:fld id="{DF908FE2-3B85-469D-A37D-ABBBF18EA65E}" type="datetime1">
               <a:rPr lang="en-GB" smtClean="0"/>
-              <a:t>13/11/2017</a:t>
+              <a:t>17/11/2017</a:t>
             </a:fld>
             <a:endParaRPr lang="en-GB"/>
           </a:p>
@@ -5026,7 +5027,7 @@
           <a:p>
             <a:fld id="{53FED677-0DD9-440E-A38F-E22D8406C981}" type="datetime1">
               <a:rPr lang="en-GB" smtClean="0"/>
-              <a:t>13/11/2017</a:t>
+              <a:t>17/11/2017</a:t>
             </a:fld>
             <a:endParaRPr lang="en-GB"/>
           </a:p>
@@ -5293,7 +5294,7 @@
           <a:p>
             <a:fld id="{E09307FC-19C9-4FEB-A48E-3622E35A3A38}" type="datetime1">
               <a:rPr lang="en-GB" smtClean="0"/>
-              <a:t>13/11/2017</a:t>
+              <a:t>17/11/2017</a:t>
             </a:fld>
             <a:endParaRPr lang="en-GB"/>
           </a:p>
@@ -6042,7 +6043,7 @@
           <a:p>
             <a:fld id="{94EF5B8F-51A3-4E84-9738-FC4B9B62746B}" type="datetime1">
               <a:rPr lang="en-GB" smtClean="0"/>
-              <a:t>13/11/2017</a:t>
+              <a:t>17/11/2017</a:t>
             </a:fld>
             <a:endParaRPr lang="en-GB"/>
           </a:p>
@@ -6687,6 +6688,85 @@
 </file>
 
 <file path=ppt/slides/slide10.xml><?xml version="1.0" encoding="utf-8"?>
+<p:sld xmlns:a="http://schemas.openxmlformats.org/drawingml/2006/main" xmlns:r="http://schemas.openxmlformats.org/officeDocument/2006/relationships" xmlns:p="http://schemas.openxmlformats.org/presentationml/2006/main">
+  <p:cSld>
+    <p:spTree>
+      <p:nvGrpSpPr>
+        <p:cNvPr id="1" name=""/>
+        <p:cNvGrpSpPr/>
+        <p:nvPr/>
+      </p:nvGrpSpPr>
+      <p:grpSpPr>
+        <a:xfrm>
+          <a:off x="0" y="0"/>
+          <a:ext cx="0" cy="0"/>
+          <a:chOff x="0" y="0"/>
+          <a:chExt cx="0" cy="0"/>
+        </a:xfrm>
+      </p:grpSpPr>
+      <p:sp>
+        <p:nvSpPr>
+          <p:cNvPr id="2" name="Title 1"/>
+          <p:cNvSpPr>
+            <a:spLocks noGrp="1"/>
+          </p:cNvSpPr>
+          <p:nvPr>
+            <p:ph type="ctrTitle"/>
+          </p:nvPr>
+        </p:nvSpPr>
+        <p:spPr>
+          <a:xfrm>
+            <a:off x="1507067" y="2404534"/>
+            <a:ext cx="7950832" cy="1646302"/>
+          </a:xfrm>
+        </p:spPr>
+        <p:txBody>
+          <a:bodyPr/>
+          <a:lstStyle/>
+          <a:p>
+            <a:r>
+              <a:rPr lang="en-GB" dirty="0"/>
+              <a:t>Arrays: a quick summary</a:t>
+            </a:r>
+          </a:p>
+        </p:txBody>
+      </p:sp>
+      <p:sp>
+        <p:nvSpPr>
+          <p:cNvPr id="6" name="Subtitle 5"/>
+          <p:cNvSpPr>
+            <a:spLocks noGrp="1"/>
+          </p:cNvSpPr>
+          <p:nvPr>
+            <p:ph type="subTitle" idx="1"/>
+          </p:nvPr>
+        </p:nvSpPr>
+        <p:spPr/>
+        <p:txBody>
+          <a:bodyPr/>
+          <a:lstStyle/>
+          <a:p>
+            <a:r>
+              <a:rPr lang="en-GB" dirty="0"/>
+              <a:t>Definition, Basic manipulation &amp; properties, Search algorithms</a:t>
+            </a:r>
+          </a:p>
+        </p:txBody>
+      </p:sp>
+    </p:spTree>
+    <p:extLst>
+      <p:ext uri="{BB962C8B-B14F-4D97-AF65-F5344CB8AC3E}">
+        <p14:creationId xmlns:p14="http://schemas.microsoft.com/office/powerpoint/2010/main" val="1277042364"/>
+      </p:ext>
+    </p:extLst>
+  </p:cSld>
+  <p:clrMapOvr>
+    <a:masterClrMapping/>
+  </p:clrMapOvr>
+</p:sld>
+</file>
+
+<file path=ppt/slides/slide11.xml><?xml version="1.0" encoding="utf-8"?>
 <p:sld xmlns:a="http://schemas.openxmlformats.org/drawingml/2006/main" xmlns:r="http://schemas.openxmlformats.org/officeDocument/2006/relationships" xmlns:p="http://schemas.openxmlformats.org/presentationml/2006/main">
   <p:cSld>
     <p:spTree>
@@ -8633,7 +8713,7 @@
 </p:sld>
 </file>
 
-<file path=ppt/slides/slide11.xml><?xml version="1.0" encoding="utf-8"?>
+<file path=ppt/slides/slide12.xml><?xml version="1.0" encoding="utf-8"?>
 <p:sld xmlns:a="http://schemas.openxmlformats.org/drawingml/2006/main" xmlns:r="http://schemas.openxmlformats.org/officeDocument/2006/relationships" xmlns:p="http://schemas.openxmlformats.org/presentationml/2006/main">
   <p:cSld>
     <p:spTree>
@@ -8820,7 +8900,7 @@
 </p:sld>
 </file>
 
-<file path=ppt/slides/slide12.xml><?xml version="1.0" encoding="utf-8"?>
+<file path=ppt/slides/slide13.xml><?xml version="1.0" encoding="utf-8"?>
 <p:sld xmlns:a="http://schemas.openxmlformats.org/drawingml/2006/main" xmlns:r="http://schemas.openxmlformats.org/officeDocument/2006/relationships" xmlns:p="http://schemas.openxmlformats.org/presentationml/2006/main">
   <p:cSld>
     <p:spTree>
@@ -9320,11 +9400,7 @@
                                           </p:stCondLst>
                                         </p:cTn>
                                         <p:tgtEl>
-                                          <p:spTgt spid="3">
-                                            <p:txEl>
-                                              <p:pRg st="3" end="3"/>
-                                            </p:txEl>
-                                          </p:spTgt>
+                                          <p:spTgt spid="2050"/>
                                         </p:tgtEl>
                                         <p:attrNameLst>
                                           <p:attrName>style.visibility</p:attrName>
@@ -9337,39 +9413,26 @@
                                   </p:childTnLst>
                                 </p:cTn>
                               </p:par>
+                            </p:childTnLst>
+                          </p:cTn>
+                        </p:par>
+                      </p:childTnLst>
+                    </p:cTn>
+                  </p:par>
+                  <p:par>
+                    <p:cTn id="11" fill="hold">
+                      <p:stCondLst>
+                        <p:cond delay="indefinite"/>
+                      </p:stCondLst>
+                      <p:childTnLst>
+                        <p:par>
+                          <p:cTn id="12" fill="hold">
+                            <p:stCondLst>
+                              <p:cond delay="0"/>
+                            </p:stCondLst>
+                            <p:childTnLst>
                               <p:par>
-                                <p:cTn id="11" presetID="1" presetClass="entr" presetSubtype="0" fill="hold" nodeType="withEffect">
-                                  <p:stCondLst>
-                                    <p:cond delay="0"/>
-                                  </p:stCondLst>
-                                  <p:childTnLst>
-                                    <p:set>
-                                      <p:cBhvr>
-                                        <p:cTn id="12" dur="1" fill="hold">
-                                          <p:stCondLst>
-                                            <p:cond delay="0"/>
-                                          </p:stCondLst>
-                                        </p:cTn>
-                                        <p:tgtEl>
-                                          <p:spTgt spid="3">
-                                            <p:txEl>
-                                              <p:pRg st="4" end="4"/>
-                                            </p:txEl>
-                                          </p:spTgt>
-                                        </p:tgtEl>
-                                        <p:attrNameLst>
-                                          <p:attrName>style.visibility</p:attrName>
-                                        </p:attrNameLst>
-                                      </p:cBhvr>
-                                      <p:to>
-                                        <p:strVal val="visible"/>
-                                      </p:to>
-                                    </p:set>
-                                  </p:childTnLst>
-                                </p:cTn>
-                              </p:par>
-                              <p:par>
-                                <p:cTn id="13" presetID="1" presetClass="entr" presetSubtype="0" fill="hold" nodeType="withEffect">
+                                <p:cTn id="13" presetID="1" presetClass="entr" presetSubtype="0" fill="hold" nodeType="clickEffect">
                                   <p:stCondLst>
                                     <p:cond delay="0"/>
                                   </p:stCondLst>
@@ -9384,7 +9447,7 @@
                                         <p:tgtEl>
                                           <p:spTgt spid="3">
                                             <p:txEl>
-                                              <p:pRg st="5" end="5"/>
+                                              <p:pRg st="3" end="3"/>
                                             </p:txEl>
                                           </p:spTgt>
                                         </p:tgtEl>
@@ -9415,7 +9478,7 @@
                                         <p:tgtEl>
                                           <p:spTgt spid="3">
                                             <p:txEl>
-                                              <p:pRg st="6" end="6"/>
+                                              <p:pRg st="4" end="4"/>
                                             </p:txEl>
                                           </p:spTgt>
                                         </p:tgtEl>
@@ -9444,7 +9507,11 @@
                                           </p:stCondLst>
                                         </p:cTn>
                                         <p:tgtEl>
-                                          <p:spTgt spid="2050"/>
+                                          <p:spTgt spid="3">
+                                            <p:txEl>
+                                              <p:pRg st="5" end="5"/>
+                                            </p:txEl>
+                                          </p:spTgt>
                                         </p:tgtEl>
                                         <p:attrNameLst>
                                           <p:attrName>style.visibility</p:attrName>
@@ -9466,6 +9533,37 @@
                                     <p:set>
                                       <p:cBhvr>
                                         <p:cTn id="20" dur="1" fill="hold">
+                                          <p:stCondLst>
+                                            <p:cond delay="0"/>
+                                          </p:stCondLst>
+                                        </p:cTn>
+                                        <p:tgtEl>
+                                          <p:spTgt spid="3">
+                                            <p:txEl>
+                                              <p:pRg st="6" end="6"/>
+                                            </p:txEl>
+                                          </p:spTgt>
+                                        </p:tgtEl>
+                                        <p:attrNameLst>
+                                          <p:attrName>style.visibility</p:attrName>
+                                        </p:attrNameLst>
+                                      </p:cBhvr>
+                                      <p:to>
+                                        <p:strVal val="visible"/>
+                                      </p:to>
+                                    </p:set>
+                                  </p:childTnLst>
+                                </p:cTn>
+                              </p:par>
+                              <p:par>
+                                <p:cTn id="21" presetID="1" presetClass="entr" presetSubtype="0" fill="hold" nodeType="withEffect">
+                                  <p:stCondLst>
+                                    <p:cond delay="0"/>
+                                  </p:stCondLst>
+                                  <p:childTnLst>
+                                    <p:set>
+                                      <p:cBhvr>
+                                        <p:cTn id="22" dur="1" fill="hold">
                                           <p:stCondLst>
                                             <p:cond delay="0"/>
                                           </p:stCondLst>
@@ -9515,7 +9613,7 @@
 </p:sld>
 </file>
 
-<file path=ppt/slides/slide13.xml><?xml version="1.0" encoding="utf-8"?>
+<file path=ppt/slides/slide14.xml><?xml version="1.0" encoding="utf-8"?>
 <p:sld xmlns:a="http://schemas.openxmlformats.org/drawingml/2006/main" xmlns:r="http://schemas.openxmlformats.org/officeDocument/2006/relationships" xmlns:p="http://schemas.openxmlformats.org/presentationml/2006/main">
   <p:cSld>
     <p:spTree>
@@ -9653,6 +9751,13 @@
                 <a:pPr lvl="1"/>
                 <a:r>
                   <a:rPr lang="en-GB" dirty="0"/>
+                  <a:t>First index </a:t>
+                </a:r>
+              </a:p>
+              <a:p>
+                <a:pPr lvl="1"/>
+                <a:r>
+                  <a:rPr lang="en-GB" dirty="0"/>
                   <a:t>Some languages provide one-based array types (i.e., the first index is 1 and not 0!)</a:t>
                 </a:r>
               </a:p>
@@ -9675,7 +9780,7 @@
                 <a:off x="677334" y="2160589"/>
                 <a:ext cx="8596668" cy="4515784"/>
               </a:xfrm>
-              <a:blipFill rotWithShape="0">
+              <a:blipFill>
                 <a:blip r:embed="rId2"/>
                 <a:stretch>
                   <a:fillRect l="-142" t="-810"/>
@@ -9913,6 +10018,37 @@
                                         <p:tgtEl>
                                           <p:spTgt spid="3">
                                             <p:txEl>
+                                              <p:pRg st="8" end="8"/>
+                                            </p:txEl>
+                                          </p:spTgt>
+                                        </p:tgtEl>
+                                        <p:attrNameLst>
+                                          <p:attrName>style.visibility</p:attrName>
+                                        </p:attrNameLst>
+                                      </p:cBhvr>
+                                      <p:to>
+                                        <p:strVal val="visible"/>
+                                      </p:to>
+                                    </p:set>
+                                  </p:childTnLst>
+                                </p:cTn>
+                              </p:par>
+                              <p:par>
+                                <p:cTn id="19" presetID="1" presetClass="entr" presetSubtype="0" fill="hold" nodeType="withEffect">
+                                  <p:stCondLst>
+                                    <p:cond delay="0"/>
+                                  </p:stCondLst>
+                                  <p:childTnLst>
+                                    <p:set>
+                                      <p:cBhvr>
+                                        <p:cTn id="20" dur="1" fill="hold">
+                                          <p:stCondLst>
+                                            <p:cond delay="0"/>
+                                          </p:stCondLst>
+                                        </p:cTn>
+                                        <p:tgtEl>
+                                          <p:spTgt spid="3">
+                                            <p:txEl>
                                               <p:pRg st="7" end="7"/>
                                             </p:txEl>
                                           </p:spTgt>
@@ -9959,158 +10095,6 @@
 </p:sld>
 </file>
 
-<file path=ppt/slides/slide14.xml><?xml version="1.0" encoding="utf-8"?>
-<p:sld xmlns:a="http://schemas.openxmlformats.org/drawingml/2006/main" xmlns:r="http://schemas.openxmlformats.org/officeDocument/2006/relationships" xmlns:p="http://schemas.openxmlformats.org/presentationml/2006/main">
-  <p:cSld>
-    <p:spTree>
-      <p:nvGrpSpPr>
-        <p:cNvPr id="1" name=""/>
-        <p:cNvGrpSpPr/>
-        <p:nvPr/>
-      </p:nvGrpSpPr>
-      <p:grpSpPr>
-        <a:xfrm>
-          <a:off x="0" y="0"/>
-          <a:ext cx="0" cy="0"/>
-          <a:chOff x="0" y="0"/>
-          <a:chExt cx="0" cy="0"/>
-        </a:xfrm>
-      </p:grpSpPr>
-      <p:sp>
-        <p:nvSpPr>
-          <p:cNvPr id="2" name="Title 1"/>
-          <p:cNvSpPr>
-            <a:spLocks noGrp="1"/>
-          </p:cNvSpPr>
-          <p:nvPr>
-            <p:ph type="title"/>
-          </p:nvPr>
-        </p:nvSpPr>
-        <p:spPr/>
-        <p:txBody>
-          <a:bodyPr/>
-          <a:lstStyle/>
-          <a:p>
-            <a:r>
-              <a:rPr lang="en-GB" dirty="0"/>
-              <a:t>Array – Sequential search </a:t>
-            </a:r>
-          </a:p>
-        </p:txBody>
-      </p:sp>
-      <p:sp>
-        <p:nvSpPr>
-          <p:cNvPr id="3" name="Content Placeholder 2"/>
-          <p:cNvSpPr>
-            <a:spLocks noGrp="1"/>
-          </p:cNvSpPr>
-          <p:nvPr>
-            <p:ph idx="1"/>
-          </p:nvPr>
-        </p:nvSpPr>
-        <p:spPr>
-          <a:xfrm>
-            <a:off x="677334" y="2160589"/>
-            <a:ext cx="8835156" cy="3880773"/>
-          </a:xfrm>
-        </p:spPr>
-        <p:txBody>
-          <a:bodyPr/>
-          <a:lstStyle/>
-          <a:p>
-            <a:r>
-              <a:rPr lang="en-GB" dirty="0"/>
-              <a:t>Also called </a:t>
-            </a:r>
-            <a:r>
-              <a:rPr lang="en-GB" i="1" dirty="0"/>
-              <a:t>linear search </a:t>
-            </a:r>
-          </a:p>
-          <a:p>
-            <a:endParaRPr lang="en-GB" i="1" dirty="0"/>
-          </a:p>
-          <a:p>
-            <a:r>
-              <a:rPr lang="en-GB" dirty="0"/>
-              <a:t>Simplest algorithm possible…</a:t>
-            </a:r>
-          </a:p>
-          <a:p>
-            <a:r>
-              <a:rPr lang="en-GB" dirty="0"/>
-              <a:t>… but also least efficient!</a:t>
-            </a:r>
-          </a:p>
-          <a:p>
-            <a:pPr lvl="1"/>
-            <a:r>
-              <a:rPr lang="en-GB" dirty="0"/>
-              <a:t>Trade-off: simplicity or performance? </a:t>
-            </a:r>
-          </a:p>
-          <a:p>
-            <a:endParaRPr lang="en-GB" dirty="0"/>
-          </a:p>
-          <a:p>
-            <a:r>
-              <a:rPr lang="en-GB" dirty="0"/>
-              <a:t>Examine each element </a:t>
-            </a:r>
-            <a:r>
-              <a:rPr lang="en-GB" b="1" dirty="0"/>
-              <a:t>sequentially</a:t>
-            </a:r>
-            <a:r>
-              <a:rPr lang="en-GB" dirty="0"/>
-              <a:t>, from the first one to the end of the array</a:t>
-            </a:r>
-          </a:p>
-          <a:p>
-            <a:pPr lvl="1"/>
-            <a:r>
-              <a:rPr lang="en-GB" dirty="0"/>
-              <a:t>Similar to looking for a passenger in a moving train</a:t>
-            </a:r>
-          </a:p>
-        </p:txBody>
-      </p:sp>
-      <p:sp>
-        <p:nvSpPr>
-          <p:cNvPr id="4" name="Footer Placeholder 3"/>
-          <p:cNvSpPr>
-            <a:spLocks noGrp="1"/>
-          </p:cNvSpPr>
-          <p:nvPr>
-            <p:ph type="ftr" sz="quarter" idx="11"/>
-          </p:nvPr>
-        </p:nvSpPr>
-        <p:spPr/>
-        <p:txBody>
-          <a:bodyPr/>
-          <a:lstStyle/>
-          <a:p>
-            <a:r>
-              <a:rPr lang="it-IT"/>
-              <a:t>INFDEV036A - G. Costantini, F. Di Giacomo</a:t>
-            </a:r>
-            <a:endParaRPr lang="en-GB"/>
-          </a:p>
-        </p:txBody>
-      </p:sp>
-    </p:spTree>
-    <p:extLst>
-      <p:ext uri="{BB962C8B-B14F-4D97-AF65-F5344CB8AC3E}">
-        <p14:creationId xmlns:p14="http://schemas.microsoft.com/office/powerpoint/2010/main" val="937817670"/>
-      </p:ext>
-    </p:extLst>
-  </p:cSld>
-  <p:clrMapOvr>
-    <a:masterClrMapping/>
-  </p:clrMapOvr>
-</p:sld>
-</file>
-
 <file path=ppt/slides/slide15.xml><?xml version="1.0" encoding="utf-8"?>
 <p:sld xmlns:a="http://schemas.openxmlformats.org/drawingml/2006/main" xmlns:r="http://schemas.openxmlformats.org/officeDocument/2006/relationships" xmlns:p="http://schemas.openxmlformats.org/presentationml/2006/main">
   <p:cSld>
@@ -10160,166 +10144,69 @@
             <p:ph idx="1"/>
           </p:nvPr>
         </p:nvSpPr>
-        <p:spPr/>
+        <p:spPr>
+          <a:xfrm>
+            <a:off x="677334" y="2160589"/>
+            <a:ext cx="8835156" cy="3880773"/>
+          </a:xfrm>
+        </p:spPr>
         <p:txBody>
           <a:bodyPr/>
           <a:lstStyle/>
           <a:p>
             <a:r>
               <a:rPr lang="en-GB" dirty="0"/>
-              <a:t>Pseudo-code </a:t>
+              <a:t>Also called </a:t>
+            </a:r>
+            <a:r>
+              <a:rPr lang="en-GB" i="1" dirty="0"/>
+              <a:t>linear search </a:t>
+            </a:r>
+          </a:p>
+          <a:p>
+            <a:endParaRPr lang="en-GB" i="1" dirty="0"/>
+          </a:p>
+          <a:p>
+            <a:r>
+              <a:rPr lang="en-GB" dirty="0"/>
+              <a:t>Simplest algorithm possible…</a:t>
+            </a:r>
+          </a:p>
+          <a:p>
+            <a:r>
+              <a:rPr lang="en-GB" dirty="0"/>
+              <a:t>… but also least efficient!</a:t>
             </a:r>
           </a:p>
           <a:p>
             <a:pPr lvl="1"/>
             <a:r>
               <a:rPr lang="en-GB" dirty="0"/>
-              <a:t>Look for the value </a:t>
-            </a:r>
-            <a:r>
-              <a:rPr lang="en-GB" dirty="0">
-                <a:latin typeface="Consolas" panose="020B0609020204030204" pitchFamily="49" charset="0"/>
-                <a:cs typeface="Consolas" panose="020B0609020204030204" pitchFamily="49" charset="0"/>
-              </a:rPr>
-              <a:t>v</a:t>
-            </a:r>
+              <a:t>Trade-off: simplicity or performance? </a:t>
+            </a:r>
+          </a:p>
+          <a:p>
+            <a:endParaRPr lang="en-GB" dirty="0"/>
+          </a:p>
+          <a:p>
             <a:r>
               <a:rPr lang="en-GB" dirty="0"/>
-              <a:t> in the array </a:t>
-            </a:r>
-            <a:r>
-              <a:rPr lang="en-GB" dirty="0">
-                <a:latin typeface="Consolas" panose="020B0609020204030204" pitchFamily="49" charset="0"/>
-                <a:cs typeface="Consolas" panose="020B0609020204030204" pitchFamily="49" charset="0"/>
-              </a:rPr>
-              <a:t>a</a:t>
-            </a:r>
-            <a:endParaRPr lang="en-GB" dirty="0"/>
+              <a:t>Examine each element </a:t>
+            </a:r>
+            <a:r>
+              <a:rPr lang="en-GB" b="1" dirty="0"/>
+              <a:t>sequentially</a:t>
+            </a:r>
+            <a:r>
+              <a:rPr lang="en-GB" dirty="0"/>
+              <a:t>, from the first one to the end of the array</a:t>
+            </a:r>
           </a:p>
           <a:p>
             <a:pPr lvl="1"/>
             <a:r>
               <a:rPr lang="en-GB" dirty="0"/>
-              <a:t>Return </a:t>
-            </a:r>
-            <a:r>
-              <a:rPr lang="en-GB" dirty="0">
-                <a:latin typeface="Consolas" panose="020B0609020204030204" pitchFamily="49" charset="0"/>
-                <a:cs typeface="Consolas" panose="020B0609020204030204" pitchFamily="49" charset="0"/>
-              </a:rPr>
-              <a:t>-1</a:t>
-            </a:r>
-            <a:r>
-              <a:rPr lang="en-GB" dirty="0"/>
-              <a:t> if </a:t>
-            </a:r>
-            <a:r>
-              <a:rPr lang="en-GB" dirty="0">
-                <a:latin typeface="Consolas" panose="020B0609020204030204" pitchFamily="49" charset="0"/>
-                <a:cs typeface="Consolas" panose="020B0609020204030204" pitchFamily="49" charset="0"/>
-              </a:rPr>
-              <a:t>v</a:t>
-            </a:r>
-            <a:r>
-              <a:rPr lang="en-GB" dirty="0"/>
-              <a:t> is not found </a:t>
-            </a:r>
-          </a:p>
-          <a:p>
-            <a:endParaRPr lang="en-GB" dirty="0"/>
-          </a:p>
-          <a:p>
-            <a:pPr marL="0" indent="0">
-              <a:buNone/>
-            </a:pPr>
-            <a:r>
-              <a:rPr lang="en-GB" dirty="0">
-                <a:latin typeface="Consolas" panose="020B0609020204030204" pitchFamily="49" charset="0"/>
-                <a:cs typeface="Consolas" panose="020B0609020204030204" pitchFamily="49" charset="0"/>
-              </a:rPr>
-              <a:t>FOR </a:t>
-            </a:r>
-            <a:r>
-              <a:rPr lang="en-GB" dirty="0" err="1">
-                <a:latin typeface="Consolas" panose="020B0609020204030204" pitchFamily="49" charset="0"/>
-                <a:cs typeface="Consolas" panose="020B0609020204030204" pitchFamily="49" charset="0"/>
-              </a:rPr>
-              <a:t>i</a:t>
-            </a:r>
-            <a:r>
-              <a:rPr lang="en-GB" dirty="0">
-                <a:latin typeface="Consolas" panose="020B0609020204030204" pitchFamily="49" charset="0"/>
-                <a:cs typeface="Consolas" panose="020B0609020204030204" pitchFamily="49" charset="0"/>
-              </a:rPr>
-              <a:t> = 0 TO N-1</a:t>
-            </a:r>
-          </a:p>
-          <a:p>
-            <a:pPr marL="0" indent="0">
-              <a:buNone/>
-            </a:pPr>
-            <a:r>
-              <a:rPr lang="en-GB" sz="1800" dirty="0">
-                <a:latin typeface="Consolas" panose="020B0609020204030204" pitchFamily="49" charset="0"/>
-                <a:cs typeface="Consolas" panose="020B0609020204030204" pitchFamily="49" charset="0"/>
-              </a:rPr>
-              <a:t>  IF a[</a:t>
-            </a:r>
-            <a:r>
-              <a:rPr lang="en-GB" sz="1800" dirty="0" err="1">
-                <a:latin typeface="Consolas" panose="020B0609020204030204" pitchFamily="49" charset="0"/>
-                <a:cs typeface="Consolas" panose="020B0609020204030204" pitchFamily="49" charset="0"/>
-              </a:rPr>
-              <a:t>i</a:t>
-            </a:r>
-            <a:r>
-              <a:rPr lang="en-GB" sz="1800" dirty="0">
-                <a:latin typeface="Consolas" panose="020B0609020204030204" pitchFamily="49" charset="0"/>
-                <a:cs typeface="Consolas" panose="020B0609020204030204" pitchFamily="49" charset="0"/>
-              </a:rPr>
-              <a:t>] = v</a:t>
-            </a:r>
-          </a:p>
-          <a:p>
-            <a:pPr marL="0" indent="0">
-              <a:buNone/>
-            </a:pPr>
-            <a:r>
-              <a:rPr lang="en-GB" dirty="0">
-                <a:latin typeface="Consolas" panose="020B0609020204030204" pitchFamily="49" charset="0"/>
-                <a:cs typeface="Consolas" panose="020B0609020204030204" pitchFamily="49" charset="0"/>
-              </a:rPr>
-              <a:t>    </a:t>
-            </a:r>
-            <a:r>
-              <a:rPr lang="en-GB" sz="1800" dirty="0">
-                <a:latin typeface="Consolas" panose="020B0609020204030204" pitchFamily="49" charset="0"/>
-                <a:cs typeface="Consolas" panose="020B0609020204030204" pitchFamily="49" charset="0"/>
-              </a:rPr>
-              <a:t>RETURN </a:t>
-            </a:r>
-            <a:r>
-              <a:rPr lang="en-GB" sz="1800" dirty="0" err="1">
-                <a:latin typeface="Consolas" panose="020B0609020204030204" pitchFamily="49" charset="0"/>
-                <a:cs typeface="Consolas" panose="020B0609020204030204" pitchFamily="49" charset="0"/>
-              </a:rPr>
-              <a:t>i</a:t>
-            </a:r>
-            <a:endParaRPr lang="en-GB" sz="1800" dirty="0">
-              <a:latin typeface="Consolas" panose="020B0609020204030204" pitchFamily="49" charset="0"/>
-              <a:cs typeface="Consolas" panose="020B0609020204030204" pitchFamily="49" charset="0"/>
-            </a:endParaRPr>
-          </a:p>
-          <a:p>
-            <a:pPr marL="0" indent="0">
-              <a:buNone/>
-            </a:pPr>
-            <a:r>
-              <a:rPr lang="en-GB" dirty="0">
-                <a:latin typeface="Consolas" panose="020B0609020204030204" pitchFamily="49" charset="0"/>
-                <a:cs typeface="Consolas" panose="020B0609020204030204" pitchFamily="49" charset="0"/>
-              </a:rPr>
-              <a:t>RETURN -1</a:t>
+              <a:t>Similar to looking for a passenger in a moving train</a:t>
             </a:r>
           </a:p>
         </p:txBody>
@@ -10350,6 +10237,365 @@
     </p:spTree>
     <p:extLst>
       <p:ext uri="{BB962C8B-B14F-4D97-AF65-F5344CB8AC3E}">
+        <p14:creationId xmlns:p14="http://schemas.microsoft.com/office/powerpoint/2010/main" val="937817670"/>
+      </p:ext>
+    </p:extLst>
+  </p:cSld>
+  <p:clrMapOvr>
+    <a:masterClrMapping/>
+  </p:clrMapOvr>
+  <p:timing>
+    <p:tnLst>
+      <p:par>
+        <p:cTn id="1" dur="indefinite" restart="never" nodeType="tmRoot">
+          <p:childTnLst>
+            <p:seq concurrent="1" nextAc="seek">
+              <p:cTn id="2" dur="indefinite" nodeType="mainSeq">
+                <p:childTnLst>
+                  <p:par>
+                    <p:cTn id="3" fill="hold">
+                      <p:stCondLst>
+                        <p:cond delay="indefinite"/>
+                      </p:stCondLst>
+                      <p:childTnLst>
+                        <p:par>
+                          <p:cTn id="4" fill="hold">
+                            <p:stCondLst>
+                              <p:cond delay="0"/>
+                            </p:stCondLst>
+                            <p:childTnLst>
+                              <p:par>
+                                <p:cTn id="5" presetID="1" presetClass="entr" presetSubtype="0" fill="hold" nodeType="clickEffect">
+                                  <p:stCondLst>
+                                    <p:cond delay="0"/>
+                                  </p:stCondLst>
+                                  <p:childTnLst>
+                                    <p:set>
+                                      <p:cBhvr>
+                                        <p:cTn id="6" dur="1" fill="hold">
+                                          <p:stCondLst>
+                                            <p:cond delay="0"/>
+                                          </p:stCondLst>
+                                        </p:cTn>
+                                        <p:tgtEl>
+                                          <p:spTgt spid="3">
+                                            <p:txEl>
+                                              <p:pRg st="6" end="6"/>
+                                            </p:txEl>
+                                          </p:spTgt>
+                                        </p:tgtEl>
+                                        <p:attrNameLst>
+                                          <p:attrName>style.visibility</p:attrName>
+                                        </p:attrNameLst>
+                                      </p:cBhvr>
+                                      <p:to>
+                                        <p:strVal val="visible"/>
+                                      </p:to>
+                                    </p:set>
+                                  </p:childTnLst>
+                                </p:cTn>
+                              </p:par>
+                              <p:par>
+                                <p:cTn id="7" presetID="1" presetClass="entr" presetSubtype="0" fill="hold" nodeType="withEffect">
+                                  <p:stCondLst>
+                                    <p:cond delay="0"/>
+                                  </p:stCondLst>
+                                  <p:childTnLst>
+                                    <p:set>
+                                      <p:cBhvr>
+                                        <p:cTn id="8" dur="1" fill="hold">
+                                          <p:stCondLst>
+                                            <p:cond delay="0"/>
+                                          </p:stCondLst>
+                                        </p:cTn>
+                                        <p:tgtEl>
+                                          <p:spTgt spid="3">
+                                            <p:txEl>
+                                              <p:pRg st="7" end="7"/>
+                                            </p:txEl>
+                                          </p:spTgt>
+                                        </p:tgtEl>
+                                        <p:attrNameLst>
+                                          <p:attrName>style.visibility</p:attrName>
+                                        </p:attrNameLst>
+                                      </p:cBhvr>
+                                      <p:to>
+                                        <p:strVal val="visible"/>
+                                      </p:to>
+                                    </p:set>
+                                  </p:childTnLst>
+                                </p:cTn>
+                              </p:par>
+                            </p:childTnLst>
+                          </p:cTn>
+                        </p:par>
+                      </p:childTnLst>
+                    </p:cTn>
+                  </p:par>
+                </p:childTnLst>
+              </p:cTn>
+              <p:prevCondLst>
+                <p:cond evt="onPrev" delay="0">
+                  <p:tgtEl>
+                    <p:sldTgt/>
+                  </p:tgtEl>
+                </p:cond>
+              </p:prevCondLst>
+              <p:nextCondLst>
+                <p:cond evt="onNext" delay="0">
+                  <p:tgtEl>
+                    <p:sldTgt/>
+                  </p:tgtEl>
+                </p:cond>
+              </p:nextCondLst>
+            </p:seq>
+          </p:childTnLst>
+        </p:cTn>
+      </p:par>
+    </p:tnLst>
+  </p:timing>
+</p:sld>
+</file>
+
+<file path=ppt/slides/slide16.xml><?xml version="1.0" encoding="utf-8"?>
+<p:sld xmlns:a="http://schemas.openxmlformats.org/drawingml/2006/main" xmlns:r="http://schemas.openxmlformats.org/officeDocument/2006/relationships" xmlns:p="http://schemas.openxmlformats.org/presentationml/2006/main">
+  <p:cSld>
+    <p:spTree>
+      <p:nvGrpSpPr>
+        <p:cNvPr id="1" name=""/>
+        <p:cNvGrpSpPr/>
+        <p:nvPr/>
+      </p:nvGrpSpPr>
+      <p:grpSpPr>
+        <a:xfrm>
+          <a:off x="0" y="0"/>
+          <a:ext cx="0" cy="0"/>
+          <a:chOff x="0" y="0"/>
+          <a:chExt cx="0" cy="0"/>
+        </a:xfrm>
+      </p:grpSpPr>
+      <p:sp>
+        <p:nvSpPr>
+          <p:cNvPr id="2" name="Title 1"/>
+          <p:cNvSpPr>
+            <a:spLocks noGrp="1"/>
+          </p:cNvSpPr>
+          <p:nvPr>
+            <p:ph type="title"/>
+          </p:nvPr>
+        </p:nvSpPr>
+        <p:spPr/>
+        <p:txBody>
+          <a:bodyPr/>
+          <a:lstStyle/>
+          <a:p>
+            <a:r>
+              <a:rPr lang="en-GB" dirty="0"/>
+              <a:t>Array – Sequential search </a:t>
+            </a:r>
+          </a:p>
+        </p:txBody>
+      </p:sp>
+      <p:sp>
+        <p:nvSpPr>
+          <p:cNvPr id="3" name="Content Placeholder 2"/>
+          <p:cNvSpPr>
+            <a:spLocks noGrp="1"/>
+          </p:cNvSpPr>
+          <p:nvPr>
+            <p:ph idx="1"/>
+          </p:nvPr>
+        </p:nvSpPr>
+        <p:spPr/>
+        <p:txBody>
+          <a:bodyPr/>
+          <a:lstStyle/>
+          <a:p>
+            <a:r>
+              <a:rPr lang="en-GB" dirty="0"/>
+              <a:t>Pseudo-code </a:t>
+            </a:r>
+          </a:p>
+          <a:p>
+            <a:pPr lvl="1"/>
+            <a:r>
+              <a:rPr lang="en-GB" dirty="0"/>
+              <a:t>Look for the value </a:t>
+            </a:r>
+            <a:r>
+              <a:rPr lang="en-GB" dirty="0">
+                <a:latin typeface="Consolas" panose="020B0609020204030204" pitchFamily="49" charset="0"/>
+                <a:cs typeface="Consolas" panose="020B0609020204030204" pitchFamily="49" charset="0"/>
+              </a:rPr>
+              <a:t>v</a:t>
+            </a:r>
+            <a:r>
+              <a:rPr lang="en-GB" dirty="0"/>
+              <a:t> in the array </a:t>
+            </a:r>
+            <a:r>
+              <a:rPr lang="en-GB" dirty="0">
+                <a:latin typeface="Consolas" panose="020B0609020204030204" pitchFamily="49" charset="0"/>
+                <a:cs typeface="Consolas" panose="020B0609020204030204" pitchFamily="49" charset="0"/>
+              </a:rPr>
+              <a:t>a</a:t>
+            </a:r>
+            <a:endParaRPr lang="en-GB" dirty="0"/>
+          </a:p>
+          <a:p>
+            <a:pPr lvl="1"/>
+            <a:r>
+              <a:rPr lang="en-GB" dirty="0"/>
+              <a:t>Return </a:t>
+            </a:r>
+            <a:r>
+              <a:rPr lang="en-GB" dirty="0">
+                <a:latin typeface="Consolas" panose="020B0609020204030204" pitchFamily="49" charset="0"/>
+                <a:cs typeface="Consolas" panose="020B0609020204030204" pitchFamily="49" charset="0"/>
+              </a:rPr>
+              <a:t>-1</a:t>
+            </a:r>
+            <a:r>
+              <a:rPr lang="en-GB" dirty="0"/>
+              <a:t> if </a:t>
+            </a:r>
+            <a:r>
+              <a:rPr lang="en-GB" dirty="0">
+                <a:latin typeface="Consolas" panose="020B0609020204030204" pitchFamily="49" charset="0"/>
+                <a:cs typeface="Consolas" panose="020B0609020204030204" pitchFamily="49" charset="0"/>
+              </a:rPr>
+              <a:t>v</a:t>
+            </a:r>
+            <a:r>
+              <a:rPr lang="en-GB" dirty="0"/>
+              <a:t> is not found </a:t>
+            </a:r>
+          </a:p>
+          <a:p>
+            <a:endParaRPr lang="en-GB" dirty="0"/>
+          </a:p>
+          <a:p>
+            <a:pPr marL="0" indent="0">
+              <a:buNone/>
+            </a:pPr>
+            <a:r>
+              <a:rPr lang="en-GB" dirty="0">
+                <a:latin typeface="Consolas" panose="020B0609020204030204" pitchFamily="49" charset="0"/>
+                <a:cs typeface="Consolas" panose="020B0609020204030204" pitchFamily="49" charset="0"/>
+              </a:rPr>
+              <a:t>FOR </a:t>
+            </a:r>
+            <a:r>
+              <a:rPr lang="en-GB" dirty="0" err="1">
+                <a:latin typeface="Consolas" panose="020B0609020204030204" pitchFamily="49" charset="0"/>
+                <a:cs typeface="Consolas" panose="020B0609020204030204" pitchFamily="49" charset="0"/>
+              </a:rPr>
+              <a:t>i</a:t>
+            </a:r>
+            <a:r>
+              <a:rPr lang="en-GB" dirty="0">
+                <a:latin typeface="Consolas" panose="020B0609020204030204" pitchFamily="49" charset="0"/>
+                <a:cs typeface="Consolas" panose="020B0609020204030204" pitchFamily="49" charset="0"/>
+              </a:rPr>
+              <a:t> = 0 TO N-1</a:t>
+            </a:r>
+          </a:p>
+          <a:p>
+            <a:pPr marL="0" indent="0">
+              <a:buNone/>
+            </a:pPr>
+            <a:r>
+              <a:rPr lang="en-GB" sz="1800" dirty="0">
+                <a:latin typeface="Consolas" panose="020B0609020204030204" pitchFamily="49" charset="0"/>
+                <a:cs typeface="Consolas" panose="020B0609020204030204" pitchFamily="49" charset="0"/>
+              </a:rPr>
+              <a:t>  IF a[</a:t>
+            </a:r>
+            <a:r>
+              <a:rPr lang="en-GB" sz="1800" dirty="0" err="1">
+                <a:latin typeface="Consolas" panose="020B0609020204030204" pitchFamily="49" charset="0"/>
+                <a:cs typeface="Consolas" panose="020B0609020204030204" pitchFamily="49" charset="0"/>
+              </a:rPr>
+              <a:t>i</a:t>
+            </a:r>
+            <a:r>
+              <a:rPr lang="en-GB" sz="1800" dirty="0">
+                <a:latin typeface="Consolas" panose="020B0609020204030204" pitchFamily="49" charset="0"/>
+                <a:cs typeface="Consolas" panose="020B0609020204030204" pitchFamily="49" charset="0"/>
+              </a:rPr>
+              <a:t>] = v</a:t>
+            </a:r>
+          </a:p>
+          <a:p>
+            <a:pPr marL="0" indent="0">
+              <a:buNone/>
+            </a:pPr>
+            <a:r>
+              <a:rPr lang="en-GB" dirty="0">
+                <a:latin typeface="Consolas" panose="020B0609020204030204" pitchFamily="49" charset="0"/>
+                <a:cs typeface="Consolas" panose="020B0609020204030204" pitchFamily="49" charset="0"/>
+              </a:rPr>
+              <a:t>    </a:t>
+            </a:r>
+            <a:r>
+              <a:rPr lang="en-GB" sz="1800" dirty="0">
+                <a:latin typeface="Consolas" panose="020B0609020204030204" pitchFamily="49" charset="0"/>
+                <a:cs typeface="Consolas" panose="020B0609020204030204" pitchFamily="49" charset="0"/>
+              </a:rPr>
+              <a:t>RETURN </a:t>
+            </a:r>
+            <a:r>
+              <a:rPr lang="en-GB" sz="1800" dirty="0" err="1">
+                <a:latin typeface="Consolas" panose="020B0609020204030204" pitchFamily="49" charset="0"/>
+                <a:cs typeface="Consolas" panose="020B0609020204030204" pitchFamily="49" charset="0"/>
+              </a:rPr>
+              <a:t>i</a:t>
+            </a:r>
+            <a:endParaRPr lang="en-GB" sz="1800" dirty="0">
+              <a:latin typeface="Consolas" panose="020B0609020204030204" pitchFamily="49" charset="0"/>
+              <a:cs typeface="Consolas" panose="020B0609020204030204" pitchFamily="49" charset="0"/>
+            </a:endParaRPr>
+          </a:p>
+          <a:p>
+            <a:pPr marL="0" indent="0">
+              <a:buNone/>
+            </a:pPr>
+            <a:r>
+              <a:rPr lang="en-GB" dirty="0">
+                <a:latin typeface="Consolas" panose="020B0609020204030204" pitchFamily="49" charset="0"/>
+                <a:cs typeface="Consolas" panose="020B0609020204030204" pitchFamily="49" charset="0"/>
+              </a:rPr>
+              <a:t>RETURN -1</a:t>
+            </a:r>
+          </a:p>
+        </p:txBody>
+      </p:sp>
+      <p:sp>
+        <p:nvSpPr>
+          <p:cNvPr id="4" name="Footer Placeholder 3"/>
+          <p:cNvSpPr>
+            <a:spLocks noGrp="1"/>
+          </p:cNvSpPr>
+          <p:nvPr>
+            <p:ph type="ftr" sz="quarter" idx="11"/>
+          </p:nvPr>
+        </p:nvSpPr>
+        <p:spPr/>
+        <p:txBody>
+          <a:bodyPr/>
+          <a:lstStyle/>
+          <a:p>
+            <a:r>
+              <a:rPr lang="it-IT"/>
+              <a:t>INFDEV036A - G. Costantini, F. Di Giacomo</a:t>
+            </a:r>
+            <a:endParaRPr lang="en-GB"/>
+          </a:p>
+        </p:txBody>
+      </p:sp>
+    </p:spTree>
+    <p:extLst>
+      <p:ext uri="{BB962C8B-B14F-4D97-AF65-F5344CB8AC3E}">
         <p14:creationId xmlns:p14="http://schemas.microsoft.com/office/powerpoint/2010/main" val="3607233295"/>
       </p:ext>
     </p:extLst>
@@ -10360,7 +10606,7 @@
 </p:sld>
 </file>
 
-<file path=ppt/slides/slide16.xml><?xml version="1.0" encoding="utf-8"?>
+<file path=ppt/slides/slide17.xml><?xml version="1.0" encoding="utf-8"?>
 <p:sld xmlns:a="http://schemas.openxmlformats.org/drawingml/2006/main" xmlns:r="http://schemas.openxmlformats.org/officeDocument/2006/relationships" xmlns:p="http://schemas.openxmlformats.org/presentationml/2006/main">
   <p:cSld>
     <p:spTree>
@@ -10778,7 +11024,7 @@
 </p:sld>
 </file>
 
-<file path=ppt/slides/slide17.xml><?xml version="1.0" encoding="utf-8"?>
+<file path=ppt/slides/slide18.xml><?xml version="1.0" encoding="utf-8"?>
 <p:sld xmlns:a="http://schemas.openxmlformats.org/drawingml/2006/main" xmlns:r="http://schemas.openxmlformats.org/officeDocument/2006/relationships" xmlns:p="http://schemas.openxmlformats.org/presentationml/2006/main">
   <p:cSld>
     <p:spTree>
@@ -11001,7 +11247,7 @@
               </a:p>
               <a:p>
                 <a:pPr lvl="1"/>
-                <a:endParaRPr lang="en-GB" dirty="0"/>
+                <a:endParaRPr lang="en-GB" sz="1300" dirty="0"/>
               </a:p>
               <a:p>
                 <a:r>
@@ -11102,7 +11348,7 @@
                 <a:off x="677334" y="1887632"/>
                 <a:ext cx="8596668" cy="4431280"/>
               </a:xfrm>
-              <a:blipFill rotWithShape="0">
+              <a:blipFill>
                 <a:blip r:embed="rId2"/>
                 <a:stretch>
                   <a:fillRect l="-71" t="-1100"/>
@@ -11273,10 +11519,182 @@
   <p:clrMapOvr>
     <a:masterClrMapping/>
   </p:clrMapOvr>
+  <p:timing>
+    <p:tnLst>
+      <p:par>
+        <p:cTn id="1" dur="indefinite" restart="never" nodeType="tmRoot">
+          <p:childTnLst>
+            <p:seq concurrent="1" nextAc="seek">
+              <p:cTn id="2" dur="indefinite" nodeType="mainSeq">
+                <p:childTnLst>
+                  <p:par>
+                    <p:cTn id="3" fill="hold">
+                      <p:stCondLst>
+                        <p:cond delay="indefinite"/>
+                      </p:stCondLst>
+                      <p:childTnLst>
+                        <p:par>
+                          <p:cTn id="4" fill="hold">
+                            <p:stCondLst>
+                              <p:cond delay="0"/>
+                            </p:stCondLst>
+                            <p:childTnLst>
+                              <p:par>
+                                <p:cTn id="5" presetID="1" presetClass="entr" presetSubtype="0" fill="hold" nodeType="clickEffect">
+                                  <p:stCondLst>
+                                    <p:cond delay="0"/>
+                                  </p:stCondLst>
+                                  <p:childTnLst>
+                                    <p:set>
+                                      <p:cBhvr>
+                                        <p:cTn id="6" dur="1" fill="hold">
+                                          <p:stCondLst>
+                                            <p:cond delay="0"/>
+                                          </p:stCondLst>
+                                        </p:cTn>
+                                        <p:tgtEl>
+                                          <p:spTgt spid="3">
+                                            <p:txEl>
+                                              <p:pRg st="9" end="9"/>
+                                            </p:txEl>
+                                          </p:spTgt>
+                                        </p:tgtEl>
+                                        <p:attrNameLst>
+                                          <p:attrName>style.visibility</p:attrName>
+                                        </p:attrNameLst>
+                                      </p:cBhvr>
+                                      <p:to>
+                                        <p:strVal val="visible"/>
+                                      </p:to>
+                                    </p:set>
+                                  </p:childTnLst>
+                                </p:cTn>
+                              </p:par>
+                              <p:par>
+                                <p:cTn id="7" presetID="1" presetClass="entr" presetSubtype="0" fill="hold" nodeType="withEffect">
+                                  <p:stCondLst>
+                                    <p:cond delay="0"/>
+                                  </p:stCondLst>
+                                  <p:childTnLst>
+                                    <p:set>
+                                      <p:cBhvr>
+                                        <p:cTn id="8" dur="1" fill="hold">
+                                          <p:stCondLst>
+                                            <p:cond delay="0"/>
+                                          </p:stCondLst>
+                                        </p:cTn>
+                                        <p:tgtEl>
+                                          <p:spTgt spid="3">
+                                            <p:txEl>
+                                              <p:pRg st="10" end="10"/>
+                                            </p:txEl>
+                                          </p:spTgt>
+                                        </p:tgtEl>
+                                        <p:attrNameLst>
+                                          <p:attrName>style.visibility</p:attrName>
+                                        </p:attrNameLst>
+                                      </p:cBhvr>
+                                      <p:to>
+                                        <p:strVal val="visible"/>
+                                      </p:to>
+                                    </p:set>
+                                  </p:childTnLst>
+                                </p:cTn>
+                              </p:par>
+                              <p:par>
+                                <p:cTn id="9" presetID="1" presetClass="entr" presetSubtype="0" fill="hold" nodeType="withEffect">
+                                  <p:stCondLst>
+                                    <p:cond delay="0"/>
+                                  </p:stCondLst>
+                                  <p:childTnLst>
+                                    <p:set>
+                                      <p:cBhvr>
+                                        <p:cTn id="10" dur="1" fill="hold">
+                                          <p:stCondLst>
+                                            <p:cond delay="0"/>
+                                          </p:stCondLst>
+                                        </p:cTn>
+                                        <p:tgtEl>
+                                          <p:spTgt spid="3">
+                                            <p:txEl>
+                                              <p:pRg st="11" end="11"/>
+                                            </p:txEl>
+                                          </p:spTgt>
+                                        </p:tgtEl>
+                                        <p:attrNameLst>
+                                          <p:attrName>style.visibility</p:attrName>
+                                        </p:attrNameLst>
+                                      </p:cBhvr>
+                                      <p:to>
+                                        <p:strVal val="visible"/>
+                                      </p:to>
+                                    </p:set>
+                                  </p:childTnLst>
+                                </p:cTn>
+                              </p:par>
+                              <p:par>
+                                <p:cTn id="11" presetID="1" presetClass="entr" presetSubtype="0" fill="hold" nodeType="withEffect">
+                                  <p:stCondLst>
+                                    <p:cond delay="0"/>
+                                  </p:stCondLst>
+                                  <p:childTnLst>
+                                    <p:set>
+                                      <p:cBhvr>
+                                        <p:cTn id="12" dur="1" fill="hold">
+                                          <p:stCondLst>
+                                            <p:cond delay="0"/>
+                                          </p:stCondLst>
+                                        </p:cTn>
+                                        <p:tgtEl>
+                                          <p:spTgt spid="3">
+                                            <p:txEl>
+                                              <p:pRg st="12" end="12"/>
+                                            </p:txEl>
+                                          </p:spTgt>
+                                        </p:tgtEl>
+                                        <p:attrNameLst>
+                                          <p:attrName>style.visibility</p:attrName>
+                                        </p:attrNameLst>
+                                      </p:cBhvr>
+                                      <p:to>
+                                        <p:strVal val="visible"/>
+                                      </p:to>
+                                    </p:set>
+                                  </p:childTnLst>
+                                </p:cTn>
+                              </p:par>
+                            </p:childTnLst>
+                          </p:cTn>
+                        </p:par>
+                      </p:childTnLst>
+                    </p:cTn>
+                  </p:par>
+                </p:childTnLst>
+              </p:cTn>
+              <p:prevCondLst>
+                <p:cond evt="onPrev" delay="0">
+                  <p:tgtEl>
+                    <p:sldTgt/>
+                  </p:tgtEl>
+                </p:cond>
+              </p:prevCondLst>
+              <p:nextCondLst>
+                <p:cond evt="onNext" delay="0">
+                  <p:tgtEl>
+                    <p:sldTgt/>
+                  </p:tgtEl>
+                </p:cond>
+              </p:nextCondLst>
+            </p:seq>
+          </p:childTnLst>
+        </p:cTn>
+      </p:par>
+    </p:tnLst>
+  </p:timing>
 </p:sld>
 </file>
 
-<file path=ppt/slides/slide18.xml><?xml version="1.0" encoding="utf-8"?>
+<file path=ppt/slides/slide19.xml><?xml version="1.0" encoding="utf-8"?>
 <p:sld xmlns:a="http://schemas.openxmlformats.org/drawingml/2006/main" xmlns:r="http://schemas.openxmlformats.org/officeDocument/2006/relationships" xmlns:p="http://schemas.openxmlformats.org/presentationml/2006/main">
   <p:cSld>
     <p:spTree>
@@ -11419,7 +11837,416 @@
 </p:sld>
 </file>
 
-<file path=ppt/slides/slide19.xml><?xml version="1.0" encoding="utf-8"?>
+<file path=ppt/slides/slide2.xml><?xml version="1.0" encoding="utf-8"?>
+<p:sld xmlns:a="http://schemas.openxmlformats.org/drawingml/2006/main" xmlns:r="http://schemas.openxmlformats.org/officeDocument/2006/relationships" xmlns:p="http://schemas.openxmlformats.org/presentationml/2006/main">
+  <p:cSld>
+    <p:spTree>
+      <p:nvGrpSpPr>
+        <p:cNvPr id="1" name=""/>
+        <p:cNvGrpSpPr/>
+        <p:nvPr/>
+      </p:nvGrpSpPr>
+      <p:grpSpPr>
+        <a:xfrm>
+          <a:off x="0" y="0"/>
+          <a:ext cx="0" cy="0"/>
+          <a:chOff x="0" y="0"/>
+          <a:chExt cx="0" cy="0"/>
+        </a:xfrm>
+      </p:grpSpPr>
+      <p:sp>
+        <p:nvSpPr>
+          <p:cNvPr id="2" name="Title 1"/>
+          <p:cNvSpPr>
+            <a:spLocks noGrp="1"/>
+          </p:cNvSpPr>
+          <p:nvPr>
+            <p:ph type="title"/>
+          </p:nvPr>
+        </p:nvSpPr>
+        <p:spPr/>
+        <p:txBody>
+          <a:bodyPr/>
+          <a:lstStyle/>
+          <a:p>
+            <a:r>
+              <a:rPr lang="en-GB" dirty="0"/>
+              <a:t>Course description in a nutshell</a:t>
+            </a:r>
+          </a:p>
+        </p:txBody>
+      </p:sp>
+      <p:sp>
+        <p:nvSpPr>
+          <p:cNvPr id="3" name="Content Placeholder 2"/>
+          <p:cNvSpPr>
+            <a:spLocks noGrp="1"/>
+          </p:cNvSpPr>
+          <p:nvPr>
+            <p:ph idx="1"/>
+          </p:nvPr>
+        </p:nvSpPr>
+        <p:spPr/>
+        <p:txBody>
+          <a:bodyPr/>
+          <a:lstStyle/>
+          <a:p>
+            <a:r>
+              <a:rPr lang="en-GB" dirty="0"/>
+              <a:t>Why this course?</a:t>
+            </a:r>
+          </a:p>
+          <a:p>
+            <a:pPr lvl="1"/>
+            <a:r>
+              <a:rPr lang="en-GB" b="1" dirty="0"/>
+              <a:t>Algorithms + Data structures = Program</a:t>
+            </a:r>
+          </a:p>
+          <a:p>
+            <a:pPr marL="0" indent="0">
+              <a:buNone/>
+            </a:pPr>
+            <a:endParaRPr lang="en-GB" dirty="0"/>
+          </a:p>
+          <a:p>
+            <a:r>
+              <a:rPr lang="en-GB" dirty="0"/>
+              <a:t>Prerequisite</a:t>
+            </a:r>
+          </a:p>
+          <a:p>
+            <a:pPr lvl="1"/>
+            <a:r>
+              <a:rPr lang="en-GB" dirty="0"/>
+              <a:t>Object oriented programming</a:t>
+            </a:r>
+          </a:p>
+          <a:p>
+            <a:pPr lvl="1"/>
+            <a:endParaRPr lang="en-GB" dirty="0"/>
+          </a:p>
+          <a:p>
+            <a:r>
+              <a:rPr lang="en-GB" dirty="0"/>
+              <a:t>Language for assignments (and practical exam)</a:t>
+            </a:r>
+          </a:p>
+          <a:p>
+            <a:pPr lvl="1"/>
+            <a:r>
+              <a:rPr lang="en-GB" dirty="0"/>
+              <a:t>C#</a:t>
+            </a:r>
+          </a:p>
+          <a:p>
+            <a:pPr lvl="1"/>
+            <a:r>
+              <a:rPr lang="en-GB" dirty="0"/>
+              <a:t>In the lessons mainly </a:t>
+            </a:r>
+            <a:r>
+              <a:rPr lang="en-GB" i="1" dirty="0"/>
+              <a:t>pseudocode</a:t>
+            </a:r>
+          </a:p>
+          <a:p>
+            <a:pPr marL="457200" lvl="1" indent="0">
+              <a:buNone/>
+            </a:pPr>
+            <a:endParaRPr lang="en-GB" i="1" dirty="0"/>
+          </a:p>
+        </p:txBody>
+      </p:sp>
+      <p:sp>
+        <p:nvSpPr>
+          <p:cNvPr id="4" name="Footer Placeholder 3"/>
+          <p:cNvSpPr>
+            <a:spLocks noGrp="1"/>
+          </p:cNvSpPr>
+          <p:nvPr>
+            <p:ph type="ftr" sz="quarter" idx="11"/>
+          </p:nvPr>
+        </p:nvSpPr>
+        <p:spPr/>
+        <p:txBody>
+          <a:bodyPr/>
+          <a:lstStyle/>
+          <a:p>
+            <a:r>
+              <a:rPr lang="it-IT"/>
+              <a:t>INFDEV036A - G. Costantini, F. Di Giacomo</a:t>
+            </a:r>
+            <a:endParaRPr lang="en-GB" dirty="0"/>
+          </a:p>
+        </p:txBody>
+      </p:sp>
+    </p:spTree>
+    <p:extLst>
+      <p:ext uri="{BB962C8B-B14F-4D97-AF65-F5344CB8AC3E}">
+        <p14:creationId xmlns:p14="http://schemas.microsoft.com/office/powerpoint/2010/main" val="742354586"/>
+      </p:ext>
+    </p:extLst>
+  </p:cSld>
+  <p:clrMapOvr>
+    <a:masterClrMapping/>
+  </p:clrMapOvr>
+  <p:timing>
+    <p:tnLst>
+      <p:par>
+        <p:cTn id="1" dur="indefinite" restart="never" nodeType="tmRoot">
+          <p:childTnLst>
+            <p:seq concurrent="1" nextAc="seek">
+              <p:cTn id="2" dur="indefinite" nodeType="mainSeq">
+                <p:childTnLst>
+                  <p:par>
+                    <p:cTn id="3" fill="hold">
+                      <p:stCondLst>
+                        <p:cond delay="indefinite"/>
+                      </p:stCondLst>
+                      <p:childTnLst>
+                        <p:par>
+                          <p:cTn id="4" fill="hold">
+                            <p:stCondLst>
+                              <p:cond delay="0"/>
+                            </p:stCondLst>
+                            <p:childTnLst>
+                              <p:par>
+                                <p:cTn id="5" presetID="1" presetClass="entr" presetSubtype="0" fill="hold" nodeType="clickEffect">
+                                  <p:stCondLst>
+                                    <p:cond delay="0"/>
+                                  </p:stCondLst>
+                                  <p:childTnLst>
+                                    <p:set>
+                                      <p:cBhvr>
+                                        <p:cTn id="6" dur="1" fill="hold">
+                                          <p:stCondLst>
+                                            <p:cond delay="0"/>
+                                          </p:stCondLst>
+                                        </p:cTn>
+                                        <p:tgtEl>
+                                          <p:spTgt spid="3">
+                                            <p:txEl>
+                                              <p:pRg st="1" end="1"/>
+                                            </p:txEl>
+                                          </p:spTgt>
+                                        </p:tgtEl>
+                                        <p:attrNameLst>
+                                          <p:attrName>style.visibility</p:attrName>
+                                        </p:attrNameLst>
+                                      </p:cBhvr>
+                                      <p:to>
+                                        <p:strVal val="visible"/>
+                                      </p:to>
+                                    </p:set>
+                                  </p:childTnLst>
+                                </p:cTn>
+                              </p:par>
+                            </p:childTnLst>
+                          </p:cTn>
+                        </p:par>
+                      </p:childTnLst>
+                    </p:cTn>
+                  </p:par>
+                  <p:par>
+                    <p:cTn id="7" fill="hold">
+                      <p:stCondLst>
+                        <p:cond delay="indefinite"/>
+                      </p:stCondLst>
+                      <p:childTnLst>
+                        <p:par>
+                          <p:cTn id="8" fill="hold">
+                            <p:stCondLst>
+                              <p:cond delay="0"/>
+                            </p:stCondLst>
+                            <p:childTnLst>
+                              <p:par>
+                                <p:cTn id="9" presetID="1" presetClass="entr" presetSubtype="0" fill="hold" nodeType="clickEffect">
+                                  <p:stCondLst>
+                                    <p:cond delay="0"/>
+                                  </p:stCondLst>
+                                  <p:childTnLst>
+                                    <p:set>
+                                      <p:cBhvr>
+                                        <p:cTn id="10" dur="1" fill="hold">
+                                          <p:stCondLst>
+                                            <p:cond delay="0"/>
+                                          </p:stCondLst>
+                                        </p:cTn>
+                                        <p:tgtEl>
+                                          <p:spTgt spid="3">
+                                            <p:txEl>
+                                              <p:pRg st="3" end="3"/>
+                                            </p:txEl>
+                                          </p:spTgt>
+                                        </p:tgtEl>
+                                        <p:attrNameLst>
+                                          <p:attrName>style.visibility</p:attrName>
+                                        </p:attrNameLst>
+                                      </p:cBhvr>
+                                      <p:to>
+                                        <p:strVal val="visible"/>
+                                      </p:to>
+                                    </p:set>
+                                  </p:childTnLst>
+                                </p:cTn>
+                              </p:par>
+                              <p:par>
+                                <p:cTn id="11" presetID="1" presetClass="entr" presetSubtype="0" fill="hold" nodeType="withEffect">
+                                  <p:stCondLst>
+                                    <p:cond delay="0"/>
+                                  </p:stCondLst>
+                                  <p:childTnLst>
+                                    <p:set>
+                                      <p:cBhvr>
+                                        <p:cTn id="12" dur="1" fill="hold">
+                                          <p:stCondLst>
+                                            <p:cond delay="0"/>
+                                          </p:stCondLst>
+                                        </p:cTn>
+                                        <p:tgtEl>
+                                          <p:spTgt spid="3">
+                                            <p:txEl>
+                                              <p:pRg st="4" end="4"/>
+                                            </p:txEl>
+                                          </p:spTgt>
+                                        </p:tgtEl>
+                                        <p:attrNameLst>
+                                          <p:attrName>style.visibility</p:attrName>
+                                        </p:attrNameLst>
+                                      </p:cBhvr>
+                                      <p:to>
+                                        <p:strVal val="visible"/>
+                                      </p:to>
+                                    </p:set>
+                                  </p:childTnLst>
+                                </p:cTn>
+                              </p:par>
+                              <p:par>
+                                <p:cTn id="13" presetID="1" presetClass="entr" presetSubtype="0" fill="hold" nodeType="withEffect">
+                                  <p:stCondLst>
+                                    <p:cond delay="0"/>
+                                  </p:stCondLst>
+                                  <p:childTnLst>
+                                    <p:set>
+                                      <p:cBhvr>
+                                        <p:cTn id="14" dur="1" fill="hold">
+                                          <p:stCondLst>
+                                            <p:cond delay="0"/>
+                                          </p:stCondLst>
+                                        </p:cTn>
+                                        <p:tgtEl>
+                                          <p:spTgt spid="3">
+                                            <p:txEl>
+                                              <p:pRg st="6" end="6"/>
+                                            </p:txEl>
+                                          </p:spTgt>
+                                        </p:tgtEl>
+                                        <p:attrNameLst>
+                                          <p:attrName>style.visibility</p:attrName>
+                                        </p:attrNameLst>
+                                      </p:cBhvr>
+                                      <p:to>
+                                        <p:strVal val="visible"/>
+                                      </p:to>
+                                    </p:set>
+                                  </p:childTnLst>
+                                </p:cTn>
+                              </p:par>
+                              <p:par>
+                                <p:cTn id="15" presetID="1" presetClass="entr" presetSubtype="0" fill="hold" nodeType="withEffect">
+                                  <p:stCondLst>
+                                    <p:cond delay="0"/>
+                                  </p:stCondLst>
+                                  <p:childTnLst>
+                                    <p:set>
+                                      <p:cBhvr>
+                                        <p:cTn id="16" dur="1" fill="hold">
+                                          <p:stCondLst>
+                                            <p:cond delay="0"/>
+                                          </p:stCondLst>
+                                        </p:cTn>
+                                        <p:tgtEl>
+                                          <p:spTgt spid="3">
+                                            <p:txEl>
+                                              <p:pRg st="7" end="7"/>
+                                            </p:txEl>
+                                          </p:spTgt>
+                                        </p:tgtEl>
+                                        <p:attrNameLst>
+                                          <p:attrName>style.visibility</p:attrName>
+                                        </p:attrNameLst>
+                                      </p:cBhvr>
+                                      <p:to>
+                                        <p:strVal val="visible"/>
+                                      </p:to>
+                                    </p:set>
+                                  </p:childTnLst>
+                                </p:cTn>
+                              </p:par>
+                              <p:par>
+                                <p:cTn id="17" presetID="1" presetClass="entr" presetSubtype="0" fill="hold" nodeType="withEffect">
+                                  <p:stCondLst>
+                                    <p:cond delay="0"/>
+                                  </p:stCondLst>
+                                  <p:childTnLst>
+                                    <p:set>
+                                      <p:cBhvr>
+                                        <p:cTn id="18" dur="1" fill="hold">
+                                          <p:stCondLst>
+                                            <p:cond delay="0"/>
+                                          </p:stCondLst>
+                                        </p:cTn>
+                                        <p:tgtEl>
+                                          <p:spTgt spid="3">
+                                            <p:txEl>
+                                              <p:pRg st="8" end="8"/>
+                                            </p:txEl>
+                                          </p:spTgt>
+                                        </p:tgtEl>
+                                        <p:attrNameLst>
+                                          <p:attrName>style.visibility</p:attrName>
+                                        </p:attrNameLst>
+                                      </p:cBhvr>
+                                      <p:to>
+                                        <p:strVal val="visible"/>
+                                      </p:to>
+                                    </p:set>
+                                  </p:childTnLst>
+                                </p:cTn>
+                              </p:par>
+                            </p:childTnLst>
+                          </p:cTn>
+                        </p:par>
+                      </p:childTnLst>
+                    </p:cTn>
+                  </p:par>
+                </p:childTnLst>
+              </p:cTn>
+              <p:prevCondLst>
+                <p:cond evt="onPrev" delay="0">
+                  <p:tgtEl>
+                    <p:sldTgt/>
+                  </p:tgtEl>
+                </p:cond>
+              </p:prevCondLst>
+              <p:nextCondLst>
+                <p:cond evt="onNext" delay="0">
+                  <p:tgtEl>
+                    <p:sldTgt/>
+                  </p:tgtEl>
+                </p:cond>
+              </p:nextCondLst>
+            </p:seq>
+          </p:childTnLst>
+        </p:cTn>
+      </p:par>
+    </p:tnLst>
+  </p:timing>
+</p:sld>
+</file>
+
+<file path=ppt/slides/slide20.xml><?xml version="1.0" encoding="utf-8"?>
 <p:sld xmlns:a="http://schemas.openxmlformats.org/drawingml/2006/main" xmlns:r="http://schemas.openxmlformats.org/officeDocument/2006/relationships" xmlns:p="http://schemas.openxmlformats.org/presentationml/2006/main">
   <p:cSld>
     <p:spTree>
@@ -11841,164 +12668,7 @@
 </p:sld>
 </file>
 
-<file path=ppt/slides/slide2.xml><?xml version="1.0" encoding="utf-8"?>
-<p:sld xmlns:a="http://schemas.openxmlformats.org/drawingml/2006/main" xmlns:r="http://schemas.openxmlformats.org/officeDocument/2006/relationships" xmlns:p="http://schemas.openxmlformats.org/presentationml/2006/main">
-  <p:cSld>
-    <p:spTree>
-      <p:nvGrpSpPr>
-        <p:cNvPr id="1" name=""/>
-        <p:cNvGrpSpPr/>
-        <p:nvPr/>
-      </p:nvGrpSpPr>
-      <p:grpSpPr>
-        <a:xfrm>
-          <a:off x="0" y="0"/>
-          <a:ext cx="0" cy="0"/>
-          <a:chOff x="0" y="0"/>
-          <a:chExt cx="0" cy="0"/>
-        </a:xfrm>
-      </p:grpSpPr>
-      <p:sp>
-        <p:nvSpPr>
-          <p:cNvPr id="2" name="Title 1"/>
-          <p:cNvSpPr>
-            <a:spLocks noGrp="1"/>
-          </p:cNvSpPr>
-          <p:nvPr>
-            <p:ph type="title"/>
-          </p:nvPr>
-        </p:nvSpPr>
-        <p:spPr/>
-        <p:txBody>
-          <a:bodyPr/>
-          <a:lstStyle/>
-          <a:p>
-            <a:r>
-              <a:rPr lang="en-GB" dirty="0"/>
-              <a:t>Course description in a nutshell</a:t>
-            </a:r>
-          </a:p>
-        </p:txBody>
-      </p:sp>
-      <p:sp>
-        <p:nvSpPr>
-          <p:cNvPr id="3" name="Content Placeholder 2"/>
-          <p:cNvSpPr>
-            <a:spLocks noGrp="1"/>
-          </p:cNvSpPr>
-          <p:nvPr>
-            <p:ph idx="1"/>
-          </p:nvPr>
-        </p:nvSpPr>
-        <p:spPr/>
-        <p:txBody>
-          <a:bodyPr/>
-          <a:lstStyle/>
-          <a:p>
-            <a:r>
-              <a:rPr lang="en-GB" dirty="0"/>
-              <a:t>Why this course?</a:t>
-            </a:r>
-          </a:p>
-          <a:p>
-            <a:pPr lvl="1"/>
-            <a:r>
-              <a:rPr lang="en-GB" b="1" dirty="0"/>
-              <a:t>Algorithms + Data structures = Program</a:t>
-            </a:r>
-          </a:p>
-          <a:p>
-            <a:pPr marL="0" indent="0">
-              <a:buNone/>
-            </a:pPr>
-            <a:endParaRPr lang="en-GB" dirty="0"/>
-          </a:p>
-          <a:p>
-            <a:r>
-              <a:rPr lang="en-GB" dirty="0"/>
-              <a:t>Prerequisite</a:t>
-            </a:r>
-          </a:p>
-          <a:p>
-            <a:pPr lvl="1"/>
-            <a:r>
-              <a:rPr lang="en-GB" dirty="0"/>
-              <a:t>Object oriented programming</a:t>
-            </a:r>
-          </a:p>
-          <a:p>
-            <a:pPr lvl="1"/>
-            <a:endParaRPr lang="en-GB" dirty="0"/>
-          </a:p>
-          <a:p>
-            <a:r>
-              <a:rPr lang="en-GB" dirty="0"/>
-              <a:t>Language for assignments (and practical exam)</a:t>
-            </a:r>
-          </a:p>
-          <a:p>
-            <a:pPr lvl="1"/>
-            <a:r>
-              <a:rPr lang="en-GB" dirty="0"/>
-              <a:t>C#</a:t>
-            </a:r>
-          </a:p>
-          <a:p>
-            <a:pPr lvl="1"/>
-            <a:r>
-              <a:rPr lang="en-GB" dirty="0"/>
-              <a:t>In the lessons mainly </a:t>
-            </a:r>
-            <a:r>
-              <a:rPr lang="en-GB" i="1" dirty="0"/>
-              <a:t>pseudocode</a:t>
-            </a:r>
-          </a:p>
-          <a:p>
-            <a:pPr marL="457200" lvl="1" indent="0">
-              <a:buNone/>
-            </a:pPr>
-            <a:endParaRPr lang="en-GB" i="1" dirty="0"/>
-          </a:p>
-        </p:txBody>
-      </p:sp>
-      <p:sp>
-        <p:nvSpPr>
-          <p:cNvPr id="4" name="Footer Placeholder 3"/>
-          <p:cNvSpPr>
-            <a:spLocks noGrp="1"/>
-          </p:cNvSpPr>
-          <p:nvPr>
-            <p:ph type="ftr" sz="quarter" idx="11"/>
-          </p:nvPr>
-        </p:nvSpPr>
-        <p:spPr/>
-        <p:txBody>
-          <a:bodyPr/>
-          <a:lstStyle/>
-          <a:p>
-            <a:r>
-              <a:rPr lang="it-IT"/>
-              <a:t>INFDEV036A - G. Costantini, F. Di Giacomo</a:t>
-            </a:r>
-            <a:endParaRPr lang="en-GB" dirty="0"/>
-          </a:p>
-        </p:txBody>
-      </p:sp>
-    </p:spTree>
-    <p:extLst>
-      <p:ext uri="{BB962C8B-B14F-4D97-AF65-F5344CB8AC3E}">
-        <p14:creationId xmlns:p14="http://schemas.microsoft.com/office/powerpoint/2010/main" val="742354586"/>
-      </p:ext>
-    </p:extLst>
-  </p:cSld>
-  <p:clrMapOvr>
-    <a:masterClrMapping/>
-  </p:clrMapOvr>
-</p:sld>
-</file>
-
-<file path=ppt/slides/slide20.xml><?xml version="1.0" encoding="utf-8"?>
+<file path=ppt/slides/slide21.xml><?xml version="1.0" encoding="utf-8"?>
 <p:sld xmlns:a="http://schemas.openxmlformats.org/drawingml/2006/main" xmlns:r="http://schemas.openxmlformats.org/officeDocument/2006/relationships" xmlns:p="http://schemas.openxmlformats.org/presentationml/2006/main">
   <p:cSld>
     <p:spTree>
@@ -12507,7 +13177,7 @@
 </p:sld>
 </file>
 
-<file path=ppt/slides/slide21.xml><?xml version="1.0" encoding="utf-8"?>
+<file path=ppt/slides/slide22.xml><?xml version="1.0" encoding="utf-8"?>
 <p:sld xmlns:a="http://schemas.openxmlformats.org/drawingml/2006/main" xmlns:r="http://schemas.openxmlformats.org/officeDocument/2006/relationships" xmlns:p="http://schemas.openxmlformats.org/presentationml/2006/main">
   <p:cSld>
     <p:spTree>
@@ -13016,7 +13686,7 @@
 </p:sld>
 </file>
 
-<file path=ppt/slides/slide22.xml><?xml version="1.0" encoding="utf-8"?>
+<file path=ppt/slides/slide23.xml><?xml version="1.0" encoding="utf-8"?>
 <p:sld xmlns:a="http://schemas.openxmlformats.org/drawingml/2006/main" xmlns:r="http://schemas.openxmlformats.org/officeDocument/2006/relationships" xmlns:p="http://schemas.openxmlformats.org/presentationml/2006/main">
   <p:cSld>
     <p:spTree>
@@ -13453,7 +14123,7 @@
 </p:sld>
 </file>
 
-<file path=ppt/slides/slide23.xml><?xml version="1.0" encoding="utf-8"?>
+<file path=ppt/slides/slide24.xml><?xml version="1.0" encoding="utf-8"?>
 <p:sld xmlns:a="http://schemas.openxmlformats.org/drawingml/2006/main" xmlns:r="http://schemas.openxmlformats.org/officeDocument/2006/relationships" xmlns:p="http://schemas.openxmlformats.org/presentationml/2006/main">
   <p:cSld>
     <p:spTree>
@@ -13588,7 +14258,7 @@
 </p:sld>
 </file>
 
-<file path=ppt/slides/slide24.xml><?xml version="1.0" encoding="utf-8"?>
+<file path=ppt/slides/slide25.xml><?xml version="1.0" encoding="utf-8"?>
 <p:sld xmlns:a="http://schemas.openxmlformats.org/drawingml/2006/main" xmlns:r="http://schemas.openxmlformats.org/officeDocument/2006/relationships" xmlns:p="http://schemas.openxmlformats.org/presentationml/2006/main">
   <p:cSld>
     <p:spTree>
@@ -13684,7 +14354,7 @@
 </p:sld>
 </file>
 
-<file path=ppt/slides/slide25.xml><?xml version="1.0" encoding="utf-8"?>
+<file path=ppt/slides/slide26.xml><?xml version="1.0" encoding="utf-8"?>
 <p:sld xmlns:a="http://schemas.openxmlformats.org/drawingml/2006/main" xmlns:r="http://schemas.openxmlformats.org/officeDocument/2006/relationships" xmlns:p="http://schemas.openxmlformats.org/presentationml/2006/main">
   <p:cSld>
     <p:spTree>
@@ -13859,7 +14529,7 @@
 </p:sld>
 </file>
 
-<file path=ppt/slides/slide26.xml><?xml version="1.0" encoding="utf-8"?>
+<file path=ppt/slides/slide27.xml><?xml version="1.0" encoding="utf-8"?>
 <p:sld xmlns:a="http://schemas.openxmlformats.org/drawingml/2006/main" xmlns:r="http://schemas.openxmlformats.org/officeDocument/2006/relationships" xmlns:p="http://schemas.openxmlformats.org/presentationml/2006/main">
   <p:cSld>
     <p:spTree>
@@ -13934,7 +14604,7 @@
 </p:sld>
 </file>
 
-<file path=ppt/slides/slide27.xml><?xml version="1.0" encoding="utf-8"?>
+<file path=ppt/slides/slide28.xml><?xml version="1.0" encoding="utf-8"?>
 <p:sld xmlns:a="http://schemas.openxmlformats.org/drawingml/2006/main" xmlns:r="http://schemas.openxmlformats.org/officeDocument/2006/relationships" xmlns:p="http://schemas.openxmlformats.org/presentationml/2006/main">
   <p:cSld>
     <p:spTree>
@@ -14270,7 +14940,7 @@
                                         <p:tgtEl>
                                           <p:spTgt spid="3">
                                             <p:txEl>
-                                              <p:pRg st="6" end="6"/>
+                                              <p:pRg st="1" end="1"/>
                                             </p:txEl>
                                           </p:spTgt>
                                         </p:tgtEl>
@@ -14299,11 +14969,7 @@
                                           </p:stCondLst>
                                         </p:cTn>
                                         <p:tgtEl>
-                                          <p:spTgt spid="3">
-                                            <p:txEl>
-                                              <p:pRg st="7" end="7"/>
-                                            </p:txEl>
-                                          </p:spTgt>
+                                          <p:spTgt spid="2050"/>
                                         </p:tgtEl>
                                         <p:attrNameLst>
                                           <p:attrName>style.visibility</p:attrName>
@@ -14330,6 +14996,113 @@
                                           </p:stCondLst>
                                         </p:cTn>
                                         <p:tgtEl>
+                                          <p:spTgt spid="5"/>
+                                        </p:tgtEl>
+                                        <p:attrNameLst>
+                                          <p:attrName>style.visibility</p:attrName>
+                                        </p:attrNameLst>
+                                      </p:cBhvr>
+                                      <p:to>
+                                        <p:strVal val="visible"/>
+                                      </p:to>
+                                    </p:set>
+                                  </p:childTnLst>
+                                </p:cTn>
+                              </p:par>
+                            </p:childTnLst>
+                          </p:cTn>
+                        </p:par>
+                      </p:childTnLst>
+                    </p:cTn>
+                  </p:par>
+                  <p:par>
+                    <p:cTn id="11" fill="hold">
+                      <p:stCondLst>
+                        <p:cond delay="indefinite"/>
+                      </p:stCondLst>
+                      <p:childTnLst>
+                        <p:par>
+                          <p:cTn id="12" fill="hold">
+                            <p:stCondLst>
+                              <p:cond delay="0"/>
+                            </p:stCondLst>
+                            <p:childTnLst>
+                              <p:par>
+                                <p:cTn id="13" presetID="1" presetClass="entr" presetSubtype="0" fill="hold" nodeType="clickEffect">
+                                  <p:stCondLst>
+                                    <p:cond delay="0"/>
+                                  </p:stCondLst>
+                                  <p:childTnLst>
+                                    <p:set>
+                                      <p:cBhvr>
+                                        <p:cTn id="14" dur="1" fill="hold">
+                                          <p:stCondLst>
+                                            <p:cond delay="0"/>
+                                          </p:stCondLst>
+                                        </p:cTn>
+                                        <p:tgtEl>
+                                          <p:spTgt spid="3">
+                                            <p:txEl>
+                                              <p:pRg st="6" end="6"/>
+                                            </p:txEl>
+                                          </p:spTgt>
+                                        </p:tgtEl>
+                                        <p:attrNameLst>
+                                          <p:attrName>style.visibility</p:attrName>
+                                        </p:attrNameLst>
+                                      </p:cBhvr>
+                                      <p:to>
+                                        <p:strVal val="visible"/>
+                                      </p:to>
+                                    </p:set>
+                                  </p:childTnLst>
+                                </p:cTn>
+                              </p:par>
+                              <p:par>
+                                <p:cTn id="15" presetID="1" presetClass="entr" presetSubtype="0" fill="hold" nodeType="withEffect">
+                                  <p:stCondLst>
+                                    <p:cond delay="0"/>
+                                  </p:stCondLst>
+                                  <p:childTnLst>
+                                    <p:set>
+                                      <p:cBhvr>
+                                        <p:cTn id="16" dur="1" fill="hold">
+                                          <p:stCondLst>
+                                            <p:cond delay="0"/>
+                                          </p:stCondLst>
+                                        </p:cTn>
+                                        <p:tgtEl>
+                                          <p:spTgt spid="3">
+                                            <p:txEl>
+                                              <p:pRg st="7" end="7"/>
+                                            </p:txEl>
+                                          </p:spTgt>
+                                        </p:tgtEl>
+                                        <p:attrNameLst>
+                                          <p:attrName>style.visibility</p:attrName>
+                                        </p:attrNameLst>
+                                      </p:cBhvr>
+                                      <p:to>
+                                        <p:strVal val="visible"/>
+                                      </p:to>
+                                    </p:set>
+                                  </p:childTnLst>
+                                </p:cTn>
+                              </p:par>
+                              <p:par>
+                                <p:cTn id="17" presetID="1" presetClass="entr" presetSubtype="0" fill="hold" nodeType="withEffect">
+                                  <p:stCondLst>
+                                    <p:cond delay="0"/>
+                                  </p:stCondLst>
+                                  <p:childTnLst>
+                                    <p:set>
+                                      <p:cBhvr>
+                                        <p:cTn id="18" dur="1" fill="hold">
+                                          <p:stCondLst>
+                                            <p:cond delay="0"/>
+                                          </p:stCondLst>
+                                        </p:cTn>
+                                        <p:tgtEl>
                                           <p:spTgt spid="3">
                                             <p:txEl>
                                               <p:pRg st="8" end="8"/>
@@ -14348,14 +15121,14 @@
                                 </p:cTn>
                               </p:par>
                               <p:par>
-                                <p:cTn id="11" presetID="1" presetClass="entr" presetSubtype="0" fill="hold" nodeType="withEffect">
+                                <p:cTn id="19" presetID="1" presetClass="entr" presetSubtype="0" fill="hold" nodeType="withEffect">
                                   <p:stCondLst>
                                     <p:cond delay="0"/>
                                   </p:stCondLst>
                                   <p:childTnLst>
                                     <p:set>
                                       <p:cBhvr>
-                                        <p:cTn id="12" dur="1" fill="hold">
+                                        <p:cTn id="20" dur="1" fill="hold">
                                           <p:stCondLst>
                                             <p:cond delay="0"/>
                                           </p:stCondLst>
@@ -14375,14 +15148,14 @@
                                 </p:cTn>
                               </p:par>
                               <p:par>
-                                <p:cTn id="13" presetID="1" presetClass="entr" presetSubtype="0" fill="hold" nodeType="withEffect">
+                                <p:cTn id="21" presetID="1" presetClass="entr" presetSubtype="0" fill="hold" nodeType="withEffect">
                                   <p:stCondLst>
                                     <p:cond delay="0"/>
                                   </p:stCondLst>
                                   <p:childTnLst>
                                     <p:set>
                                       <p:cBhvr>
-                                        <p:cTn id="14" dur="1" fill="hold">
+                                        <p:cTn id="22" dur="1" fill="hold">
                                           <p:stCondLst>
                                             <p:cond delay="0"/>
                                           </p:stCondLst>
@@ -14432,260 +15205,6 @@
 </p:sld>
 </file>
 
-<file path=ppt/slides/slide28.xml><?xml version="1.0" encoding="utf-8"?>
-<p:sld xmlns:a="http://schemas.openxmlformats.org/drawingml/2006/main" xmlns:r="http://schemas.openxmlformats.org/officeDocument/2006/relationships" xmlns:p="http://schemas.openxmlformats.org/presentationml/2006/main">
-  <p:cSld>
-    <p:spTree>
-      <p:nvGrpSpPr>
-        <p:cNvPr id="1" name=""/>
-        <p:cNvGrpSpPr/>
-        <p:nvPr/>
-      </p:nvGrpSpPr>
-      <p:grpSpPr>
-        <a:xfrm>
-          <a:off x="0" y="0"/>
-          <a:ext cx="0" cy="0"/>
-          <a:chOff x="0" y="0"/>
-          <a:chExt cx="0" cy="0"/>
-        </a:xfrm>
-      </p:grpSpPr>
-      <p:sp>
-        <p:nvSpPr>
-          <p:cNvPr id="2" name="Titel 1"/>
-          <p:cNvSpPr>
-            <a:spLocks noGrp="1"/>
-          </p:cNvSpPr>
-          <p:nvPr>
-            <p:ph type="title"/>
-          </p:nvPr>
-        </p:nvSpPr>
-        <p:spPr/>
-        <p:txBody>
-          <a:bodyPr/>
-          <a:lstStyle/>
-          <a:p>
-            <a:r>
-              <a:rPr lang="nl-NL" dirty="0" err="1"/>
-              <a:t>Empirical</a:t>
-            </a:r>
-            <a:r>
-              <a:rPr lang="nl-NL" dirty="0"/>
-              <a:t> analysis</a:t>
-            </a:r>
-          </a:p>
-        </p:txBody>
-      </p:sp>
-      <p:sp>
-        <p:nvSpPr>
-          <p:cNvPr id="3" name="Tijdelijke aanduiding voor inhoud 2"/>
-          <p:cNvSpPr>
-            <a:spLocks noGrp="1"/>
-          </p:cNvSpPr>
-          <p:nvPr>
-            <p:ph idx="1"/>
-          </p:nvPr>
-        </p:nvSpPr>
-        <p:spPr>
-          <a:xfrm>
-            <a:off x="690982" y="2160589"/>
-            <a:ext cx="8596668" cy="3880773"/>
-          </a:xfrm>
-        </p:spPr>
-        <p:txBody>
-          <a:bodyPr/>
-          <a:lstStyle/>
-          <a:p>
-            <a:r>
-              <a:rPr lang="nl-NL" dirty="0"/>
-              <a:t>More </a:t>
-            </a:r>
-            <a:r>
-              <a:rPr lang="nl-NL" dirty="0" err="1"/>
-              <a:t>interesting</a:t>
-            </a:r>
-            <a:r>
-              <a:rPr lang="nl-NL" dirty="0"/>
-              <a:t> question:</a:t>
-            </a:r>
-          </a:p>
-          <a:p>
-            <a:pPr marL="0" indent="0" algn="ctr">
-              <a:buNone/>
-            </a:pPr>
-            <a:r>
-              <a:rPr lang="nl-NL" sz="2000" i="1" dirty="0"/>
-              <a:t>“How </a:t>
-            </a:r>
-            <a:r>
-              <a:rPr lang="nl-NL" sz="2000" i="1" dirty="0" err="1"/>
-              <a:t>much</a:t>
-            </a:r>
-            <a:r>
-              <a:rPr lang="nl-NL" sz="2000" i="1" dirty="0"/>
-              <a:t> does </a:t>
-            </a:r>
-            <a:r>
-              <a:rPr lang="nl-NL" sz="2000" i="1" dirty="0" err="1"/>
-              <a:t>the</a:t>
-            </a:r>
-            <a:r>
-              <a:rPr lang="nl-NL" sz="2000" i="1" dirty="0"/>
-              <a:t> running time of a program </a:t>
-            </a:r>
-            <a:r>
-              <a:rPr lang="nl-NL" sz="2000" i="1" dirty="0" err="1"/>
-              <a:t>increase</a:t>
-            </a:r>
-            <a:r>
-              <a:rPr lang="nl-NL" sz="2000" i="1" dirty="0"/>
-              <a:t> </a:t>
-            </a:r>
-            <a:r>
-              <a:rPr lang="nl-NL" sz="2000" i="1" dirty="0" err="1"/>
-              <a:t>when</a:t>
-            </a:r>
-            <a:r>
-              <a:rPr lang="nl-NL" sz="2000" i="1" dirty="0"/>
-              <a:t> </a:t>
-            </a:r>
-            <a:r>
-              <a:rPr lang="nl-NL" sz="2000" i="1" dirty="0" err="1"/>
-              <a:t>the</a:t>
-            </a:r>
-            <a:r>
-              <a:rPr lang="nl-NL" sz="2000" i="1" dirty="0"/>
-              <a:t> </a:t>
-            </a:r>
-            <a:r>
-              <a:rPr lang="nl-NL" sz="2000" i="1" dirty="0" err="1"/>
-              <a:t>problem</a:t>
-            </a:r>
-            <a:r>
-              <a:rPr lang="nl-NL" sz="2000" i="1" dirty="0"/>
-              <a:t> </a:t>
-            </a:r>
-            <a:r>
-              <a:rPr lang="nl-NL" sz="2000" i="1" dirty="0" err="1"/>
-              <a:t>size</a:t>
-            </a:r>
-            <a:r>
-              <a:rPr lang="nl-NL" sz="2000" i="1" dirty="0"/>
-              <a:t> </a:t>
-            </a:r>
-            <a:r>
-              <a:rPr lang="nl-NL" sz="2000" i="1" dirty="0" err="1"/>
-              <a:t>increases</a:t>
-            </a:r>
-            <a:r>
-              <a:rPr lang="nl-NL" sz="2000" i="1" dirty="0"/>
-              <a:t>?”</a:t>
-            </a:r>
-          </a:p>
-          <a:p>
-            <a:pPr marL="0" indent="0" algn="ctr">
-              <a:buNone/>
-            </a:pPr>
-            <a:endParaRPr lang="nl-NL" sz="2000" i="1" dirty="0"/>
-          </a:p>
-          <a:p>
-            <a:r>
-              <a:rPr lang="nl-NL" dirty="0"/>
-              <a:t>We look </a:t>
-            </a:r>
-            <a:r>
-              <a:rPr lang="nl-NL" dirty="0" err="1"/>
-              <a:t>for</a:t>
-            </a:r>
-            <a:r>
-              <a:rPr lang="nl-NL" dirty="0"/>
-              <a:t> a </a:t>
-            </a:r>
-            <a:r>
-              <a:rPr lang="nl-NL" dirty="0" err="1"/>
-              <a:t>dependency</a:t>
-            </a:r>
-            <a:r>
-              <a:rPr lang="nl-NL" dirty="0"/>
-              <a:t>/</a:t>
-            </a:r>
-            <a:r>
-              <a:rPr lang="nl-NL" dirty="0" err="1"/>
-              <a:t>relationship</a:t>
-            </a:r>
-            <a:r>
-              <a:rPr lang="nl-NL" dirty="0"/>
-              <a:t> </a:t>
-            </a:r>
-            <a:r>
-              <a:rPr lang="nl-NL" dirty="0" err="1"/>
-              <a:t>between</a:t>
-            </a:r>
-            <a:r>
-              <a:rPr lang="nl-NL" dirty="0"/>
-              <a:t> </a:t>
-            </a:r>
-          </a:p>
-          <a:p>
-            <a:pPr lvl="1"/>
-            <a:r>
-              <a:rPr lang="nl-NL" dirty="0" err="1"/>
-              <a:t>Problem</a:t>
-            </a:r>
-            <a:r>
-              <a:rPr lang="nl-NL" dirty="0"/>
-              <a:t> </a:t>
-            </a:r>
-            <a:r>
-              <a:rPr lang="nl-NL" dirty="0" err="1"/>
-              <a:t>size</a:t>
-            </a:r>
-            <a:endParaRPr lang="nl-NL" dirty="0"/>
-          </a:p>
-          <a:p>
-            <a:pPr lvl="1"/>
-            <a:r>
-              <a:rPr lang="nl-NL" dirty="0"/>
-              <a:t>Running time</a:t>
-            </a:r>
-          </a:p>
-        </p:txBody>
-      </p:sp>
-      <p:sp>
-        <p:nvSpPr>
-          <p:cNvPr id="4" name="Tijdelijke aanduiding voor voettekst 3"/>
-          <p:cNvSpPr>
-            <a:spLocks noGrp="1"/>
-          </p:cNvSpPr>
-          <p:nvPr>
-            <p:ph type="ftr" sz="quarter" idx="11"/>
-          </p:nvPr>
-        </p:nvSpPr>
-        <p:spPr/>
-        <p:txBody>
-          <a:bodyPr/>
-          <a:lstStyle/>
-          <a:p>
-            <a:r>
-              <a:rPr lang="it-IT"/>
-              <a:t>INFDEV036A - G. Costantini, F. Di Giacomo</a:t>
-            </a:r>
-            <a:endParaRPr lang="en-GB"/>
-          </a:p>
-        </p:txBody>
-      </p:sp>
-    </p:spTree>
-    <p:extLst>
-      <p:ext uri="{BB962C8B-B14F-4D97-AF65-F5344CB8AC3E}">
-        <p14:creationId xmlns:p14="http://schemas.microsoft.com/office/powerpoint/2010/main" val="61686"/>
-      </p:ext>
-    </p:extLst>
-  </p:cSld>
-  <p:clrMapOvr>
-    <a:masterClrMapping/>
-  </p:clrMapOvr>
-</p:sld>
-</file>
-
 <file path=ppt/slides/slide29.xml><?xml version="1.0" encoding="utf-8"?>
 <p:sld xmlns:a="http://schemas.openxmlformats.org/drawingml/2006/main" xmlns:r="http://schemas.openxmlformats.org/officeDocument/2006/relationships" xmlns:p="http://schemas.openxmlformats.org/presentationml/2006/main">
   <p:cSld>
@@ -14741,38 +15260,130 @@
         </p:nvSpPr>
         <p:spPr>
           <a:xfrm>
-            <a:off x="677334" y="2160589"/>
-            <a:ext cx="8596668" cy="4245898"/>
+            <a:off x="690982" y="2160589"/>
+            <a:ext cx="8596668" cy="3880773"/>
           </a:xfrm>
         </p:spPr>
         <p:txBody>
-          <a:bodyPr>
-            <a:normAutofit lnSpcReduction="10000"/>
-          </a:bodyPr>
+          <a:bodyPr/>
           <a:lstStyle/>
           <a:p>
             <a:r>
               <a:rPr lang="nl-NL" dirty="0"/>
-              <a:t>Example</a:t>
-            </a:r>
-          </a:p>
-          <a:p>
-            <a:pPr lvl="1"/>
+              <a:t>More </a:t>
+            </a:r>
+            <a:r>
+              <a:rPr lang="nl-NL" dirty="0" err="1"/>
+              <a:t>interesting</a:t>
+            </a:r>
             <a:r>
               <a:rPr lang="nl-NL" dirty="0"/>
-              <a:t>a program (</a:t>
-            </a:r>
-            <a:r>
-              <a:rPr lang="nl-NL" i="1" dirty="0" err="1"/>
-              <a:t>ThreeSum</a:t>
-            </a:r>
+              <a:t> question:</a:t>
+            </a:r>
+          </a:p>
+          <a:p>
+            <a:pPr marL="0" indent="0" algn="ctr">
+              <a:buNone/>
+            </a:pPr>
+            <a:r>
+              <a:rPr lang="nl-NL" sz="2000" i="1" dirty="0"/>
+              <a:t>“How </a:t>
+            </a:r>
+            <a:r>
+              <a:rPr lang="nl-NL" sz="2000" i="1" dirty="0" err="1"/>
+              <a:t>much</a:t>
+            </a:r>
+            <a:r>
+              <a:rPr lang="nl-NL" sz="2000" i="1" dirty="0"/>
+              <a:t> does </a:t>
+            </a:r>
+            <a:r>
+              <a:rPr lang="nl-NL" sz="2000" i="1" dirty="0" err="1"/>
+              <a:t>the</a:t>
+            </a:r>
+            <a:r>
+              <a:rPr lang="nl-NL" sz="2000" i="1" dirty="0"/>
+              <a:t> running time of a program </a:t>
+            </a:r>
+            <a:r>
+              <a:rPr lang="nl-NL" sz="2000" i="1" dirty="0" err="1"/>
+              <a:t>increase</a:t>
+            </a:r>
+            <a:r>
+              <a:rPr lang="nl-NL" sz="2000" i="1" dirty="0"/>
+              <a:t> </a:t>
+            </a:r>
+            <a:r>
+              <a:rPr lang="nl-NL" sz="2000" i="1" dirty="0" err="1"/>
+              <a:t>when</a:t>
+            </a:r>
+            <a:r>
+              <a:rPr lang="nl-NL" sz="2000" i="1" dirty="0"/>
+              <a:t> </a:t>
+            </a:r>
+            <a:r>
+              <a:rPr lang="nl-NL" sz="2000" i="1" dirty="0" err="1"/>
+              <a:t>the</a:t>
+            </a:r>
+            <a:r>
+              <a:rPr lang="nl-NL" sz="2000" i="1" dirty="0"/>
+              <a:t> </a:t>
+            </a:r>
+            <a:r>
+              <a:rPr lang="nl-NL" sz="2000" i="1" dirty="0" err="1"/>
+              <a:t>problem</a:t>
+            </a:r>
+            <a:r>
+              <a:rPr lang="nl-NL" sz="2000" i="1" dirty="0"/>
+              <a:t> </a:t>
+            </a:r>
+            <a:r>
+              <a:rPr lang="nl-NL" sz="2000" i="1" dirty="0" err="1"/>
+              <a:t>size</a:t>
+            </a:r>
+            <a:r>
+              <a:rPr lang="nl-NL" sz="2000" i="1" dirty="0"/>
+              <a:t> </a:t>
+            </a:r>
+            <a:r>
+              <a:rPr lang="nl-NL" sz="2000" i="1" dirty="0" err="1"/>
+              <a:t>increases</a:t>
+            </a:r>
+            <a:r>
+              <a:rPr lang="nl-NL" sz="2000" i="1" dirty="0"/>
+              <a:t>?”</a:t>
+            </a:r>
+          </a:p>
+          <a:p>
+            <a:pPr marL="0" indent="0" algn="ctr">
+              <a:buNone/>
+            </a:pPr>
+            <a:endParaRPr lang="nl-NL" sz="2000" i="1" dirty="0"/>
+          </a:p>
+          <a:p>
             <a:r>
               <a:rPr lang="nl-NL" dirty="0"/>
-              <a:t>) </a:t>
+              <a:t>We look </a:t>
             </a:r>
             <a:r>
               <a:rPr lang="nl-NL" dirty="0" err="1"/>
-              <a:t>which</a:t>
+              <a:t>for</a:t>
+            </a:r>
+            <a:r>
+              <a:rPr lang="nl-NL" dirty="0"/>
+              <a:t> a </a:t>
+            </a:r>
+            <a:r>
+              <a:rPr lang="nl-NL" dirty="0" err="1"/>
+              <a:t>dependency</a:t>
+            </a:r>
+            <a:r>
+              <a:rPr lang="nl-NL" dirty="0"/>
+              <a:t>/</a:t>
+            </a:r>
+            <a:r>
+              <a:rPr lang="nl-NL" dirty="0" err="1"/>
+              <a:t>relationship</a:t>
             </a:r>
             <a:r>
               <a:rPr lang="nl-NL" dirty="0"/>
@@ -14780,15 +15391,18 @@
             </a:r>
             <a:r>
               <a:rPr lang="nl-NL" dirty="0" err="1"/>
-              <a:t>counts</a:t>
+              <a:t>between</a:t>
             </a:r>
             <a:r>
               <a:rPr lang="nl-NL" dirty="0"/>
               <a:t> </a:t>
             </a:r>
+          </a:p>
+          <a:p>
+            <a:pPr lvl="1"/>
             <a:r>
               <a:rPr lang="nl-NL" dirty="0" err="1"/>
-              <a:t>the</a:t>
+              <a:t>Problem</a:t>
             </a:r>
             <a:r>
               <a:rPr lang="nl-NL" dirty="0"/>
@@ -14796,286 +15410,16 @@
             </a:r>
             <a:r>
               <a:rPr lang="nl-NL" dirty="0" err="1"/>
-              <a:t>triples</a:t>
-            </a:r>
+              <a:t>size</a:t>
+            </a:r>
+            <a:endParaRPr lang="nl-NL" dirty="0"/>
+          </a:p>
+          <a:p>
+            <a:pPr lvl="1"/>
             <a:r>
               <a:rPr lang="nl-NL" dirty="0"/>
-              <a:t> in </a:t>
-            </a:r>
-            <a:r>
-              <a:rPr lang="nl-NL" dirty="0" err="1"/>
-              <a:t>an</a:t>
-            </a:r>
-            <a:r>
-              <a:rPr lang="nl-NL" dirty="0"/>
-              <a:t> array of </a:t>
-            </a:r>
-            <a:r>
-              <a:rPr lang="en-GB" dirty="0">
-                <a:latin typeface="Consolas" panose="020B0609020204030204" pitchFamily="49" charset="0"/>
-                <a:cs typeface="Consolas" panose="020B0609020204030204" pitchFamily="49" charset="0"/>
-              </a:rPr>
-              <a:t>N</a:t>
-            </a:r>
-            <a:r>
-              <a:rPr lang="nl-NL" dirty="0"/>
-              <a:t> integers </a:t>
-            </a:r>
-            <a:r>
-              <a:rPr lang="nl-NL" dirty="0" err="1"/>
-              <a:t>that</a:t>
-            </a:r>
-            <a:r>
-              <a:rPr lang="nl-NL" dirty="0"/>
-              <a:t> </a:t>
-            </a:r>
-            <a:r>
-              <a:rPr lang="nl-NL" dirty="0" err="1"/>
-              <a:t>sum</a:t>
-            </a:r>
-            <a:r>
-              <a:rPr lang="nl-NL" dirty="0"/>
-              <a:t> </a:t>
-            </a:r>
-            <a:r>
-              <a:rPr lang="nl-NL" dirty="0" err="1"/>
-              <a:t>to</a:t>
-            </a:r>
-            <a:r>
-              <a:rPr lang="nl-NL" dirty="0"/>
-              <a:t> 0 </a:t>
-            </a:r>
-          </a:p>
-          <a:p>
-            <a:r>
-              <a:rPr lang="nl-NL" dirty="0"/>
-              <a:t>Question</a:t>
-            </a:r>
-          </a:p>
-          <a:p>
-            <a:pPr lvl="1"/>
-            <a:r>
-              <a:rPr lang="nl-NL" dirty="0" err="1"/>
-              <a:t>What</a:t>
-            </a:r>
-            <a:r>
-              <a:rPr lang="nl-NL" dirty="0"/>
-              <a:t> is </a:t>
-            </a:r>
-            <a:r>
-              <a:rPr lang="nl-NL" dirty="0" err="1"/>
-              <a:t>the</a:t>
-            </a:r>
-            <a:r>
-              <a:rPr lang="nl-NL" dirty="0"/>
-              <a:t> </a:t>
-            </a:r>
-            <a:r>
-              <a:rPr lang="nl-NL" dirty="0" err="1"/>
-              <a:t>relationship</a:t>
-            </a:r>
-            <a:r>
-              <a:rPr lang="nl-NL" dirty="0"/>
-              <a:t> </a:t>
-            </a:r>
-            <a:r>
-              <a:rPr lang="nl-NL" dirty="0" err="1"/>
-              <a:t>between</a:t>
-            </a:r>
-            <a:r>
-              <a:rPr lang="nl-NL" dirty="0"/>
-              <a:t> </a:t>
-            </a:r>
-            <a:r>
-              <a:rPr lang="nl-NL" dirty="0" err="1"/>
-              <a:t>the</a:t>
-            </a:r>
-            <a:r>
-              <a:rPr lang="nl-NL" dirty="0"/>
-              <a:t> </a:t>
-            </a:r>
-            <a:r>
-              <a:rPr lang="nl-NL" dirty="0" err="1"/>
-              <a:t>problem</a:t>
-            </a:r>
-            <a:r>
-              <a:rPr lang="nl-NL" dirty="0"/>
-              <a:t> </a:t>
-            </a:r>
-            <a:r>
-              <a:rPr lang="nl-NL" dirty="0" err="1"/>
-              <a:t>size</a:t>
-            </a:r>
-            <a:r>
-              <a:rPr lang="nl-NL" dirty="0"/>
-              <a:t> </a:t>
-            </a:r>
-            <a:r>
-              <a:rPr lang="en-GB" dirty="0">
-                <a:latin typeface="Consolas" panose="020B0609020204030204" pitchFamily="49" charset="0"/>
-                <a:cs typeface="Consolas" panose="020B0609020204030204" pitchFamily="49" charset="0"/>
-              </a:rPr>
-              <a:t>N</a:t>
-            </a:r>
-            <a:r>
-              <a:rPr lang="nl-NL" dirty="0"/>
-              <a:t> </a:t>
-            </a:r>
-            <a:r>
-              <a:rPr lang="nl-NL" dirty="0" err="1"/>
-              <a:t>and</a:t>
-            </a:r>
-            <a:r>
-              <a:rPr lang="nl-NL" dirty="0"/>
-              <a:t> </a:t>
-            </a:r>
-            <a:r>
-              <a:rPr lang="nl-NL" dirty="0" err="1"/>
-              <a:t>the</a:t>
-            </a:r>
-            <a:r>
-              <a:rPr lang="nl-NL" dirty="0"/>
-              <a:t> running time of </a:t>
-            </a:r>
-            <a:r>
-              <a:rPr lang="nl-NL" dirty="0" err="1"/>
-              <a:t>ThreeSum</a:t>
-            </a:r>
-            <a:r>
-              <a:rPr lang="nl-NL" dirty="0"/>
-              <a:t>?</a:t>
-            </a:r>
-          </a:p>
-          <a:p>
-            <a:r>
-              <a:rPr lang="nl-NL" dirty="0" err="1"/>
-              <a:t>Emiprical</a:t>
-            </a:r>
-            <a:r>
-              <a:rPr lang="nl-NL" dirty="0"/>
-              <a:t> </a:t>
-            </a:r>
-            <a:r>
-              <a:rPr lang="nl-NL" dirty="0" err="1"/>
-              <a:t>observations</a:t>
-            </a:r>
-            <a:endParaRPr lang="nl-NL" dirty="0"/>
-          </a:p>
-          <a:p>
-            <a:pPr lvl="1"/>
-            <a:r>
-              <a:rPr lang="en-GB" dirty="0">
-                <a:latin typeface="Consolas" panose="020B0609020204030204" pitchFamily="49" charset="0"/>
-                <a:cs typeface="Consolas" panose="020B0609020204030204" pitchFamily="49" charset="0"/>
-              </a:rPr>
-              <a:t>N</a:t>
-            </a:r>
-            <a:r>
-              <a:rPr lang="nl-NL" dirty="0"/>
-              <a:t> = 1000 </a:t>
-            </a:r>
-            <a:r>
-              <a:rPr lang="nl-NL" dirty="0">
-                <a:sym typeface="Wingdings" panose="05000000000000000000" pitchFamily="2" charset="2"/>
-              </a:rPr>
-              <a:t> 0.1 </a:t>
-            </a:r>
-            <a:r>
-              <a:rPr lang="nl-NL" dirty="0" err="1">
-                <a:sym typeface="Wingdings" panose="05000000000000000000" pitchFamily="2" charset="2"/>
-              </a:rPr>
-              <a:t>seconds</a:t>
-            </a:r>
-            <a:endParaRPr lang="nl-NL" dirty="0"/>
-          </a:p>
-          <a:p>
-            <a:pPr lvl="1"/>
-            <a:r>
-              <a:rPr lang="en-GB" dirty="0">
-                <a:latin typeface="Consolas" panose="020B0609020204030204" pitchFamily="49" charset="0"/>
-                <a:cs typeface="Consolas" panose="020B0609020204030204" pitchFamily="49" charset="0"/>
-              </a:rPr>
-              <a:t>N</a:t>
-            </a:r>
-            <a:r>
-              <a:rPr lang="nl-NL" dirty="0"/>
-              <a:t> = 2000 </a:t>
-            </a:r>
-            <a:r>
-              <a:rPr lang="nl-NL" dirty="0">
-                <a:sym typeface="Wingdings" panose="05000000000000000000" pitchFamily="2" charset="2"/>
-              </a:rPr>
-              <a:t> 0.8 </a:t>
-            </a:r>
-            <a:r>
-              <a:rPr lang="nl-NL" dirty="0" err="1">
-                <a:sym typeface="Wingdings" panose="05000000000000000000" pitchFamily="2" charset="2"/>
-              </a:rPr>
-              <a:t>seconds</a:t>
-            </a:r>
-            <a:endParaRPr lang="nl-NL" dirty="0">
-              <a:sym typeface="Wingdings" panose="05000000000000000000" pitchFamily="2" charset="2"/>
-            </a:endParaRPr>
-          </a:p>
-          <a:p>
-            <a:pPr lvl="1"/>
-            <a:r>
-              <a:rPr lang="en-GB" dirty="0">
-                <a:latin typeface="Consolas" panose="020B0609020204030204" pitchFamily="49" charset="0"/>
-                <a:cs typeface="Consolas" panose="020B0609020204030204" pitchFamily="49" charset="0"/>
-              </a:rPr>
-              <a:t>N</a:t>
-            </a:r>
-            <a:r>
-              <a:rPr lang="nl-NL" dirty="0">
-                <a:sym typeface="Wingdings" panose="05000000000000000000" pitchFamily="2" charset="2"/>
-              </a:rPr>
-              <a:t> = 4000  6.4 </a:t>
-            </a:r>
-            <a:r>
-              <a:rPr lang="nl-NL" dirty="0" err="1">
-                <a:sym typeface="Wingdings" panose="05000000000000000000" pitchFamily="2" charset="2"/>
-              </a:rPr>
-              <a:t>seconds</a:t>
-            </a:r>
-            <a:endParaRPr lang="nl-NL" dirty="0">
-              <a:sym typeface="Wingdings" panose="05000000000000000000" pitchFamily="2" charset="2"/>
-            </a:endParaRPr>
-          </a:p>
-          <a:p>
-            <a:pPr lvl="1"/>
-            <a:r>
-              <a:rPr lang="en-GB" dirty="0">
-                <a:latin typeface="Consolas" panose="020B0609020204030204" pitchFamily="49" charset="0"/>
-                <a:cs typeface="Consolas" panose="020B0609020204030204" pitchFamily="49" charset="0"/>
-              </a:rPr>
-              <a:t>N</a:t>
-            </a:r>
-            <a:r>
-              <a:rPr lang="nl-NL" dirty="0">
-                <a:sym typeface="Wingdings" panose="05000000000000000000" pitchFamily="2" charset="2"/>
-              </a:rPr>
-              <a:t> = 8000  51.1 </a:t>
-            </a:r>
-            <a:r>
-              <a:rPr lang="nl-NL" dirty="0" err="1">
-                <a:sym typeface="Wingdings" panose="05000000000000000000" pitchFamily="2" charset="2"/>
-              </a:rPr>
-              <a:t>seconds</a:t>
-            </a:r>
-            <a:endParaRPr lang="nl-NL" dirty="0">
-              <a:sym typeface="Wingdings" panose="05000000000000000000" pitchFamily="2" charset="2"/>
-            </a:endParaRPr>
-          </a:p>
-          <a:p>
-            <a:pPr lvl="1"/>
-            <a:r>
-              <a:rPr lang="nl-NL" dirty="0">
-                <a:sym typeface="Wingdings" panose="05000000000000000000" pitchFamily="2" charset="2"/>
-              </a:rPr>
-              <a:t>…</a:t>
-            </a:r>
-            <a:endParaRPr lang="nl-NL" dirty="0"/>
+              <a:t>Running time</a:t>
+            </a:r>
           </a:p>
         </p:txBody>
       </p:sp>
@@ -15105,7 +15449,7 @@
     </p:spTree>
     <p:extLst>
       <p:ext uri="{BB962C8B-B14F-4D97-AF65-F5344CB8AC3E}">
-        <p14:creationId xmlns:p14="http://schemas.microsoft.com/office/powerpoint/2010/main" val="2683656499"/>
+        <p14:creationId xmlns:p14="http://schemas.microsoft.com/office/powerpoint/2010/main" val="61686"/>
       </p:ext>
     </p:extLst>
   </p:cSld>
@@ -15274,10 +15618,788 @@
   <p:clrMapOvr>
     <a:masterClrMapping/>
   </p:clrMapOvr>
+  <p:timing>
+    <p:tnLst>
+      <p:par>
+        <p:cTn id="1" dur="indefinite" restart="never" nodeType="tmRoot">
+          <p:childTnLst>
+            <p:seq concurrent="1" nextAc="seek">
+              <p:cTn id="2" dur="indefinite" nodeType="mainSeq">
+                <p:childTnLst>
+                  <p:par>
+                    <p:cTn id="3" fill="hold">
+                      <p:stCondLst>
+                        <p:cond delay="indefinite"/>
+                      </p:stCondLst>
+                      <p:childTnLst>
+                        <p:par>
+                          <p:cTn id="4" fill="hold">
+                            <p:stCondLst>
+                              <p:cond delay="0"/>
+                            </p:stCondLst>
+                            <p:childTnLst>
+                              <p:par>
+                                <p:cTn id="5" presetID="1" presetClass="entr" presetSubtype="0" fill="hold" nodeType="clickEffect">
+                                  <p:stCondLst>
+                                    <p:cond delay="0"/>
+                                  </p:stCondLst>
+                                  <p:childTnLst>
+                                    <p:set>
+                                      <p:cBhvr>
+                                        <p:cTn id="6" dur="1" fill="hold">
+                                          <p:stCondLst>
+                                            <p:cond delay="0"/>
+                                          </p:stCondLst>
+                                        </p:cTn>
+                                        <p:tgtEl>
+                                          <p:spTgt spid="3">
+                                            <p:txEl>
+                                              <p:pRg st="0" end="0"/>
+                                            </p:txEl>
+                                          </p:spTgt>
+                                        </p:tgtEl>
+                                        <p:attrNameLst>
+                                          <p:attrName>style.visibility</p:attrName>
+                                        </p:attrNameLst>
+                                      </p:cBhvr>
+                                      <p:to>
+                                        <p:strVal val="visible"/>
+                                      </p:to>
+                                    </p:set>
+                                  </p:childTnLst>
+                                </p:cTn>
+                              </p:par>
+                              <p:par>
+                                <p:cTn id="7" presetID="1" presetClass="entr" presetSubtype="0" fill="hold" nodeType="withEffect">
+                                  <p:stCondLst>
+                                    <p:cond delay="0"/>
+                                  </p:stCondLst>
+                                  <p:childTnLst>
+                                    <p:set>
+                                      <p:cBhvr>
+                                        <p:cTn id="8" dur="1" fill="hold">
+                                          <p:stCondLst>
+                                            <p:cond delay="0"/>
+                                          </p:stCondLst>
+                                        </p:cTn>
+                                        <p:tgtEl>
+                                          <p:spTgt spid="3">
+                                            <p:txEl>
+                                              <p:pRg st="1" end="1"/>
+                                            </p:txEl>
+                                          </p:spTgt>
+                                        </p:tgtEl>
+                                        <p:attrNameLst>
+                                          <p:attrName>style.visibility</p:attrName>
+                                        </p:attrNameLst>
+                                      </p:cBhvr>
+                                      <p:to>
+                                        <p:strVal val="visible"/>
+                                      </p:to>
+                                    </p:set>
+                                  </p:childTnLst>
+                                </p:cTn>
+                              </p:par>
+                              <p:par>
+                                <p:cTn id="9" presetID="1" presetClass="entr" presetSubtype="0" fill="hold" nodeType="withEffect">
+                                  <p:stCondLst>
+                                    <p:cond delay="0"/>
+                                  </p:stCondLst>
+                                  <p:childTnLst>
+                                    <p:set>
+                                      <p:cBhvr>
+                                        <p:cTn id="10" dur="1" fill="hold">
+                                          <p:stCondLst>
+                                            <p:cond delay="0"/>
+                                          </p:stCondLst>
+                                        </p:cTn>
+                                        <p:tgtEl>
+                                          <p:spTgt spid="3">
+                                            <p:txEl>
+                                              <p:pRg st="2" end="2"/>
+                                            </p:txEl>
+                                          </p:spTgt>
+                                        </p:tgtEl>
+                                        <p:attrNameLst>
+                                          <p:attrName>style.visibility</p:attrName>
+                                        </p:attrNameLst>
+                                      </p:cBhvr>
+                                      <p:to>
+                                        <p:strVal val="visible"/>
+                                      </p:to>
+                                    </p:set>
+                                  </p:childTnLst>
+                                </p:cTn>
+                              </p:par>
+                              <p:par>
+                                <p:cTn id="11" presetID="1" presetClass="entr" presetSubtype="0" fill="hold" nodeType="withEffect">
+                                  <p:stCondLst>
+                                    <p:cond delay="0"/>
+                                  </p:stCondLst>
+                                  <p:childTnLst>
+                                    <p:set>
+                                      <p:cBhvr>
+                                        <p:cTn id="12" dur="1" fill="hold">
+                                          <p:stCondLst>
+                                            <p:cond delay="0"/>
+                                          </p:stCondLst>
+                                        </p:cTn>
+                                        <p:tgtEl>
+                                          <p:spTgt spid="3">
+                                            <p:txEl>
+                                              <p:pRg st="3" end="3"/>
+                                            </p:txEl>
+                                          </p:spTgt>
+                                        </p:tgtEl>
+                                        <p:attrNameLst>
+                                          <p:attrName>style.visibility</p:attrName>
+                                        </p:attrNameLst>
+                                      </p:cBhvr>
+                                      <p:to>
+                                        <p:strVal val="visible"/>
+                                      </p:to>
+                                    </p:set>
+                                  </p:childTnLst>
+                                </p:cTn>
+                              </p:par>
+                            </p:childTnLst>
+                          </p:cTn>
+                        </p:par>
+                      </p:childTnLst>
+                    </p:cTn>
+                  </p:par>
+                </p:childTnLst>
+              </p:cTn>
+              <p:prevCondLst>
+                <p:cond evt="onPrev" delay="0">
+                  <p:tgtEl>
+                    <p:sldTgt/>
+                  </p:tgtEl>
+                </p:cond>
+              </p:prevCondLst>
+              <p:nextCondLst>
+                <p:cond evt="onNext" delay="0">
+                  <p:tgtEl>
+                    <p:sldTgt/>
+                  </p:tgtEl>
+                </p:cond>
+              </p:nextCondLst>
+            </p:seq>
+          </p:childTnLst>
+        </p:cTn>
+      </p:par>
+    </p:tnLst>
+  </p:timing>
 </p:sld>
 </file>
 
 <file path=ppt/slides/slide30.xml><?xml version="1.0" encoding="utf-8"?>
+<p:sld xmlns:a="http://schemas.openxmlformats.org/drawingml/2006/main" xmlns:r="http://schemas.openxmlformats.org/officeDocument/2006/relationships" xmlns:p="http://schemas.openxmlformats.org/presentationml/2006/main">
+  <p:cSld>
+    <p:spTree>
+      <p:nvGrpSpPr>
+        <p:cNvPr id="1" name=""/>
+        <p:cNvGrpSpPr/>
+        <p:nvPr/>
+      </p:nvGrpSpPr>
+      <p:grpSpPr>
+        <a:xfrm>
+          <a:off x="0" y="0"/>
+          <a:ext cx="0" cy="0"/>
+          <a:chOff x="0" y="0"/>
+          <a:chExt cx="0" cy="0"/>
+        </a:xfrm>
+      </p:grpSpPr>
+      <p:sp>
+        <p:nvSpPr>
+          <p:cNvPr id="2" name="Titel 1"/>
+          <p:cNvSpPr>
+            <a:spLocks noGrp="1"/>
+          </p:cNvSpPr>
+          <p:nvPr>
+            <p:ph type="title"/>
+          </p:nvPr>
+        </p:nvSpPr>
+        <p:spPr/>
+        <p:txBody>
+          <a:bodyPr/>
+          <a:lstStyle/>
+          <a:p>
+            <a:r>
+              <a:rPr lang="nl-NL" dirty="0" err="1"/>
+              <a:t>Empirical</a:t>
+            </a:r>
+            <a:r>
+              <a:rPr lang="nl-NL" dirty="0"/>
+              <a:t> analysis</a:t>
+            </a:r>
+          </a:p>
+        </p:txBody>
+      </p:sp>
+      <p:sp>
+        <p:nvSpPr>
+          <p:cNvPr id="3" name="Tijdelijke aanduiding voor inhoud 2"/>
+          <p:cNvSpPr>
+            <a:spLocks noGrp="1"/>
+          </p:cNvSpPr>
+          <p:nvPr>
+            <p:ph idx="1"/>
+          </p:nvPr>
+        </p:nvSpPr>
+        <p:spPr>
+          <a:xfrm>
+            <a:off x="677334" y="2160589"/>
+            <a:ext cx="8596668" cy="4245898"/>
+          </a:xfrm>
+        </p:spPr>
+        <p:txBody>
+          <a:bodyPr>
+            <a:normAutofit lnSpcReduction="10000"/>
+          </a:bodyPr>
+          <a:lstStyle/>
+          <a:p>
+            <a:r>
+              <a:rPr lang="nl-NL" dirty="0"/>
+              <a:t>Example</a:t>
+            </a:r>
+          </a:p>
+          <a:p>
+            <a:pPr lvl="1"/>
+            <a:r>
+              <a:rPr lang="nl-NL" dirty="0"/>
+              <a:t>a program (</a:t>
+            </a:r>
+            <a:r>
+              <a:rPr lang="nl-NL" i="1" dirty="0" err="1"/>
+              <a:t>ThreeSum</a:t>
+            </a:r>
+            <a:r>
+              <a:rPr lang="nl-NL" dirty="0"/>
+              <a:t>) </a:t>
+            </a:r>
+            <a:r>
+              <a:rPr lang="nl-NL" dirty="0" err="1"/>
+              <a:t>which</a:t>
+            </a:r>
+            <a:r>
+              <a:rPr lang="nl-NL" dirty="0"/>
+              <a:t> </a:t>
+            </a:r>
+            <a:r>
+              <a:rPr lang="nl-NL" dirty="0" err="1"/>
+              <a:t>counts</a:t>
+            </a:r>
+            <a:r>
+              <a:rPr lang="nl-NL" dirty="0"/>
+              <a:t> </a:t>
+            </a:r>
+            <a:r>
+              <a:rPr lang="nl-NL" dirty="0" err="1"/>
+              <a:t>the</a:t>
+            </a:r>
+            <a:r>
+              <a:rPr lang="nl-NL" dirty="0"/>
+              <a:t> </a:t>
+            </a:r>
+            <a:r>
+              <a:rPr lang="nl-NL" dirty="0" err="1"/>
+              <a:t>triples</a:t>
+            </a:r>
+            <a:r>
+              <a:rPr lang="nl-NL" dirty="0"/>
+              <a:t> in </a:t>
+            </a:r>
+            <a:r>
+              <a:rPr lang="nl-NL" dirty="0" err="1"/>
+              <a:t>an</a:t>
+            </a:r>
+            <a:r>
+              <a:rPr lang="nl-NL" dirty="0"/>
+              <a:t> array of </a:t>
+            </a:r>
+            <a:r>
+              <a:rPr lang="en-GB" dirty="0">
+                <a:latin typeface="Consolas" panose="020B0609020204030204" pitchFamily="49" charset="0"/>
+                <a:cs typeface="Consolas" panose="020B0609020204030204" pitchFamily="49" charset="0"/>
+              </a:rPr>
+              <a:t>N</a:t>
+            </a:r>
+            <a:r>
+              <a:rPr lang="nl-NL" dirty="0"/>
+              <a:t> integers </a:t>
+            </a:r>
+            <a:r>
+              <a:rPr lang="nl-NL" dirty="0" err="1"/>
+              <a:t>that</a:t>
+            </a:r>
+            <a:r>
+              <a:rPr lang="nl-NL" dirty="0"/>
+              <a:t> </a:t>
+            </a:r>
+            <a:r>
+              <a:rPr lang="nl-NL" dirty="0" err="1"/>
+              <a:t>sum</a:t>
+            </a:r>
+            <a:r>
+              <a:rPr lang="nl-NL" dirty="0"/>
+              <a:t> </a:t>
+            </a:r>
+            <a:r>
+              <a:rPr lang="nl-NL" dirty="0" err="1"/>
+              <a:t>to</a:t>
+            </a:r>
+            <a:r>
+              <a:rPr lang="nl-NL" dirty="0"/>
+              <a:t> 0 </a:t>
+            </a:r>
+          </a:p>
+          <a:p>
+            <a:r>
+              <a:rPr lang="nl-NL" dirty="0"/>
+              <a:t>Question</a:t>
+            </a:r>
+          </a:p>
+          <a:p>
+            <a:pPr lvl="1"/>
+            <a:r>
+              <a:rPr lang="nl-NL" dirty="0" err="1"/>
+              <a:t>What</a:t>
+            </a:r>
+            <a:r>
+              <a:rPr lang="nl-NL" dirty="0"/>
+              <a:t> is </a:t>
+            </a:r>
+            <a:r>
+              <a:rPr lang="nl-NL" dirty="0" err="1"/>
+              <a:t>the</a:t>
+            </a:r>
+            <a:r>
+              <a:rPr lang="nl-NL" dirty="0"/>
+              <a:t> </a:t>
+            </a:r>
+            <a:r>
+              <a:rPr lang="nl-NL" dirty="0" err="1"/>
+              <a:t>relationship</a:t>
+            </a:r>
+            <a:r>
+              <a:rPr lang="nl-NL" dirty="0"/>
+              <a:t> </a:t>
+            </a:r>
+            <a:r>
+              <a:rPr lang="nl-NL" dirty="0" err="1"/>
+              <a:t>between</a:t>
+            </a:r>
+            <a:r>
+              <a:rPr lang="nl-NL" dirty="0"/>
+              <a:t> </a:t>
+            </a:r>
+            <a:r>
+              <a:rPr lang="nl-NL" dirty="0" err="1"/>
+              <a:t>the</a:t>
+            </a:r>
+            <a:r>
+              <a:rPr lang="nl-NL" dirty="0"/>
+              <a:t> </a:t>
+            </a:r>
+            <a:r>
+              <a:rPr lang="nl-NL" dirty="0" err="1"/>
+              <a:t>problem</a:t>
+            </a:r>
+            <a:r>
+              <a:rPr lang="nl-NL" dirty="0"/>
+              <a:t> </a:t>
+            </a:r>
+            <a:r>
+              <a:rPr lang="nl-NL" dirty="0" err="1"/>
+              <a:t>size</a:t>
+            </a:r>
+            <a:r>
+              <a:rPr lang="nl-NL" dirty="0"/>
+              <a:t> </a:t>
+            </a:r>
+            <a:r>
+              <a:rPr lang="en-GB" dirty="0">
+                <a:latin typeface="Consolas" panose="020B0609020204030204" pitchFamily="49" charset="0"/>
+                <a:cs typeface="Consolas" panose="020B0609020204030204" pitchFamily="49" charset="0"/>
+              </a:rPr>
+              <a:t>N</a:t>
+            </a:r>
+            <a:r>
+              <a:rPr lang="nl-NL" dirty="0"/>
+              <a:t> </a:t>
+            </a:r>
+            <a:r>
+              <a:rPr lang="nl-NL" dirty="0" err="1"/>
+              <a:t>and</a:t>
+            </a:r>
+            <a:r>
+              <a:rPr lang="nl-NL" dirty="0"/>
+              <a:t> </a:t>
+            </a:r>
+            <a:r>
+              <a:rPr lang="nl-NL" dirty="0" err="1"/>
+              <a:t>the</a:t>
+            </a:r>
+            <a:r>
+              <a:rPr lang="nl-NL" dirty="0"/>
+              <a:t> running time of </a:t>
+            </a:r>
+            <a:r>
+              <a:rPr lang="nl-NL" dirty="0" err="1"/>
+              <a:t>ThreeSum</a:t>
+            </a:r>
+            <a:r>
+              <a:rPr lang="nl-NL" dirty="0"/>
+              <a:t>?</a:t>
+            </a:r>
+          </a:p>
+          <a:p>
+            <a:r>
+              <a:rPr lang="nl-NL" dirty="0" err="1"/>
+              <a:t>Emiprical</a:t>
+            </a:r>
+            <a:r>
+              <a:rPr lang="nl-NL" dirty="0"/>
+              <a:t> </a:t>
+            </a:r>
+            <a:r>
+              <a:rPr lang="nl-NL" dirty="0" err="1"/>
+              <a:t>observations</a:t>
+            </a:r>
+            <a:endParaRPr lang="nl-NL" dirty="0"/>
+          </a:p>
+          <a:p>
+            <a:pPr lvl="1"/>
+            <a:r>
+              <a:rPr lang="en-GB" dirty="0">
+                <a:latin typeface="Consolas" panose="020B0609020204030204" pitchFamily="49" charset="0"/>
+                <a:cs typeface="Consolas" panose="020B0609020204030204" pitchFamily="49" charset="0"/>
+              </a:rPr>
+              <a:t>N</a:t>
+            </a:r>
+            <a:r>
+              <a:rPr lang="nl-NL" dirty="0"/>
+              <a:t> = 1000 </a:t>
+            </a:r>
+            <a:r>
+              <a:rPr lang="nl-NL" dirty="0">
+                <a:sym typeface="Wingdings" panose="05000000000000000000" pitchFamily="2" charset="2"/>
+              </a:rPr>
+              <a:t> 0.1 </a:t>
+            </a:r>
+            <a:r>
+              <a:rPr lang="nl-NL" dirty="0" err="1">
+                <a:sym typeface="Wingdings" panose="05000000000000000000" pitchFamily="2" charset="2"/>
+              </a:rPr>
+              <a:t>seconds</a:t>
+            </a:r>
+            <a:endParaRPr lang="nl-NL" dirty="0"/>
+          </a:p>
+          <a:p>
+            <a:pPr lvl="1"/>
+            <a:r>
+              <a:rPr lang="en-GB" dirty="0">
+                <a:latin typeface="Consolas" panose="020B0609020204030204" pitchFamily="49" charset="0"/>
+                <a:cs typeface="Consolas" panose="020B0609020204030204" pitchFamily="49" charset="0"/>
+              </a:rPr>
+              <a:t>N</a:t>
+            </a:r>
+            <a:r>
+              <a:rPr lang="nl-NL" dirty="0"/>
+              <a:t> = 2000 </a:t>
+            </a:r>
+            <a:r>
+              <a:rPr lang="nl-NL" dirty="0">
+                <a:sym typeface="Wingdings" panose="05000000000000000000" pitchFamily="2" charset="2"/>
+              </a:rPr>
+              <a:t> 0.8 </a:t>
+            </a:r>
+            <a:r>
+              <a:rPr lang="nl-NL" dirty="0" err="1">
+                <a:sym typeface="Wingdings" panose="05000000000000000000" pitchFamily="2" charset="2"/>
+              </a:rPr>
+              <a:t>seconds</a:t>
+            </a:r>
+            <a:endParaRPr lang="nl-NL" dirty="0">
+              <a:sym typeface="Wingdings" panose="05000000000000000000" pitchFamily="2" charset="2"/>
+            </a:endParaRPr>
+          </a:p>
+          <a:p>
+            <a:pPr lvl="1"/>
+            <a:r>
+              <a:rPr lang="en-GB" dirty="0">
+                <a:latin typeface="Consolas" panose="020B0609020204030204" pitchFamily="49" charset="0"/>
+                <a:cs typeface="Consolas" panose="020B0609020204030204" pitchFamily="49" charset="0"/>
+              </a:rPr>
+              <a:t>N</a:t>
+            </a:r>
+            <a:r>
+              <a:rPr lang="nl-NL" dirty="0">
+                <a:sym typeface="Wingdings" panose="05000000000000000000" pitchFamily="2" charset="2"/>
+              </a:rPr>
+              <a:t> = 4000  6.4 </a:t>
+            </a:r>
+            <a:r>
+              <a:rPr lang="nl-NL" dirty="0" err="1">
+                <a:sym typeface="Wingdings" panose="05000000000000000000" pitchFamily="2" charset="2"/>
+              </a:rPr>
+              <a:t>seconds</a:t>
+            </a:r>
+            <a:endParaRPr lang="nl-NL" dirty="0">
+              <a:sym typeface="Wingdings" panose="05000000000000000000" pitchFamily="2" charset="2"/>
+            </a:endParaRPr>
+          </a:p>
+          <a:p>
+            <a:pPr lvl="1"/>
+            <a:r>
+              <a:rPr lang="en-GB" dirty="0">
+                <a:latin typeface="Consolas" panose="020B0609020204030204" pitchFamily="49" charset="0"/>
+                <a:cs typeface="Consolas" panose="020B0609020204030204" pitchFamily="49" charset="0"/>
+              </a:rPr>
+              <a:t>N</a:t>
+            </a:r>
+            <a:r>
+              <a:rPr lang="nl-NL" dirty="0">
+                <a:sym typeface="Wingdings" panose="05000000000000000000" pitchFamily="2" charset="2"/>
+              </a:rPr>
+              <a:t> = 8000  51.1 </a:t>
+            </a:r>
+            <a:r>
+              <a:rPr lang="nl-NL" dirty="0" err="1">
+                <a:sym typeface="Wingdings" panose="05000000000000000000" pitchFamily="2" charset="2"/>
+              </a:rPr>
+              <a:t>seconds</a:t>
+            </a:r>
+            <a:endParaRPr lang="nl-NL" dirty="0">
+              <a:sym typeface="Wingdings" panose="05000000000000000000" pitchFamily="2" charset="2"/>
+            </a:endParaRPr>
+          </a:p>
+          <a:p>
+            <a:pPr lvl="1"/>
+            <a:r>
+              <a:rPr lang="nl-NL" dirty="0">
+                <a:sym typeface="Wingdings" panose="05000000000000000000" pitchFamily="2" charset="2"/>
+              </a:rPr>
+              <a:t>…</a:t>
+            </a:r>
+            <a:endParaRPr lang="nl-NL" dirty="0"/>
+          </a:p>
+        </p:txBody>
+      </p:sp>
+      <p:sp>
+        <p:nvSpPr>
+          <p:cNvPr id="4" name="Tijdelijke aanduiding voor voettekst 3"/>
+          <p:cNvSpPr>
+            <a:spLocks noGrp="1"/>
+          </p:cNvSpPr>
+          <p:nvPr>
+            <p:ph type="ftr" sz="quarter" idx="11"/>
+          </p:nvPr>
+        </p:nvSpPr>
+        <p:spPr/>
+        <p:txBody>
+          <a:bodyPr/>
+          <a:lstStyle/>
+          <a:p>
+            <a:r>
+              <a:rPr lang="it-IT"/>
+              <a:t>INFDEV036A - G. Costantini, F. Di Giacomo</a:t>
+            </a:r>
+            <a:endParaRPr lang="en-GB"/>
+          </a:p>
+        </p:txBody>
+      </p:sp>
+    </p:spTree>
+    <p:extLst>
+      <p:ext uri="{BB962C8B-B14F-4D97-AF65-F5344CB8AC3E}">
+        <p14:creationId xmlns:p14="http://schemas.microsoft.com/office/powerpoint/2010/main" val="2683656499"/>
+      </p:ext>
+    </p:extLst>
+  </p:cSld>
+  <p:clrMapOvr>
+    <a:masterClrMapping/>
+  </p:clrMapOvr>
+  <p:timing>
+    <p:tnLst>
+      <p:par>
+        <p:cTn id="1" dur="indefinite" restart="never" nodeType="tmRoot">
+          <p:childTnLst>
+            <p:seq concurrent="1" nextAc="seek">
+              <p:cTn id="2" dur="indefinite" nodeType="mainSeq">
+                <p:childTnLst>
+                  <p:par>
+                    <p:cTn id="3" fill="hold">
+                      <p:stCondLst>
+                        <p:cond delay="indefinite"/>
+                      </p:stCondLst>
+                      <p:childTnLst>
+                        <p:par>
+                          <p:cTn id="4" fill="hold">
+                            <p:stCondLst>
+                              <p:cond delay="0"/>
+                            </p:stCondLst>
+                            <p:childTnLst>
+                              <p:par>
+                                <p:cTn id="5" presetID="1" presetClass="entr" presetSubtype="0" fill="hold" nodeType="clickEffect">
+                                  <p:stCondLst>
+                                    <p:cond delay="0"/>
+                                  </p:stCondLst>
+                                  <p:childTnLst>
+                                    <p:set>
+                                      <p:cBhvr>
+                                        <p:cTn id="6" dur="1" fill="hold">
+                                          <p:stCondLst>
+                                            <p:cond delay="0"/>
+                                          </p:stCondLst>
+                                        </p:cTn>
+                                        <p:tgtEl>
+                                          <p:spTgt spid="3">
+                                            <p:txEl>
+                                              <p:pRg st="6" end="6"/>
+                                            </p:txEl>
+                                          </p:spTgt>
+                                        </p:tgtEl>
+                                        <p:attrNameLst>
+                                          <p:attrName>style.visibility</p:attrName>
+                                        </p:attrNameLst>
+                                      </p:cBhvr>
+                                      <p:to>
+                                        <p:strVal val="visible"/>
+                                      </p:to>
+                                    </p:set>
+                                  </p:childTnLst>
+                                </p:cTn>
+                              </p:par>
+                            </p:childTnLst>
+                          </p:cTn>
+                        </p:par>
+                      </p:childTnLst>
+                    </p:cTn>
+                  </p:par>
+                  <p:par>
+                    <p:cTn id="7" fill="hold">
+                      <p:stCondLst>
+                        <p:cond delay="indefinite"/>
+                      </p:stCondLst>
+                      <p:childTnLst>
+                        <p:par>
+                          <p:cTn id="8" fill="hold">
+                            <p:stCondLst>
+                              <p:cond delay="0"/>
+                            </p:stCondLst>
+                            <p:childTnLst>
+                              <p:par>
+                                <p:cTn id="9" presetID="1" presetClass="entr" presetSubtype="0" fill="hold" nodeType="clickEffect">
+                                  <p:stCondLst>
+                                    <p:cond delay="0"/>
+                                  </p:stCondLst>
+                                  <p:childTnLst>
+                                    <p:set>
+                                      <p:cBhvr>
+                                        <p:cTn id="10" dur="1" fill="hold">
+                                          <p:stCondLst>
+                                            <p:cond delay="0"/>
+                                          </p:stCondLst>
+                                        </p:cTn>
+                                        <p:tgtEl>
+                                          <p:spTgt spid="3">
+                                            <p:txEl>
+                                              <p:pRg st="7" end="7"/>
+                                            </p:txEl>
+                                          </p:spTgt>
+                                        </p:tgtEl>
+                                        <p:attrNameLst>
+                                          <p:attrName>style.visibility</p:attrName>
+                                        </p:attrNameLst>
+                                      </p:cBhvr>
+                                      <p:to>
+                                        <p:strVal val="visible"/>
+                                      </p:to>
+                                    </p:set>
+                                  </p:childTnLst>
+                                </p:cTn>
+                              </p:par>
+                            </p:childTnLst>
+                          </p:cTn>
+                        </p:par>
+                      </p:childTnLst>
+                    </p:cTn>
+                  </p:par>
+                  <p:par>
+                    <p:cTn id="11" fill="hold">
+                      <p:stCondLst>
+                        <p:cond delay="indefinite"/>
+                      </p:stCondLst>
+                      <p:childTnLst>
+                        <p:par>
+                          <p:cTn id="12" fill="hold">
+                            <p:stCondLst>
+                              <p:cond delay="0"/>
+                            </p:stCondLst>
+                            <p:childTnLst>
+                              <p:par>
+                                <p:cTn id="13" presetID="1" presetClass="entr" presetSubtype="0" fill="hold" nodeType="clickEffect">
+                                  <p:stCondLst>
+                                    <p:cond delay="0"/>
+                                  </p:stCondLst>
+                                  <p:childTnLst>
+                                    <p:set>
+                                      <p:cBhvr>
+                                        <p:cTn id="14" dur="1" fill="hold">
+                                          <p:stCondLst>
+                                            <p:cond delay="0"/>
+                                          </p:stCondLst>
+                                        </p:cTn>
+                                        <p:tgtEl>
+                                          <p:spTgt spid="3">
+                                            <p:txEl>
+                                              <p:pRg st="8" end="8"/>
+                                            </p:txEl>
+                                          </p:spTgt>
+                                        </p:tgtEl>
+                                        <p:attrNameLst>
+                                          <p:attrName>style.visibility</p:attrName>
+                                        </p:attrNameLst>
+                                      </p:cBhvr>
+                                      <p:to>
+                                        <p:strVal val="visible"/>
+                                      </p:to>
+                                    </p:set>
+                                  </p:childTnLst>
+                                </p:cTn>
+                              </p:par>
+                            </p:childTnLst>
+                          </p:cTn>
+                        </p:par>
+                      </p:childTnLst>
+                    </p:cTn>
+                  </p:par>
+                </p:childTnLst>
+              </p:cTn>
+              <p:prevCondLst>
+                <p:cond evt="onPrev" delay="0">
+                  <p:tgtEl>
+                    <p:sldTgt/>
+                  </p:tgtEl>
+                </p:cond>
+              </p:prevCondLst>
+              <p:nextCondLst>
+                <p:cond evt="onNext" delay="0">
+                  <p:tgtEl>
+                    <p:sldTgt/>
+                  </p:tgtEl>
+                </p:cond>
+              </p:nextCondLst>
+            </p:seq>
+          </p:childTnLst>
+        </p:cTn>
+      </p:par>
+    </p:tnLst>
+  </p:timing>
+</p:sld>
+</file>
+
+<file path=ppt/slides/slide31.xml><?xml version="1.0" encoding="utf-8"?>
 <p:sld xmlns:a="http://schemas.openxmlformats.org/drawingml/2006/main" xmlns:r="http://schemas.openxmlformats.org/officeDocument/2006/relationships" xmlns:p="http://schemas.openxmlformats.org/presentationml/2006/main">
   <p:cSld>
     <p:spTree>
@@ -15771,7 +16893,7 @@
 </p:sld>
 </file>
 
-<file path=ppt/slides/slide31.xml><?xml version="1.0" encoding="utf-8"?>
+<file path=ppt/slides/slide32.xml><?xml version="1.0" encoding="utf-8"?>
 <p:sld xmlns:a="http://schemas.openxmlformats.org/drawingml/2006/main" xmlns:r="http://schemas.openxmlformats.org/officeDocument/2006/relationships" xmlns:p="http://schemas.openxmlformats.org/presentationml/2006/main">
   <p:cSld>
     <p:spTree>
@@ -16054,7 +17176,7 @@
 </p:sld>
 </file>
 
-<file path=ppt/slides/slide32.xml><?xml version="1.0" encoding="utf-8"?>
+<file path=ppt/slides/slide33.xml><?xml version="1.0" encoding="utf-8"?>
 <p:sld xmlns:a="http://schemas.openxmlformats.org/drawingml/2006/main" xmlns:r="http://schemas.openxmlformats.org/officeDocument/2006/relationships" xmlns:p="http://schemas.openxmlformats.org/presentationml/2006/main">
   <p:cSld>
     <p:spTree>
@@ -16119,170 +17241,6 @@
     <p:extLst>
       <p:ext uri="{BB962C8B-B14F-4D97-AF65-F5344CB8AC3E}">
         <p14:creationId xmlns:p14="http://schemas.microsoft.com/office/powerpoint/2010/main" val="335215212"/>
-      </p:ext>
-    </p:extLst>
-  </p:cSld>
-  <p:clrMapOvr>
-    <a:masterClrMapping/>
-  </p:clrMapOvr>
-</p:sld>
-</file>
-
-<file path=ppt/slides/slide33.xml><?xml version="1.0" encoding="utf-8"?>
-<p:sld xmlns:a="http://schemas.openxmlformats.org/drawingml/2006/main" xmlns:r="http://schemas.openxmlformats.org/officeDocument/2006/relationships" xmlns:p="http://schemas.openxmlformats.org/presentationml/2006/main">
-  <p:cSld>
-    <p:spTree>
-      <p:nvGrpSpPr>
-        <p:cNvPr id="1" name=""/>
-        <p:cNvGrpSpPr/>
-        <p:nvPr/>
-      </p:nvGrpSpPr>
-      <p:grpSpPr>
-        <a:xfrm>
-          <a:off x="0" y="0"/>
-          <a:ext cx="0" cy="0"/>
-          <a:chOff x="0" y="0"/>
-          <a:chExt cx="0" cy="0"/>
-        </a:xfrm>
-      </p:grpSpPr>
-      <p:sp>
-        <p:nvSpPr>
-          <p:cNvPr id="2" name="Title 1"/>
-          <p:cNvSpPr>
-            <a:spLocks noGrp="1"/>
-          </p:cNvSpPr>
-          <p:nvPr>
-            <p:ph type="title"/>
-          </p:nvPr>
-        </p:nvSpPr>
-        <p:spPr/>
-        <p:txBody>
-          <a:bodyPr/>
-          <a:lstStyle/>
-          <a:p>
-            <a:r>
-              <a:rPr lang="en-GB" dirty="0"/>
-              <a:t>Big O notation </a:t>
-            </a:r>
-          </a:p>
-        </p:txBody>
-      </p:sp>
-      <p:sp>
-        <p:nvSpPr>
-          <p:cNvPr id="3" name="Content Placeholder 2"/>
-          <p:cNvSpPr>
-            <a:spLocks noGrp="1"/>
-          </p:cNvSpPr>
-          <p:nvPr>
-            <p:ph idx="1"/>
-          </p:nvPr>
-        </p:nvSpPr>
-        <p:spPr>
-          <a:xfrm>
-            <a:off x="677333" y="2160589"/>
-            <a:ext cx="9285533" cy="3880773"/>
-          </a:xfrm>
-        </p:spPr>
-        <p:txBody>
-          <a:bodyPr>
-            <a:normAutofit/>
-          </a:bodyPr>
-          <a:lstStyle/>
-          <a:p>
-            <a:r>
-              <a:rPr lang="en-US" dirty="0"/>
-              <a:t>A relative representation of the complexity of an algorithm</a:t>
-            </a:r>
-          </a:p>
-          <a:p>
-            <a:r>
-              <a:rPr lang="en-US" dirty="0"/>
-              <a:t>Scaling nature of an algorithm</a:t>
-            </a:r>
-          </a:p>
-          <a:p>
-            <a:pPr lvl="1"/>
-            <a:r>
-              <a:rPr lang="en-US" dirty="0"/>
-              <a:t>how the resource use (mostly time) of an algorithm scales in response to the input size</a:t>
-            </a:r>
-          </a:p>
-          <a:p>
-            <a:pPr lvl="1"/>
-            <a:r>
-              <a:rPr lang="en-US" dirty="0"/>
-              <a:t>worse case analysis: </a:t>
-            </a:r>
-            <a:r>
-              <a:rPr lang="en-US" b="1" dirty="0"/>
-              <a:t>upper-bound </a:t>
-            </a:r>
-            <a:r>
-              <a:rPr lang="en-US" dirty="0"/>
-              <a:t>of the resource use as </a:t>
-            </a:r>
-            <a:r>
-              <a:rPr lang="en-GB" dirty="0">
-                <a:latin typeface="Consolas" panose="020B0609020204030204" pitchFamily="49" charset="0"/>
-                <a:cs typeface="Consolas" panose="020B0609020204030204" pitchFamily="49" charset="0"/>
-              </a:rPr>
-              <a:t>N</a:t>
-            </a:r>
-            <a:r>
-              <a:rPr lang="en-US" dirty="0"/>
-              <a:t> gets larger and larger (the algorithm will never take more space/time above that limit)</a:t>
-            </a:r>
-          </a:p>
-          <a:p>
-            <a:r>
-              <a:rPr lang="en-US" dirty="0"/>
-              <a:t>Why do we need it? </a:t>
-            </a:r>
-          </a:p>
-          <a:p>
-            <a:pPr lvl="1"/>
-            <a:r>
-              <a:rPr lang="en-US" dirty="0"/>
-              <a:t>To compare the </a:t>
-            </a:r>
-            <a:r>
-              <a:rPr lang="en-US" u="sng" dirty="0"/>
-              <a:t>worse case performance</a:t>
-            </a:r>
-            <a:r>
-              <a:rPr lang="en-US" dirty="0"/>
-              <a:t> of our algorithms in a standardized way</a:t>
-            </a:r>
-          </a:p>
-        </p:txBody>
-      </p:sp>
-      <p:sp>
-        <p:nvSpPr>
-          <p:cNvPr id="4" name="Footer Placeholder 3"/>
-          <p:cNvSpPr>
-            <a:spLocks noGrp="1"/>
-          </p:cNvSpPr>
-          <p:nvPr>
-            <p:ph type="ftr" sz="quarter" idx="11"/>
-          </p:nvPr>
-        </p:nvSpPr>
-        <p:spPr/>
-        <p:txBody>
-          <a:bodyPr/>
-          <a:lstStyle/>
-          <a:p>
-            <a:r>
-              <a:rPr lang="it-IT"/>
-              <a:t>INFDEV036A - G. Costantini, F. Di Giacomo</a:t>
-            </a:r>
-            <a:endParaRPr lang="en-GB"/>
-          </a:p>
-        </p:txBody>
-      </p:sp>
-    </p:spTree>
-    <p:extLst>
-      <p:ext uri="{BB962C8B-B14F-4D97-AF65-F5344CB8AC3E}">
-        <p14:creationId xmlns:p14="http://schemas.microsoft.com/office/powerpoint/2010/main" val="1265855969"/>
       </p:ext>
     </p:extLst>
   </p:cSld>
@@ -16343,6 +17301,170 @@
         </p:nvSpPr>
         <p:spPr>
           <a:xfrm>
+            <a:off x="677333" y="2160589"/>
+            <a:ext cx="9285533" cy="3880773"/>
+          </a:xfrm>
+        </p:spPr>
+        <p:txBody>
+          <a:bodyPr>
+            <a:normAutofit/>
+          </a:bodyPr>
+          <a:lstStyle/>
+          <a:p>
+            <a:r>
+              <a:rPr lang="en-US" dirty="0"/>
+              <a:t>A relative representation of the complexity of an algorithm</a:t>
+            </a:r>
+          </a:p>
+          <a:p>
+            <a:r>
+              <a:rPr lang="en-US" dirty="0"/>
+              <a:t>Scaling nature of an algorithm</a:t>
+            </a:r>
+          </a:p>
+          <a:p>
+            <a:pPr lvl="1"/>
+            <a:r>
+              <a:rPr lang="en-US" dirty="0"/>
+              <a:t>how the resource use (mostly time) of an algorithm scales in response to the input size</a:t>
+            </a:r>
+          </a:p>
+          <a:p>
+            <a:pPr lvl="1"/>
+            <a:r>
+              <a:rPr lang="en-US" dirty="0"/>
+              <a:t>worse case analysis: </a:t>
+            </a:r>
+            <a:r>
+              <a:rPr lang="en-US" b="1" dirty="0"/>
+              <a:t>upper-bound </a:t>
+            </a:r>
+            <a:r>
+              <a:rPr lang="en-US" dirty="0"/>
+              <a:t>of the resource use as </a:t>
+            </a:r>
+            <a:r>
+              <a:rPr lang="en-GB" dirty="0">
+                <a:latin typeface="Consolas" panose="020B0609020204030204" pitchFamily="49" charset="0"/>
+                <a:cs typeface="Consolas" panose="020B0609020204030204" pitchFamily="49" charset="0"/>
+              </a:rPr>
+              <a:t>N</a:t>
+            </a:r>
+            <a:r>
+              <a:rPr lang="en-US" dirty="0"/>
+              <a:t> gets larger and larger (the algorithm will never take more space/time above that limit)</a:t>
+            </a:r>
+          </a:p>
+          <a:p>
+            <a:r>
+              <a:rPr lang="en-US" dirty="0"/>
+              <a:t>Why do we need it? </a:t>
+            </a:r>
+          </a:p>
+          <a:p>
+            <a:pPr lvl="1"/>
+            <a:r>
+              <a:rPr lang="en-US" dirty="0"/>
+              <a:t>To compare the </a:t>
+            </a:r>
+            <a:r>
+              <a:rPr lang="en-US" u="sng" dirty="0"/>
+              <a:t>worse case performance</a:t>
+            </a:r>
+            <a:r>
+              <a:rPr lang="en-US" dirty="0"/>
+              <a:t> of our algorithms in a standardized way</a:t>
+            </a:r>
+          </a:p>
+        </p:txBody>
+      </p:sp>
+      <p:sp>
+        <p:nvSpPr>
+          <p:cNvPr id="4" name="Footer Placeholder 3"/>
+          <p:cNvSpPr>
+            <a:spLocks noGrp="1"/>
+          </p:cNvSpPr>
+          <p:nvPr>
+            <p:ph type="ftr" sz="quarter" idx="11"/>
+          </p:nvPr>
+        </p:nvSpPr>
+        <p:spPr/>
+        <p:txBody>
+          <a:bodyPr/>
+          <a:lstStyle/>
+          <a:p>
+            <a:r>
+              <a:rPr lang="it-IT"/>
+              <a:t>INFDEV036A - G. Costantini, F. Di Giacomo</a:t>
+            </a:r>
+            <a:endParaRPr lang="en-GB"/>
+          </a:p>
+        </p:txBody>
+      </p:sp>
+    </p:spTree>
+    <p:extLst>
+      <p:ext uri="{BB962C8B-B14F-4D97-AF65-F5344CB8AC3E}">
+        <p14:creationId xmlns:p14="http://schemas.microsoft.com/office/powerpoint/2010/main" val="1265855969"/>
+      </p:ext>
+    </p:extLst>
+  </p:cSld>
+  <p:clrMapOvr>
+    <a:masterClrMapping/>
+  </p:clrMapOvr>
+</p:sld>
+</file>
+
+<file path=ppt/slides/slide35.xml><?xml version="1.0" encoding="utf-8"?>
+<p:sld xmlns:a="http://schemas.openxmlformats.org/drawingml/2006/main" xmlns:r="http://schemas.openxmlformats.org/officeDocument/2006/relationships" xmlns:p="http://schemas.openxmlformats.org/presentationml/2006/main">
+  <p:cSld>
+    <p:spTree>
+      <p:nvGrpSpPr>
+        <p:cNvPr id="1" name=""/>
+        <p:cNvGrpSpPr/>
+        <p:nvPr/>
+      </p:nvGrpSpPr>
+      <p:grpSpPr>
+        <a:xfrm>
+          <a:off x="0" y="0"/>
+          <a:ext cx="0" cy="0"/>
+          <a:chOff x="0" y="0"/>
+          <a:chExt cx="0" cy="0"/>
+        </a:xfrm>
+      </p:grpSpPr>
+      <p:sp>
+        <p:nvSpPr>
+          <p:cNvPr id="2" name="Title 1"/>
+          <p:cNvSpPr>
+            <a:spLocks noGrp="1"/>
+          </p:cNvSpPr>
+          <p:nvPr>
+            <p:ph type="title"/>
+          </p:nvPr>
+        </p:nvSpPr>
+        <p:spPr/>
+        <p:txBody>
+          <a:bodyPr/>
+          <a:lstStyle/>
+          <a:p>
+            <a:r>
+              <a:rPr lang="en-GB" dirty="0"/>
+              <a:t>Big O notation </a:t>
+            </a:r>
+          </a:p>
+        </p:txBody>
+      </p:sp>
+      <p:sp>
+        <p:nvSpPr>
+          <p:cNvPr id="3" name="Content Placeholder 2"/>
+          <p:cNvSpPr>
+            <a:spLocks noGrp="1"/>
+          </p:cNvSpPr>
+          <p:nvPr>
+            <p:ph idx="1"/>
+          </p:nvPr>
+        </p:nvSpPr>
+        <p:spPr>
+          <a:xfrm>
             <a:off x="677334" y="2160589"/>
             <a:ext cx="8596668" cy="4245898"/>
           </a:xfrm>
@@ -16417,7 +17539,7 @@
 </p:sld>
 </file>
 
-<file path=ppt/slides/slide35.xml><?xml version="1.0" encoding="utf-8"?>
+<file path=ppt/slides/slide36.xml><?xml version="1.0" encoding="utf-8"?>
 <p:sld xmlns:a="http://schemas.openxmlformats.org/drawingml/2006/main" xmlns:r="http://schemas.openxmlformats.org/officeDocument/2006/relationships" xmlns:p="http://schemas.openxmlformats.org/presentationml/2006/main">
   <p:cSld>
     <p:spTree>
@@ -17075,30 +18197,6 @@
           </a:p>
         </p:txBody>
       </p:sp>
-      <p:pic>
-        <p:nvPicPr>
-          <p:cNvPr id="6" name="Picture 5"/>
-          <p:cNvPicPr>
-            <a:picLocks noChangeAspect="1"/>
-          </p:cNvPicPr>
-          <p:nvPr/>
-        </p:nvPicPr>
-        <p:blipFill>
-          <a:blip r:embed="rId2"/>
-          <a:stretch>
-            <a:fillRect/>
-          </a:stretch>
-        </p:blipFill>
-        <p:spPr>
-          <a:xfrm>
-            <a:off x="4149859" y="379411"/>
-            <a:ext cx="1430073" cy="1337612"/>
-          </a:xfrm>
-          <a:prstGeom prst="rect">
-            <a:avLst/>
-          </a:prstGeom>
-        </p:spPr>
-      </p:pic>
     </p:spTree>
     <p:extLst>
       <p:ext uri="{BB962C8B-B14F-4D97-AF65-F5344CB8AC3E}">
@@ -17112,7 +18210,7 @@
 </p:sld>
 </file>
 
-<file path=ppt/slides/slide36.xml><?xml version="1.0" encoding="utf-8"?>
+<file path=ppt/slides/slide37.xml><?xml version="1.0" encoding="utf-8"?>
 <p:sld xmlns:a="http://schemas.openxmlformats.org/drawingml/2006/main" xmlns:r="http://schemas.openxmlformats.org/officeDocument/2006/relationships" xmlns:p="http://schemas.openxmlformats.org/presentationml/2006/main">
   <p:cSld>
     <p:spTree>
@@ -17592,7 +18690,7 @@
 </p:sld>
 </file>
 
-<file path=ppt/slides/slide37.xml><?xml version="1.0" encoding="utf-8"?>
+<file path=ppt/slides/slide38.xml><?xml version="1.0" encoding="utf-8"?>
 <p:sld xmlns:a="http://schemas.openxmlformats.org/drawingml/2006/main" xmlns:r="http://schemas.openxmlformats.org/officeDocument/2006/relationships" xmlns:p="http://schemas.openxmlformats.org/presentationml/2006/main">
   <p:cSld>
     <p:spTree>
@@ -18142,7 +19240,7 @@
 </p:sld>
 </file>
 
-<file path=ppt/slides/slide38.xml><?xml version="1.0" encoding="utf-8"?>
+<file path=ppt/slides/slide39.xml><?xml version="1.0" encoding="utf-8"?>
 <p:sld xmlns:a="http://schemas.openxmlformats.org/drawingml/2006/main" xmlns:r="http://schemas.openxmlformats.org/officeDocument/2006/relationships" xmlns:p="http://schemas.openxmlformats.org/presentationml/2006/main">
   <p:cSld>
     <p:spTree>
@@ -19250,10 +20348,965 @@
   <p:clrMapOvr>
     <a:masterClrMapping/>
   </p:clrMapOvr>
+  <p:timing>
+    <p:tnLst>
+      <p:par>
+        <p:cTn id="1" dur="indefinite" restart="never" nodeType="tmRoot">
+          <p:childTnLst>
+            <p:seq concurrent="1" nextAc="seek">
+              <p:cTn id="2" dur="indefinite" nodeType="mainSeq">
+                <p:childTnLst>
+                  <p:par>
+                    <p:cTn id="3" fill="hold">
+                      <p:stCondLst>
+                        <p:cond delay="indefinite"/>
+                      </p:stCondLst>
+                      <p:childTnLst>
+                        <p:par>
+                          <p:cTn id="4" fill="hold">
+                            <p:stCondLst>
+                              <p:cond delay="0"/>
+                            </p:stCondLst>
+                            <p:childTnLst>
+                              <p:par>
+                                <p:cTn id="5" presetID="1" presetClass="entr" presetSubtype="0" fill="hold" nodeType="clickEffect">
+                                  <p:stCondLst>
+                                    <p:cond delay="0"/>
+                                  </p:stCondLst>
+                                  <p:childTnLst>
+                                    <p:set>
+                                      <p:cBhvr>
+                                        <p:cTn id="6" dur="1" fill="hold">
+                                          <p:stCondLst>
+                                            <p:cond delay="0"/>
+                                          </p:stCondLst>
+                                        </p:cTn>
+                                        <p:tgtEl>
+                                          <p:spTgt spid="3">
+                                            <p:txEl>
+                                              <p:pRg st="2" end="2"/>
+                                            </p:txEl>
+                                          </p:spTgt>
+                                        </p:tgtEl>
+                                        <p:attrNameLst>
+                                          <p:attrName>style.visibility</p:attrName>
+                                        </p:attrNameLst>
+                                      </p:cBhvr>
+                                      <p:to>
+                                        <p:strVal val="visible"/>
+                                      </p:to>
+                                    </p:set>
+                                  </p:childTnLst>
+                                </p:cTn>
+                              </p:par>
+                            </p:childTnLst>
+                          </p:cTn>
+                        </p:par>
+                      </p:childTnLst>
+                    </p:cTn>
+                  </p:par>
+                  <p:par>
+                    <p:cTn id="7" fill="hold">
+                      <p:stCondLst>
+                        <p:cond delay="indefinite"/>
+                      </p:stCondLst>
+                      <p:childTnLst>
+                        <p:par>
+                          <p:cTn id="8" fill="hold">
+                            <p:stCondLst>
+                              <p:cond delay="0"/>
+                            </p:stCondLst>
+                            <p:childTnLst>
+                              <p:par>
+                                <p:cTn id="9" presetID="1" presetClass="entr" presetSubtype="0" fill="hold" nodeType="clickEffect">
+                                  <p:stCondLst>
+                                    <p:cond delay="0"/>
+                                  </p:stCondLst>
+                                  <p:childTnLst>
+                                    <p:set>
+                                      <p:cBhvr>
+                                        <p:cTn id="10" dur="1" fill="hold">
+                                          <p:stCondLst>
+                                            <p:cond delay="0"/>
+                                          </p:stCondLst>
+                                        </p:cTn>
+                                        <p:tgtEl>
+                                          <p:spTgt spid="3">
+                                            <p:txEl>
+                                              <p:pRg st="4" end="4"/>
+                                            </p:txEl>
+                                          </p:spTgt>
+                                        </p:tgtEl>
+                                        <p:attrNameLst>
+                                          <p:attrName>style.visibility</p:attrName>
+                                        </p:attrNameLst>
+                                      </p:cBhvr>
+                                      <p:to>
+                                        <p:strVal val="visible"/>
+                                      </p:to>
+                                    </p:set>
+                                  </p:childTnLst>
+                                </p:cTn>
+                              </p:par>
+                              <p:par>
+                                <p:cTn id="11" presetID="1" presetClass="entr" presetSubtype="0" fill="hold" nodeType="withEffect">
+                                  <p:stCondLst>
+                                    <p:cond delay="0"/>
+                                  </p:stCondLst>
+                                  <p:childTnLst>
+                                    <p:set>
+                                      <p:cBhvr>
+                                        <p:cTn id="12" dur="1" fill="hold">
+                                          <p:stCondLst>
+                                            <p:cond delay="0"/>
+                                          </p:stCondLst>
+                                        </p:cTn>
+                                        <p:tgtEl>
+                                          <p:spTgt spid="3">
+                                            <p:txEl>
+                                              <p:pRg st="5" end="5"/>
+                                            </p:txEl>
+                                          </p:spTgt>
+                                        </p:tgtEl>
+                                        <p:attrNameLst>
+                                          <p:attrName>style.visibility</p:attrName>
+                                        </p:attrNameLst>
+                                      </p:cBhvr>
+                                      <p:to>
+                                        <p:strVal val="visible"/>
+                                      </p:to>
+                                    </p:set>
+                                  </p:childTnLst>
+                                </p:cTn>
+                              </p:par>
+                            </p:childTnLst>
+                          </p:cTn>
+                        </p:par>
+                      </p:childTnLst>
+                    </p:cTn>
+                  </p:par>
+                  <p:par>
+                    <p:cTn id="13" fill="hold">
+                      <p:stCondLst>
+                        <p:cond delay="indefinite"/>
+                      </p:stCondLst>
+                      <p:childTnLst>
+                        <p:par>
+                          <p:cTn id="14" fill="hold">
+                            <p:stCondLst>
+                              <p:cond delay="0"/>
+                            </p:stCondLst>
+                            <p:childTnLst>
+                              <p:par>
+                                <p:cTn id="15" presetID="1" presetClass="entr" presetSubtype="0" fill="hold" nodeType="clickEffect">
+                                  <p:stCondLst>
+                                    <p:cond delay="0"/>
+                                  </p:stCondLst>
+                                  <p:childTnLst>
+                                    <p:set>
+                                      <p:cBhvr>
+                                        <p:cTn id="16" dur="1" fill="hold">
+                                          <p:stCondLst>
+                                            <p:cond delay="0"/>
+                                          </p:stCondLst>
+                                        </p:cTn>
+                                        <p:tgtEl>
+                                          <p:spTgt spid="3">
+                                            <p:txEl>
+                                              <p:pRg st="7" end="7"/>
+                                            </p:txEl>
+                                          </p:spTgt>
+                                        </p:tgtEl>
+                                        <p:attrNameLst>
+                                          <p:attrName>style.visibility</p:attrName>
+                                        </p:attrNameLst>
+                                      </p:cBhvr>
+                                      <p:to>
+                                        <p:strVal val="visible"/>
+                                      </p:to>
+                                    </p:set>
+                                  </p:childTnLst>
+                                </p:cTn>
+                              </p:par>
+                              <p:par>
+                                <p:cTn id="17" presetID="1" presetClass="entr" presetSubtype="0" fill="hold" nodeType="withEffect">
+                                  <p:stCondLst>
+                                    <p:cond delay="0"/>
+                                  </p:stCondLst>
+                                  <p:childTnLst>
+                                    <p:set>
+                                      <p:cBhvr>
+                                        <p:cTn id="18" dur="1" fill="hold">
+                                          <p:stCondLst>
+                                            <p:cond delay="0"/>
+                                          </p:stCondLst>
+                                        </p:cTn>
+                                        <p:tgtEl>
+                                          <p:spTgt spid="3">
+                                            <p:txEl>
+                                              <p:pRg st="8" end="8"/>
+                                            </p:txEl>
+                                          </p:spTgt>
+                                        </p:tgtEl>
+                                        <p:attrNameLst>
+                                          <p:attrName>style.visibility</p:attrName>
+                                        </p:attrNameLst>
+                                      </p:cBhvr>
+                                      <p:to>
+                                        <p:strVal val="visible"/>
+                                      </p:to>
+                                    </p:set>
+                                  </p:childTnLst>
+                                </p:cTn>
+                              </p:par>
+                            </p:childTnLst>
+                          </p:cTn>
+                        </p:par>
+                      </p:childTnLst>
+                    </p:cTn>
+                  </p:par>
+                  <p:par>
+                    <p:cTn id="19" fill="hold">
+                      <p:stCondLst>
+                        <p:cond delay="indefinite"/>
+                      </p:stCondLst>
+                      <p:childTnLst>
+                        <p:par>
+                          <p:cTn id="20" fill="hold">
+                            <p:stCondLst>
+                              <p:cond delay="0"/>
+                            </p:stCondLst>
+                            <p:childTnLst>
+                              <p:par>
+                                <p:cTn id="21" presetID="1" presetClass="entr" presetSubtype="0" fill="hold" nodeType="clickEffect">
+                                  <p:stCondLst>
+                                    <p:cond delay="0"/>
+                                  </p:stCondLst>
+                                  <p:childTnLst>
+                                    <p:set>
+                                      <p:cBhvr>
+                                        <p:cTn id="22" dur="1" fill="hold">
+                                          <p:stCondLst>
+                                            <p:cond delay="0"/>
+                                          </p:stCondLst>
+                                        </p:cTn>
+                                        <p:tgtEl>
+                                          <p:spTgt spid="3">
+                                            <p:txEl>
+                                              <p:pRg st="10" end="10"/>
+                                            </p:txEl>
+                                          </p:spTgt>
+                                        </p:tgtEl>
+                                        <p:attrNameLst>
+                                          <p:attrName>style.visibility</p:attrName>
+                                        </p:attrNameLst>
+                                      </p:cBhvr>
+                                      <p:to>
+                                        <p:strVal val="visible"/>
+                                      </p:to>
+                                    </p:set>
+                                  </p:childTnLst>
+                                </p:cTn>
+                              </p:par>
+                              <p:par>
+                                <p:cTn id="23" presetID="1" presetClass="entr" presetSubtype="0" fill="hold" nodeType="withEffect">
+                                  <p:stCondLst>
+                                    <p:cond delay="0"/>
+                                  </p:stCondLst>
+                                  <p:childTnLst>
+                                    <p:set>
+                                      <p:cBhvr>
+                                        <p:cTn id="24" dur="1" fill="hold">
+                                          <p:stCondLst>
+                                            <p:cond delay="0"/>
+                                          </p:stCondLst>
+                                        </p:cTn>
+                                        <p:tgtEl>
+                                          <p:spTgt spid="3">
+                                            <p:txEl>
+                                              <p:pRg st="11" end="11"/>
+                                            </p:txEl>
+                                          </p:spTgt>
+                                        </p:tgtEl>
+                                        <p:attrNameLst>
+                                          <p:attrName>style.visibility</p:attrName>
+                                        </p:attrNameLst>
+                                      </p:cBhvr>
+                                      <p:to>
+                                        <p:strVal val="visible"/>
+                                      </p:to>
+                                    </p:set>
+                                  </p:childTnLst>
+                                </p:cTn>
+                              </p:par>
+                            </p:childTnLst>
+                          </p:cTn>
+                        </p:par>
+                      </p:childTnLst>
+                    </p:cTn>
+                  </p:par>
+                </p:childTnLst>
+              </p:cTn>
+              <p:prevCondLst>
+                <p:cond evt="onPrev" delay="0">
+                  <p:tgtEl>
+                    <p:sldTgt/>
+                  </p:tgtEl>
+                </p:cond>
+              </p:prevCondLst>
+              <p:nextCondLst>
+                <p:cond evt="onNext" delay="0">
+                  <p:tgtEl>
+                    <p:sldTgt/>
+                  </p:tgtEl>
+                </p:cond>
+              </p:nextCondLst>
+            </p:seq>
+          </p:childTnLst>
+        </p:cTn>
+      </p:par>
+    </p:tnLst>
+  </p:timing>
 </p:sld>
 </file>
 
-<file path=ppt/slides/slide39.xml><?xml version="1.0" encoding="utf-8"?>
+<file path=ppt/slides/slide4.xml><?xml version="1.0" encoding="utf-8"?>
+<p:sld xmlns:a="http://schemas.openxmlformats.org/drawingml/2006/main" xmlns:r="http://schemas.openxmlformats.org/officeDocument/2006/relationships" xmlns:p="http://schemas.openxmlformats.org/presentationml/2006/main">
+  <p:cSld>
+    <p:spTree>
+      <p:nvGrpSpPr>
+        <p:cNvPr id="1" name=""/>
+        <p:cNvGrpSpPr/>
+        <p:nvPr/>
+      </p:nvGrpSpPr>
+      <p:grpSpPr>
+        <a:xfrm>
+          <a:off x="0" y="0"/>
+          <a:ext cx="0" cy="0"/>
+          <a:chOff x="0" y="0"/>
+          <a:chExt cx="0" cy="0"/>
+        </a:xfrm>
+      </p:grpSpPr>
+      <p:sp>
+        <p:nvSpPr>
+          <p:cNvPr id="2" name="Title 1"/>
+          <p:cNvSpPr>
+            <a:spLocks noGrp="1"/>
+          </p:cNvSpPr>
+          <p:nvPr>
+            <p:ph type="title"/>
+          </p:nvPr>
+        </p:nvSpPr>
+        <p:spPr/>
+        <p:txBody>
+          <a:bodyPr/>
+          <a:lstStyle/>
+          <a:p>
+            <a:r>
+              <a:rPr lang="en-GB" dirty="0"/>
+              <a:t>Literature</a:t>
+            </a:r>
+          </a:p>
+        </p:txBody>
+      </p:sp>
+      <p:sp>
+        <p:nvSpPr>
+          <p:cNvPr id="3" name="Content Placeholder 2"/>
+          <p:cNvSpPr>
+            <a:spLocks noGrp="1"/>
+          </p:cNvSpPr>
+          <p:nvPr>
+            <p:ph idx="1"/>
+          </p:nvPr>
+        </p:nvSpPr>
+        <p:spPr>
+          <a:xfrm>
+            <a:off x="677334" y="1930400"/>
+            <a:ext cx="6297612" cy="4482901"/>
+          </a:xfrm>
+        </p:spPr>
+        <p:txBody>
+          <a:bodyPr>
+            <a:normAutofit/>
+          </a:bodyPr>
+          <a:lstStyle/>
+          <a:p>
+            <a:r>
+              <a:rPr lang="en-GB" dirty="0"/>
+              <a:t>All lesson materials (slides, mainly): on N@tschool</a:t>
+            </a:r>
+          </a:p>
+          <a:p>
+            <a:r>
+              <a:rPr lang="en-US" dirty="0"/>
+              <a:t>MC questions: on </a:t>
+            </a:r>
+            <a:r>
+              <a:rPr lang="en-US" dirty="0" err="1"/>
+              <a:t>GrandeOmega</a:t>
+            </a:r>
+            <a:endParaRPr lang="en-US" dirty="0"/>
+          </a:p>
+          <a:p>
+            <a:r>
+              <a:rPr lang="en-US" sz="1600" b="1" i="1" dirty="0"/>
+              <a:t>Introduction to Algorithms</a:t>
+            </a:r>
+            <a:r>
+              <a:rPr lang="en-US" sz="1600" dirty="0"/>
+              <a:t>, T. H. </a:t>
+            </a:r>
+            <a:r>
+              <a:rPr lang="en-US" sz="1600" dirty="0" err="1"/>
+              <a:t>Cormen</a:t>
+            </a:r>
+            <a:r>
+              <a:rPr lang="en-US" sz="1600" dirty="0"/>
+              <a:t>, C. Stein, R. L. </a:t>
+            </a:r>
+            <a:r>
+              <a:rPr lang="en-US" sz="1600" dirty="0" err="1"/>
+              <a:t>Rivest</a:t>
+            </a:r>
+            <a:r>
+              <a:rPr lang="en-US" sz="1600" dirty="0"/>
+              <a:t>, C. E. </a:t>
+            </a:r>
+            <a:r>
+              <a:rPr lang="en-US" sz="1600" dirty="0" err="1"/>
+              <a:t>Leiserson</a:t>
+            </a:r>
+            <a:r>
+              <a:rPr lang="en-US" sz="1600" dirty="0"/>
+              <a:t>, The MIT Press, ISBN: 978-0-262-53305-8, 3de </a:t>
+            </a:r>
+            <a:r>
+              <a:rPr lang="en-US" sz="1600" dirty="0" err="1"/>
+              <a:t>editie</a:t>
+            </a:r>
+            <a:r>
+              <a:rPr lang="en-US" sz="1600" dirty="0"/>
+              <a:t>, 2009</a:t>
+            </a:r>
+          </a:p>
+          <a:p>
+            <a:pPr lvl="1"/>
+            <a:r>
+              <a:rPr lang="en-GB" sz="1400" dirty="0"/>
+              <a:t>Complete and general</a:t>
+            </a:r>
+          </a:p>
+          <a:p>
+            <a:pPr lvl="1"/>
+            <a:r>
+              <a:rPr lang="en-GB" sz="1400" b="1" dirty="0"/>
+              <a:t>BIBLE OF ALGORITHMS AND EVERYTHING REMOTELY RELATED</a:t>
+            </a:r>
+          </a:p>
+          <a:p>
+            <a:pPr lvl="1"/>
+            <a:endParaRPr lang="en-GB" sz="1400" b="1" dirty="0"/>
+          </a:p>
+          <a:p>
+            <a:r>
+              <a:rPr lang="en-GB" sz="1600" dirty="0"/>
+              <a:t>Another book (optional):</a:t>
+            </a:r>
+          </a:p>
+          <a:p>
+            <a:pPr lvl="1"/>
+            <a:r>
+              <a:rPr lang="en-GB" sz="1400" b="1" dirty="0"/>
+              <a:t>Algorithms</a:t>
+            </a:r>
+            <a:r>
+              <a:rPr lang="en-GB" sz="1400" dirty="0"/>
+              <a:t>, R. Sedgewick, K. Wayne, Addison Wesley, ISBN-13: 978-0321573513, 4</a:t>
+            </a:r>
+            <a:r>
+              <a:rPr lang="en-GB" sz="1400" baseline="30000" dirty="0"/>
+              <a:t>th</a:t>
+            </a:r>
+            <a:r>
+              <a:rPr lang="en-GB" sz="1400" dirty="0"/>
+              <a:t> edition, 2011</a:t>
+            </a:r>
+          </a:p>
+          <a:p>
+            <a:pPr lvl="1"/>
+            <a:r>
+              <a:rPr lang="en-GB" sz="1400" dirty="0"/>
+              <a:t>Code and all examples in Java</a:t>
+            </a:r>
+          </a:p>
+          <a:p>
+            <a:pPr lvl="1"/>
+            <a:r>
+              <a:rPr lang="en-GB" sz="1400" dirty="0">
+                <a:hlinkClick r:id="rId2"/>
+              </a:rPr>
+              <a:t>http://algs4.cs.princeton.edu/</a:t>
+            </a:r>
+            <a:endParaRPr lang="en-GB" sz="1800" b="1" dirty="0"/>
+          </a:p>
+        </p:txBody>
+      </p:sp>
+      <p:sp>
+        <p:nvSpPr>
+          <p:cNvPr id="4" name="Footer Placeholder 3"/>
+          <p:cNvSpPr>
+            <a:spLocks noGrp="1"/>
+          </p:cNvSpPr>
+          <p:nvPr>
+            <p:ph type="ftr" sz="quarter" idx="11"/>
+          </p:nvPr>
+        </p:nvSpPr>
+        <p:spPr/>
+        <p:txBody>
+          <a:bodyPr/>
+          <a:lstStyle/>
+          <a:p>
+            <a:r>
+              <a:rPr lang="it-IT"/>
+              <a:t>INFDEV036A - G. Costantini, F. Di Giacomo</a:t>
+            </a:r>
+            <a:endParaRPr lang="en-GB"/>
+          </a:p>
+        </p:txBody>
+      </p:sp>
+      <p:pic>
+        <p:nvPicPr>
+          <p:cNvPr id="1028" name="Picture 4" descr="http://upload.wikimedia.org/wikipedia/en/4/41/Clrs3.jpeg"/>
+          <p:cNvPicPr>
+            <a:picLocks noChangeAspect="1" noChangeArrowheads="1"/>
+          </p:cNvPicPr>
+          <p:nvPr/>
+        </p:nvPicPr>
+        <p:blipFill>
+          <a:blip r:embed="rId3">
+            <a:extLst>
+              <a:ext uri="{28A0092B-C50C-407E-A947-70E740481C1C}">
+                <a14:useLocalDpi xmlns:a14="http://schemas.microsoft.com/office/drawing/2010/main" val="0"/>
+              </a:ext>
+            </a:extLst>
+          </a:blip>
+          <a:srcRect/>
+          <a:stretch>
+            <a:fillRect/>
+          </a:stretch>
+        </p:blipFill>
+        <p:spPr bwMode="auto">
+          <a:xfrm>
+            <a:off x="6974946" y="128431"/>
+            <a:ext cx="3772653" cy="4266691"/>
+          </a:xfrm>
+          <a:prstGeom prst="rect">
+            <a:avLst/>
+          </a:prstGeom>
+          <a:noFill/>
+          <a:extLst>
+            <a:ext uri="{909E8E84-426E-40DD-AFC4-6F175D3DCCD1}">
+              <a14:hiddenFill xmlns:a14="http://schemas.microsoft.com/office/drawing/2010/main">
+                <a:solidFill>
+                  <a:srgbClr val="FFFFFF"/>
+                </a:solidFill>
+              </a14:hiddenFill>
+            </a:ext>
+          </a:extLst>
+        </p:spPr>
+      </p:pic>
+      <p:pic>
+        <p:nvPicPr>
+          <p:cNvPr id="5" name="Picture 2" descr="Algorithms, 4th Edition by Robert Sedgewick and Kevin Wayne"/>
+          <p:cNvPicPr>
+            <a:picLocks noChangeAspect="1" noChangeArrowheads="1"/>
+          </p:cNvPicPr>
+          <p:nvPr/>
+        </p:nvPicPr>
+        <p:blipFill>
+          <a:blip r:embed="rId4" cstate="print">
+            <a:extLst>
+              <a:ext uri="{28A0092B-C50C-407E-A947-70E740481C1C}">
+                <a14:useLocalDpi xmlns:a14="http://schemas.microsoft.com/office/drawing/2010/main" val="0"/>
+              </a:ext>
+            </a:extLst>
+          </a:blip>
+          <a:srcRect/>
+          <a:stretch>
+            <a:fillRect/>
+          </a:stretch>
+        </p:blipFill>
+        <p:spPr bwMode="auto">
+          <a:xfrm>
+            <a:off x="6974946" y="4600401"/>
+            <a:ext cx="1417214" cy="1780506"/>
+          </a:xfrm>
+          <a:prstGeom prst="rect">
+            <a:avLst/>
+          </a:prstGeom>
+          <a:noFill/>
+          <a:extLst>
+            <a:ext uri="{909E8E84-426E-40DD-AFC4-6F175D3DCCD1}">
+              <a14:hiddenFill xmlns:a14="http://schemas.microsoft.com/office/drawing/2010/main">
+                <a:solidFill>
+                  <a:srgbClr val="FFFFFF"/>
+                </a:solidFill>
+              </a14:hiddenFill>
+            </a:ext>
+          </a:extLst>
+        </p:spPr>
+      </p:pic>
+    </p:spTree>
+    <p:extLst>
+      <p:ext uri="{BB962C8B-B14F-4D97-AF65-F5344CB8AC3E}">
+        <p14:creationId xmlns:p14="http://schemas.microsoft.com/office/powerpoint/2010/main" val="3560851733"/>
+      </p:ext>
+    </p:extLst>
+  </p:cSld>
+  <p:clrMapOvr>
+    <a:masterClrMapping/>
+  </p:clrMapOvr>
+  <p:timing>
+    <p:tnLst>
+      <p:par>
+        <p:cTn id="1" dur="indefinite" restart="never" nodeType="tmRoot">
+          <p:childTnLst>
+            <p:seq concurrent="1" nextAc="seek">
+              <p:cTn id="2" dur="indefinite" nodeType="mainSeq">
+                <p:childTnLst>
+                  <p:par>
+                    <p:cTn id="3" fill="hold">
+                      <p:stCondLst>
+                        <p:cond delay="indefinite"/>
+                      </p:stCondLst>
+                      <p:childTnLst>
+                        <p:par>
+                          <p:cTn id="4" fill="hold">
+                            <p:stCondLst>
+                              <p:cond delay="0"/>
+                            </p:stCondLst>
+                            <p:childTnLst>
+                              <p:par>
+                                <p:cTn id="5" presetID="1" presetClass="entr" presetSubtype="0" fill="hold" nodeType="clickEffect">
+                                  <p:stCondLst>
+                                    <p:cond delay="0"/>
+                                  </p:stCondLst>
+                                  <p:childTnLst>
+                                    <p:set>
+                                      <p:cBhvr>
+                                        <p:cTn id="6" dur="1" fill="hold">
+                                          <p:stCondLst>
+                                            <p:cond delay="0"/>
+                                          </p:stCondLst>
+                                        </p:cTn>
+                                        <p:tgtEl>
+                                          <p:spTgt spid="3">
+                                            <p:txEl>
+                                              <p:pRg st="2" end="2"/>
+                                            </p:txEl>
+                                          </p:spTgt>
+                                        </p:tgtEl>
+                                        <p:attrNameLst>
+                                          <p:attrName>style.visibility</p:attrName>
+                                        </p:attrNameLst>
+                                      </p:cBhvr>
+                                      <p:to>
+                                        <p:strVal val="visible"/>
+                                      </p:to>
+                                    </p:set>
+                                  </p:childTnLst>
+                                </p:cTn>
+                              </p:par>
+                              <p:par>
+                                <p:cTn id="7" presetID="1" presetClass="entr" presetSubtype="0" fill="hold" nodeType="withEffect">
+                                  <p:stCondLst>
+                                    <p:cond delay="0"/>
+                                  </p:stCondLst>
+                                  <p:childTnLst>
+                                    <p:set>
+                                      <p:cBhvr>
+                                        <p:cTn id="8" dur="1" fill="hold">
+                                          <p:stCondLst>
+                                            <p:cond delay="0"/>
+                                          </p:stCondLst>
+                                        </p:cTn>
+                                        <p:tgtEl>
+                                          <p:spTgt spid="3">
+                                            <p:txEl>
+                                              <p:pRg st="3" end="3"/>
+                                            </p:txEl>
+                                          </p:spTgt>
+                                        </p:tgtEl>
+                                        <p:attrNameLst>
+                                          <p:attrName>style.visibility</p:attrName>
+                                        </p:attrNameLst>
+                                      </p:cBhvr>
+                                      <p:to>
+                                        <p:strVal val="visible"/>
+                                      </p:to>
+                                    </p:set>
+                                  </p:childTnLst>
+                                </p:cTn>
+                              </p:par>
+                              <p:par>
+                                <p:cTn id="9" presetID="1" presetClass="entr" presetSubtype="0" fill="hold" nodeType="withEffect">
+                                  <p:stCondLst>
+                                    <p:cond delay="0"/>
+                                  </p:stCondLst>
+                                  <p:childTnLst>
+                                    <p:set>
+                                      <p:cBhvr>
+                                        <p:cTn id="10" dur="1" fill="hold">
+                                          <p:stCondLst>
+                                            <p:cond delay="0"/>
+                                          </p:stCondLst>
+                                        </p:cTn>
+                                        <p:tgtEl>
+                                          <p:spTgt spid="3">
+                                            <p:txEl>
+                                              <p:pRg st="4" end="4"/>
+                                            </p:txEl>
+                                          </p:spTgt>
+                                        </p:tgtEl>
+                                        <p:attrNameLst>
+                                          <p:attrName>style.visibility</p:attrName>
+                                        </p:attrNameLst>
+                                      </p:cBhvr>
+                                      <p:to>
+                                        <p:strVal val="visible"/>
+                                      </p:to>
+                                    </p:set>
+                                  </p:childTnLst>
+                                </p:cTn>
+                              </p:par>
+                              <p:par>
+                                <p:cTn id="11" presetID="1" presetClass="entr" presetSubtype="0" fill="hold" nodeType="withEffect">
+                                  <p:stCondLst>
+                                    <p:cond delay="0"/>
+                                  </p:stCondLst>
+                                  <p:childTnLst>
+                                    <p:set>
+                                      <p:cBhvr>
+                                        <p:cTn id="12" dur="1" fill="hold">
+                                          <p:stCondLst>
+                                            <p:cond delay="0"/>
+                                          </p:stCondLst>
+                                        </p:cTn>
+                                        <p:tgtEl>
+                                          <p:spTgt spid="1028"/>
+                                        </p:tgtEl>
+                                        <p:attrNameLst>
+                                          <p:attrName>style.visibility</p:attrName>
+                                        </p:attrNameLst>
+                                      </p:cBhvr>
+                                      <p:to>
+                                        <p:strVal val="visible"/>
+                                      </p:to>
+                                    </p:set>
+                                  </p:childTnLst>
+                                </p:cTn>
+                              </p:par>
+                            </p:childTnLst>
+                          </p:cTn>
+                        </p:par>
+                      </p:childTnLst>
+                    </p:cTn>
+                  </p:par>
+                  <p:par>
+                    <p:cTn id="13" fill="hold">
+                      <p:stCondLst>
+                        <p:cond delay="indefinite"/>
+                      </p:stCondLst>
+                      <p:childTnLst>
+                        <p:par>
+                          <p:cTn id="14" fill="hold">
+                            <p:stCondLst>
+                              <p:cond delay="0"/>
+                            </p:stCondLst>
+                            <p:childTnLst>
+                              <p:par>
+                                <p:cTn id="15" presetID="1" presetClass="entr" presetSubtype="0" fill="hold" nodeType="clickEffect">
+                                  <p:stCondLst>
+                                    <p:cond delay="0"/>
+                                  </p:stCondLst>
+                                  <p:childTnLst>
+                                    <p:set>
+                                      <p:cBhvr>
+                                        <p:cTn id="16" dur="1" fill="hold">
+                                          <p:stCondLst>
+                                            <p:cond delay="0"/>
+                                          </p:stCondLst>
+                                        </p:cTn>
+                                        <p:tgtEl>
+                                          <p:spTgt spid="3">
+                                            <p:txEl>
+                                              <p:pRg st="6" end="6"/>
+                                            </p:txEl>
+                                          </p:spTgt>
+                                        </p:tgtEl>
+                                        <p:attrNameLst>
+                                          <p:attrName>style.visibility</p:attrName>
+                                        </p:attrNameLst>
+                                      </p:cBhvr>
+                                      <p:to>
+                                        <p:strVal val="visible"/>
+                                      </p:to>
+                                    </p:set>
+                                  </p:childTnLst>
+                                </p:cTn>
+                              </p:par>
+                              <p:par>
+                                <p:cTn id="17" presetID="1" presetClass="entr" presetSubtype="0" fill="hold" nodeType="withEffect">
+                                  <p:stCondLst>
+                                    <p:cond delay="0"/>
+                                  </p:stCondLst>
+                                  <p:childTnLst>
+                                    <p:set>
+                                      <p:cBhvr>
+                                        <p:cTn id="18" dur="1" fill="hold">
+                                          <p:stCondLst>
+                                            <p:cond delay="0"/>
+                                          </p:stCondLst>
+                                        </p:cTn>
+                                        <p:tgtEl>
+                                          <p:spTgt spid="3">
+                                            <p:txEl>
+                                              <p:pRg st="7" end="7"/>
+                                            </p:txEl>
+                                          </p:spTgt>
+                                        </p:tgtEl>
+                                        <p:attrNameLst>
+                                          <p:attrName>style.visibility</p:attrName>
+                                        </p:attrNameLst>
+                                      </p:cBhvr>
+                                      <p:to>
+                                        <p:strVal val="visible"/>
+                                      </p:to>
+                                    </p:set>
+                                  </p:childTnLst>
+                                </p:cTn>
+                              </p:par>
+                              <p:par>
+                                <p:cTn id="19" presetID="1" presetClass="entr" presetSubtype="0" fill="hold" nodeType="withEffect">
+                                  <p:stCondLst>
+                                    <p:cond delay="0"/>
+                                  </p:stCondLst>
+                                  <p:childTnLst>
+                                    <p:set>
+                                      <p:cBhvr>
+                                        <p:cTn id="20" dur="1" fill="hold">
+                                          <p:stCondLst>
+                                            <p:cond delay="0"/>
+                                          </p:stCondLst>
+                                        </p:cTn>
+                                        <p:tgtEl>
+                                          <p:spTgt spid="3">
+                                            <p:txEl>
+                                              <p:pRg st="8" end="8"/>
+                                            </p:txEl>
+                                          </p:spTgt>
+                                        </p:tgtEl>
+                                        <p:attrNameLst>
+                                          <p:attrName>style.visibility</p:attrName>
+                                        </p:attrNameLst>
+                                      </p:cBhvr>
+                                      <p:to>
+                                        <p:strVal val="visible"/>
+                                      </p:to>
+                                    </p:set>
+                                  </p:childTnLst>
+                                </p:cTn>
+                              </p:par>
+                              <p:par>
+                                <p:cTn id="21" presetID="1" presetClass="entr" presetSubtype="0" fill="hold" nodeType="withEffect">
+                                  <p:stCondLst>
+                                    <p:cond delay="0"/>
+                                  </p:stCondLst>
+                                  <p:childTnLst>
+                                    <p:set>
+                                      <p:cBhvr>
+                                        <p:cTn id="22" dur="1" fill="hold">
+                                          <p:stCondLst>
+                                            <p:cond delay="0"/>
+                                          </p:stCondLst>
+                                        </p:cTn>
+                                        <p:tgtEl>
+                                          <p:spTgt spid="3">
+                                            <p:txEl>
+                                              <p:pRg st="9" end="9"/>
+                                            </p:txEl>
+                                          </p:spTgt>
+                                        </p:tgtEl>
+                                        <p:attrNameLst>
+                                          <p:attrName>style.visibility</p:attrName>
+                                        </p:attrNameLst>
+                                      </p:cBhvr>
+                                      <p:to>
+                                        <p:strVal val="visible"/>
+                                      </p:to>
+                                    </p:set>
+                                  </p:childTnLst>
+                                </p:cTn>
+                              </p:par>
+                              <p:par>
+                                <p:cTn id="23" presetID="1" presetClass="entr" presetSubtype="0" fill="hold" nodeType="withEffect">
+                                  <p:stCondLst>
+                                    <p:cond delay="0"/>
+                                  </p:stCondLst>
+                                  <p:childTnLst>
+                                    <p:set>
+                                      <p:cBhvr>
+                                        <p:cTn id="24" dur="1" fill="hold">
+                                          <p:stCondLst>
+                                            <p:cond delay="0"/>
+                                          </p:stCondLst>
+                                        </p:cTn>
+                                        <p:tgtEl>
+                                          <p:spTgt spid="5"/>
+                                        </p:tgtEl>
+                                        <p:attrNameLst>
+                                          <p:attrName>style.visibility</p:attrName>
+                                        </p:attrNameLst>
+                                      </p:cBhvr>
+                                      <p:to>
+                                        <p:strVal val="visible"/>
+                                      </p:to>
+                                    </p:set>
+                                  </p:childTnLst>
+                                </p:cTn>
+                              </p:par>
+                            </p:childTnLst>
+                          </p:cTn>
+                        </p:par>
+                      </p:childTnLst>
+                    </p:cTn>
+                  </p:par>
+                </p:childTnLst>
+              </p:cTn>
+              <p:prevCondLst>
+                <p:cond evt="onPrev" delay="0">
+                  <p:tgtEl>
+                    <p:sldTgt/>
+                  </p:tgtEl>
+                </p:cond>
+              </p:prevCondLst>
+              <p:nextCondLst>
+                <p:cond evt="onNext" delay="0">
+                  <p:tgtEl>
+                    <p:sldTgt/>
+                  </p:tgtEl>
+                </p:cond>
+              </p:nextCondLst>
+            </p:seq>
+          </p:childTnLst>
+        </p:cTn>
+      </p:par>
+    </p:tnLst>
+  </p:timing>
+</p:sld>
+</file>
+
+<file path=ppt/slides/slide40.xml><?xml version="1.0" encoding="utf-8"?>
 <p:sld xmlns:a="http://schemas.openxmlformats.org/drawingml/2006/main" xmlns:r="http://schemas.openxmlformats.org/officeDocument/2006/relationships" xmlns:p="http://schemas.openxmlformats.org/presentationml/2006/main">
   <p:cSld>
     <p:spTree>
@@ -19523,269 +21576,7 @@
 </p:sld>
 </file>
 
-<file path=ppt/slides/slide4.xml><?xml version="1.0" encoding="utf-8"?>
-<p:sld xmlns:a="http://schemas.openxmlformats.org/drawingml/2006/main" xmlns:r="http://schemas.openxmlformats.org/officeDocument/2006/relationships" xmlns:p="http://schemas.openxmlformats.org/presentationml/2006/main">
-  <p:cSld>
-    <p:spTree>
-      <p:nvGrpSpPr>
-        <p:cNvPr id="1" name=""/>
-        <p:cNvGrpSpPr/>
-        <p:nvPr/>
-      </p:nvGrpSpPr>
-      <p:grpSpPr>
-        <a:xfrm>
-          <a:off x="0" y="0"/>
-          <a:ext cx="0" cy="0"/>
-          <a:chOff x="0" y="0"/>
-          <a:chExt cx="0" cy="0"/>
-        </a:xfrm>
-      </p:grpSpPr>
-      <p:sp>
-        <p:nvSpPr>
-          <p:cNvPr id="2" name="Title 1"/>
-          <p:cNvSpPr>
-            <a:spLocks noGrp="1"/>
-          </p:cNvSpPr>
-          <p:nvPr>
-            <p:ph type="title"/>
-          </p:nvPr>
-        </p:nvSpPr>
-        <p:spPr/>
-        <p:txBody>
-          <a:bodyPr/>
-          <a:lstStyle/>
-          <a:p>
-            <a:r>
-              <a:rPr lang="en-GB" dirty="0"/>
-              <a:t>Assessment</a:t>
-            </a:r>
-          </a:p>
-        </p:txBody>
-      </p:sp>
-      <mc:AlternateContent xmlns:mc="http://schemas.openxmlformats.org/markup-compatibility/2006">
-        <mc:Choice xmlns:a14="http://schemas.microsoft.com/office/drawing/2010/main" Requires="a14">
-          <p:sp>
-            <p:nvSpPr>
-              <p:cNvPr id="3" name="Content Placeholder 2"/>
-              <p:cNvSpPr>
-                <a:spLocks noGrp="1"/>
-              </p:cNvSpPr>
-              <p:nvPr>
-                <p:ph idx="1"/>
-              </p:nvPr>
-            </p:nvSpPr>
-            <p:spPr>
-              <a:xfrm>
-                <a:off x="677333" y="2160588"/>
-                <a:ext cx="9360747" cy="4476517"/>
-              </a:xfrm>
-            </p:spPr>
-            <p:txBody>
-              <a:bodyPr>
-                <a:normAutofit/>
-              </a:bodyPr>
-              <a:lstStyle/>
-              <a:p>
-                <a:r>
-                  <a:rPr lang="en-GB" dirty="0"/>
-                  <a:t>Made in two parts</a:t>
-                </a:r>
-              </a:p>
-              <a:p>
-                <a:pPr lvl="1"/>
-                <a:r>
-                  <a:rPr lang="en-GB" b="1" dirty="0"/>
-                  <a:t>Written exam</a:t>
-                </a:r>
-                <a:endParaRPr lang="en-GB" dirty="0"/>
-              </a:p>
-              <a:p>
-                <a:pPr lvl="2"/>
-                <a:r>
-                  <a:rPr lang="en-GB" dirty="0"/>
-                  <a:t>Multiple choice questions about reasoning on code and algorithms</a:t>
-                </a:r>
-              </a:p>
-              <a:p>
-                <a:pPr lvl="2"/>
-                <a:r>
-                  <a:rPr lang="en-GB" b="1" u="sng" dirty="0"/>
-                  <a:t>Must</a:t>
-                </a:r>
-                <a:r>
-                  <a:rPr lang="en-GB" b="1" dirty="0"/>
-                  <a:t> </a:t>
-                </a:r>
-                <a:r>
-                  <a:rPr lang="en-GB" dirty="0"/>
-                  <a:t>be sufficient (</a:t>
-                </a:r>
-                <a14:m>
-                  <m:oMath xmlns:m="http://schemas.openxmlformats.org/officeDocument/2006/math">
-                    <m:r>
-                      <a:rPr lang="en-GB" i="1" dirty="0">
-                        <a:latin typeface="Cambria Math" panose="02040503050406030204" pitchFamily="18" charset="0"/>
-                      </a:rPr>
-                      <m:t>≥</m:t>
-                    </m:r>
-                  </m:oMath>
-                </a14:m>
-                <a:r>
-                  <a:rPr lang="en-GB" dirty="0"/>
-                  <a:t> 5.5) </a:t>
-                </a:r>
-                <a:r>
-                  <a:rPr lang="en-GB" b="1" u="sng" dirty="0"/>
-                  <a:t>to be admitted </a:t>
-                </a:r>
-                <a:r>
-                  <a:rPr lang="en-GB" dirty="0"/>
-                  <a:t>to the practical assessment</a:t>
-                </a:r>
-              </a:p>
-              <a:p>
-                <a:pPr lvl="2"/>
-                <a:r>
-                  <a:rPr lang="en-GB" dirty="0"/>
-                  <a:t>Every week, a set of questions on the topics covered is published on </a:t>
-                </a:r>
-                <a:r>
-                  <a:rPr lang="en-GB" dirty="0" err="1"/>
-                  <a:t>GrandeOmega</a:t>
-                </a:r>
-                <a:endParaRPr lang="en-GB" dirty="0"/>
-              </a:p>
-              <a:p>
-                <a:pPr lvl="3"/>
-                <a:r>
-                  <a:rPr lang="en-GB" dirty="0"/>
-                  <a:t>Exam questions will be similar to those</a:t>
-                </a:r>
-              </a:p>
-              <a:p>
-                <a:pPr lvl="1"/>
-                <a:r>
-                  <a:rPr lang="en-GB" b="1" dirty="0"/>
-                  <a:t>Practical assessment</a:t>
-                </a:r>
-              </a:p>
-              <a:p>
-                <a:pPr lvl="2"/>
-                <a:r>
-                  <a:rPr lang="en-GB" dirty="0"/>
-                  <a:t>Determines the final grade</a:t>
-                </a:r>
-              </a:p>
-              <a:p>
-                <a:pPr lvl="2"/>
-                <a:r>
-                  <a:rPr lang="en-GB" dirty="0"/>
-                  <a:t>Some exercises where you have to fill in code of some given partial algorithms related to the course</a:t>
-                </a:r>
-              </a:p>
-              <a:p>
-                <a:pPr lvl="2"/>
-                <a:r>
-                  <a:rPr lang="en-GB" dirty="0"/>
-                  <a:t>To help you practice</a:t>
-                </a:r>
-              </a:p>
-              <a:p>
-                <a:pPr lvl="3"/>
-                <a:r>
-                  <a:rPr lang="en-GB" dirty="0"/>
-                  <a:t>Practical assignment (building algorithms in a realistic setting)</a:t>
-                </a:r>
-              </a:p>
-              <a:p>
-                <a:pPr lvl="3"/>
-                <a:r>
-                  <a:rPr lang="en-GB" dirty="0"/>
-                  <a:t>Every week, implementation homework </a:t>
-                </a:r>
-              </a:p>
-              <a:p>
-                <a:pPr lvl="3"/>
-                <a:endParaRPr lang="en-GB" dirty="0"/>
-              </a:p>
-            </p:txBody>
-          </p:sp>
-        </mc:Choice>
-        <mc:Fallback>
-          <p:sp>
-            <p:nvSpPr>
-              <p:cNvPr id="3" name="Content Placeholder 2"/>
-              <p:cNvSpPr>
-                <a:spLocks noGrp="1" noRot="1" noChangeAspect="1" noMove="1" noResize="1" noEditPoints="1" noAdjustHandles="1" noChangeArrowheads="1" noChangeShapeType="1" noTextEdit="1"/>
-              </p:cNvSpPr>
-              <p:nvPr>
-                <p:ph idx="1"/>
-              </p:nvPr>
-            </p:nvSpPr>
-            <p:spPr>
-              <a:xfrm>
-                <a:off x="677333" y="2160588"/>
-                <a:ext cx="9360747" cy="4476517"/>
-              </a:xfrm>
-              <a:blipFill>
-                <a:blip r:embed="rId2"/>
-                <a:stretch>
-                  <a:fillRect l="-130" t="-816"/>
-                </a:stretch>
-              </a:blipFill>
-            </p:spPr>
-            <p:txBody>
-              <a:bodyPr/>
-              <a:lstStyle/>
-              <a:p>
-                <a:r>
-                  <a:rPr lang="nl-NL">
-                    <a:noFill/>
-                  </a:rPr>
-                  <a:t> </a:t>
-                </a:r>
-              </a:p>
-            </p:txBody>
-          </p:sp>
-        </mc:Fallback>
-      </mc:AlternateContent>
-      <p:sp>
-        <p:nvSpPr>
-          <p:cNvPr id="4" name="Footer Placeholder 3"/>
-          <p:cNvSpPr>
-            <a:spLocks noGrp="1"/>
-          </p:cNvSpPr>
-          <p:nvPr>
-            <p:ph type="ftr" sz="quarter" idx="11"/>
-          </p:nvPr>
-        </p:nvSpPr>
-        <p:spPr/>
-        <p:txBody>
-          <a:bodyPr/>
-          <a:lstStyle/>
-          <a:p>
-            <a:r>
-              <a:rPr lang="it-IT"/>
-              <a:t>INFDEV036A - G. Costantini, F. Di Giacomo</a:t>
-            </a:r>
-            <a:endParaRPr lang="en-GB"/>
-          </a:p>
-        </p:txBody>
-      </p:sp>
-    </p:spTree>
-    <p:extLst>
-      <p:ext uri="{BB962C8B-B14F-4D97-AF65-F5344CB8AC3E}">
-        <p14:creationId xmlns:p14="http://schemas.microsoft.com/office/powerpoint/2010/main" val="775092102"/>
-      </p:ext>
-    </p:extLst>
-  </p:cSld>
-  <p:clrMapOvr>
-    <a:masterClrMapping/>
-  </p:clrMapOvr>
-</p:sld>
-</file>
-
-<file path=ppt/slides/slide40.xml><?xml version="1.0" encoding="utf-8"?>
+<file path=ppt/slides/slide41.xml><?xml version="1.0" encoding="utf-8"?>
 <p:sld xmlns:a="http://schemas.openxmlformats.org/drawingml/2006/main" xmlns:r="http://schemas.openxmlformats.org/officeDocument/2006/relationships" xmlns:p="http://schemas.openxmlformats.org/presentationml/2006/main">
   <p:cSld>
     <p:spTree>
@@ -20080,7 +21871,7 @@
 </p:sld>
 </file>
 
-<file path=ppt/slides/slide41.xml><?xml version="1.0" encoding="utf-8"?>
+<file path=ppt/slides/slide42.xml><?xml version="1.0" encoding="utf-8"?>
 <p:sld xmlns:a="http://schemas.openxmlformats.org/drawingml/2006/main" xmlns:r="http://schemas.openxmlformats.org/officeDocument/2006/relationships" xmlns:p="http://schemas.openxmlformats.org/presentationml/2006/main">
   <p:cSld>
     <p:spTree>
@@ -20411,7 +22202,7 @@
 </p:sld>
 </file>
 
-<file path=ppt/slides/slide42.xml><?xml version="1.0" encoding="utf-8"?>
+<file path=ppt/slides/slide43.xml><?xml version="1.0" encoding="utf-8"?>
 <p:sld xmlns:a="http://schemas.openxmlformats.org/drawingml/2006/main" xmlns:r="http://schemas.openxmlformats.org/officeDocument/2006/relationships" xmlns:p="http://schemas.openxmlformats.org/presentationml/2006/main">
   <p:cSld>
     <p:spTree>
@@ -20764,7 +22555,7 @@
 </p:sld>
 </file>
 
-<file path=ppt/slides/slide43.xml><?xml version="1.0" encoding="utf-8"?>
+<file path=ppt/slides/slide44.xml><?xml version="1.0" encoding="utf-8"?>
 <p:sld xmlns:a="http://schemas.openxmlformats.org/drawingml/2006/main" xmlns:r="http://schemas.openxmlformats.org/officeDocument/2006/relationships" xmlns:p="http://schemas.openxmlformats.org/presentationml/2006/main">
   <p:cSld>
     <p:spTree>
@@ -21229,7 +23020,7 @@
 </p:sld>
 </file>
 
-<file path=ppt/slides/slide44.xml><?xml version="1.0" encoding="utf-8"?>
+<file path=ppt/slides/slide45.xml><?xml version="1.0" encoding="utf-8"?>
 <p:sld xmlns:a="http://schemas.openxmlformats.org/drawingml/2006/main" xmlns:r="http://schemas.openxmlformats.org/officeDocument/2006/relationships" xmlns:p="http://schemas.openxmlformats.org/presentationml/2006/main">
   <p:cSld>
     <p:spTree>
@@ -21864,7 +23655,7 @@
 </p:sld>
 </file>
 
-<file path=ppt/slides/slide45.xml><?xml version="1.0" encoding="utf-8"?>
+<file path=ppt/slides/slide46.xml><?xml version="1.0" encoding="utf-8"?>
 <p:sld xmlns:a="http://schemas.openxmlformats.org/drawingml/2006/main" xmlns:r="http://schemas.openxmlformats.org/officeDocument/2006/relationships" xmlns:p="http://schemas.openxmlformats.org/presentationml/2006/main">
   <p:cSld>
     <p:spTree>
@@ -22198,7 +23989,7 @@
 </p:sld>
 </file>
 
-<file path=ppt/slides/slide46.xml><?xml version="1.0" encoding="utf-8"?>
+<file path=ppt/slides/slide47.xml><?xml version="1.0" encoding="utf-8"?>
 <p:sld xmlns:a="http://schemas.openxmlformats.org/drawingml/2006/main" xmlns:r="http://schemas.openxmlformats.org/officeDocument/2006/relationships" xmlns:p="http://schemas.openxmlformats.org/presentationml/2006/main">
   <p:cSld>
     <p:spTree>
@@ -22238,8 +24029,8 @@
           </a:p>
         </p:txBody>
       </p:sp>
-      <mc:AlternateContent xmlns:mc="http://schemas.openxmlformats.org/markup-compatibility/2006">
-        <mc:Choice xmlns:a14="http://schemas.microsoft.com/office/drawing/2010/main" Requires="a14">
+      <mc:AlternateContent xmlns:mc="http://schemas.openxmlformats.org/markup-compatibility/2006" xmlns:a14="http://schemas.microsoft.com/office/drawing/2010/main">
+        <mc:Choice Requires="a14">
           <p:sp>
             <p:nvSpPr>
               <p:cNvPr id="3" name="Tijdelijke aanduiding voor inhoud 2"/>
@@ -22409,7 +24200,7 @@
             </p:txBody>
           </p:sp>
         </mc:Choice>
-        <mc:Fallback>
+        <mc:Fallback xmlns="">
           <p:sp>
             <p:nvSpPr>
               <p:cNvPr id="3" name="Tijdelijke aanduiding voor inhoud 2"/>
@@ -22558,7 +24349,7 @@
 </p:sld>
 </file>
 
-<file path=ppt/slides/slide47.xml><?xml version="1.0" encoding="utf-8"?>
+<file path=ppt/slides/slide48.xml><?xml version="1.0" encoding="utf-8"?>
 <p:sld xmlns:a="http://schemas.openxmlformats.org/drawingml/2006/main" xmlns:r="http://schemas.openxmlformats.org/officeDocument/2006/relationships" xmlns:p="http://schemas.openxmlformats.org/presentationml/2006/main">
   <p:cSld>
     <p:spTree>
@@ -22662,7 +24453,7 @@
 </p:sld>
 </file>
 
-<file path=ppt/slides/slide48.xml><?xml version="1.0" encoding="utf-8"?>
+<file path=ppt/slides/slide49.xml><?xml version="1.0" encoding="utf-8"?>
 <p:sld xmlns:a="http://schemas.openxmlformats.org/drawingml/2006/main" xmlns:r="http://schemas.openxmlformats.org/officeDocument/2006/relationships" xmlns:p="http://schemas.openxmlformats.org/presentationml/2006/main">
   <p:cSld>
     <p:spTree>
@@ -22766,7 +24557,654 @@
 </p:sld>
 </file>
 
-<file path=ppt/slides/slide49.xml><?xml version="1.0" encoding="utf-8"?>
+<file path=ppt/slides/slide5.xml><?xml version="1.0" encoding="utf-8"?>
+<p:sld xmlns:a="http://schemas.openxmlformats.org/drawingml/2006/main" xmlns:r="http://schemas.openxmlformats.org/officeDocument/2006/relationships" xmlns:p="http://schemas.openxmlformats.org/presentationml/2006/main">
+  <p:cSld>
+    <p:spTree>
+      <p:nvGrpSpPr>
+        <p:cNvPr id="1" name=""/>
+        <p:cNvGrpSpPr/>
+        <p:nvPr/>
+      </p:nvGrpSpPr>
+      <p:grpSpPr>
+        <a:xfrm>
+          <a:off x="0" y="0"/>
+          <a:ext cx="0" cy="0"/>
+          <a:chOff x="0" y="0"/>
+          <a:chExt cx="0" cy="0"/>
+        </a:xfrm>
+      </p:grpSpPr>
+      <p:sp>
+        <p:nvSpPr>
+          <p:cNvPr id="2" name="Title 1"/>
+          <p:cNvSpPr>
+            <a:spLocks noGrp="1"/>
+          </p:cNvSpPr>
+          <p:nvPr>
+            <p:ph type="title"/>
+          </p:nvPr>
+        </p:nvSpPr>
+        <p:spPr/>
+        <p:txBody>
+          <a:bodyPr/>
+          <a:lstStyle/>
+          <a:p>
+            <a:r>
+              <a:rPr lang="en-GB" dirty="0"/>
+              <a:t>Assessment</a:t>
+            </a:r>
+          </a:p>
+        </p:txBody>
+      </p:sp>
+      <mc:AlternateContent xmlns:mc="http://schemas.openxmlformats.org/markup-compatibility/2006" xmlns:a14="http://schemas.microsoft.com/office/drawing/2010/main">
+        <mc:Choice Requires="a14">
+          <p:sp>
+            <p:nvSpPr>
+              <p:cNvPr id="3" name="Content Placeholder 2"/>
+              <p:cNvSpPr>
+                <a:spLocks noGrp="1"/>
+              </p:cNvSpPr>
+              <p:nvPr>
+                <p:ph idx="1"/>
+              </p:nvPr>
+            </p:nvSpPr>
+            <p:spPr>
+              <a:xfrm>
+                <a:off x="677333" y="2160588"/>
+                <a:ext cx="9360747" cy="4476517"/>
+              </a:xfrm>
+            </p:spPr>
+            <p:txBody>
+              <a:bodyPr>
+                <a:normAutofit/>
+              </a:bodyPr>
+              <a:lstStyle/>
+              <a:p>
+                <a:r>
+                  <a:rPr lang="en-GB" dirty="0"/>
+                  <a:t>Made in two parts</a:t>
+                </a:r>
+              </a:p>
+              <a:p>
+                <a:pPr lvl="1"/>
+                <a:r>
+                  <a:rPr lang="en-GB" b="1" dirty="0"/>
+                  <a:t>Written exam</a:t>
+                </a:r>
+                <a:endParaRPr lang="en-GB" dirty="0"/>
+              </a:p>
+              <a:p>
+                <a:pPr lvl="2"/>
+                <a:r>
+                  <a:rPr lang="en-GB" dirty="0"/>
+                  <a:t>Multiple choice questions about reasoning on code and algorithms</a:t>
+                </a:r>
+              </a:p>
+              <a:p>
+                <a:pPr lvl="2"/>
+                <a:r>
+                  <a:rPr lang="en-GB" b="1" u="sng" dirty="0"/>
+                  <a:t>Must</a:t>
+                </a:r>
+                <a:r>
+                  <a:rPr lang="en-GB" b="1" dirty="0"/>
+                  <a:t> </a:t>
+                </a:r>
+                <a:r>
+                  <a:rPr lang="en-GB" dirty="0"/>
+                  <a:t>be sufficient (</a:t>
+                </a:r>
+                <a14:m>
+                  <m:oMath xmlns:m="http://schemas.openxmlformats.org/officeDocument/2006/math">
+                    <m:r>
+                      <a:rPr lang="en-GB" i="1" dirty="0">
+                        <a:latin typeface="Cambria Math" panose="02040503050406030204" pitchFamily="18" charset="0"/>
+                      </a:rPr>
+                      <m:t>≥</m:t>
+                    </m:r>
+                  </m:oMath>
+                </a14:m>
+                <a:r>
+                  <a:rPr lang="en-GB" dirty="0"/>
+                  <a:t> 5.5) </a:t>
+                </a:r>
+                <a:r>
+                  <a:rPr lang="en-GB" b="1" u="sng" dirty="0"/>
+                  <a:t>to be admitted </a:t>
+                </a:r>
+                <a:r>
+                  <a:rPr lang="en-GB" dirty="0"/>
+                  <a:t>to the practical assessment</a:t>
+                </a:r>
+              </a:p>
+              <a:p>
+                <a:pPr lvl="2"/>
+                <a:r>
+                  <a:rPr lang="en-GB" dirty="0"/>
+                  <a:t>Every week, a set of questions on the topics covered is published on </a:t>
+                </a:r>
+                <a:r>
+                  <a:rPr lang="en-GB" dirty="0" err="1"/>
+                  <a:t>GrandeOmega</a:t>
+                </a:r>
+                <a:endParaRPr lang="en-GB" dirty="0"/>
+              </a:p>
+              <a:p>
+                <a:pPr lvl="3"/>
+                <a:r>
+                  <a:rPr lang="en-GB" dirty="0"/>
+                  <a:t>Exam questions will be similar to those</a:t>
+                </a:r>
+              </a:p>
+              <a:p>
+                <a:pPr lvl="1"/>
+                <a:r>
+                  <a:rPr lang="en-GB" b="1" dirty="0"/>
+                  <a:t>Practical assessment</a:t>
+                </a:r>
+              </a:p>
+              <a:p>
+                <a:pPr lvl="2"/>
+                <a:r>
+                  <a:rPr lang="en-GB" dirty="0"/>
+                  <a:t>Determines the final grade</a:t>
+                </a:r>
+              </a:p>
+              <a:p>
+                <a:pPr lvl="2"/>
+                <a:r>
+                  <a:rPr lang="en-GB" dirty="0"/>
+                  <a:t>Some exercises where you have to fill in code of some given partial algorithms related to the course</a:t>
+                </a:r>
+              </a:p>
+              <a:p>
+                <a:pPr lvl="2"/>
+                <a:r>
+                  <a:rPr lang="en-GB" dirty="0"/>
+                  <a:t>To help you practice…</a:t>
+                </a:r>
+              </a:p>
+              <a:p>
+                <a:pPr lvl="3"/>
+                <a:r>
+                  <a:rPr lang="en-GB" dirty="0"/>
+                  <a:t>Every week, implementation homework </a:t>
+                </a:r>
+              </a:p>
+              <a:p>
+                <a:pPr lvl="3"/>
+                <a:r>
+                  <a:rPr lang="en-GB" dirty="0"/>
+                  <a:t>Practical assignment (building algorithms in a realistic setting)</a:t>
+                </a:r>
+              </a:p>
+              <a:p>
+                <a:pPr marL="1371600" lvl="3" indent="0">
+                  <a:buNone/>
+                </a:pPr>
+                <a:r>
+                  <a:rPr lang="en-GB" dirty="0"/>
+                  <a:t> </a:t>
+                </a:r>
+              </a:p>
+              <a:p>
+                <a:pPr lvl="3"/>
+                <a:endParaRPr lang="en-GB" dirty="0"/>
+              </a:p>
+            </p:txBody>
+          </p:sp>
+        </mc:Choice>
+        <mc:Fallback xmlns="">
+          <p:sp>
+            <p:nvSpPr>
+              <p:cNvPr id="3" name="Content Placeholder 2"/>
+              <p:cNvSpPr>
+                <a:spLocks noGrp="1" noRot="1" noChangeAspect="1" noMove="1" noResize="1" noEditPoints="1" noAdjustHandles="1" noChangeArrowheads="1" noChangeShapeType="1" noTextEdit="1"/>
+              </p:cNvSpPr>
+              <p:nvPr>
+                <p:ph idx="1"/>
+              </p:nvPr>
+            </p:nvSpPr>
+            <p:spPr>
+              <a:xfrm>
+                <a:off x="677333" y="2160588"/>
+                <a:ext cx="9360747" cy="4476517"/>
+              </a:xfrm>
+              <a:blipFill>
+                <a:blip r:embed="rId2"/>
+                <a:stretch>
+                  <a:fillRect l="-130" t="-816"/>
+                </a:stretch>
+              </a:blipFill>
+            </p:spPr>
+            <p:txBody>
+              <a:bodyPr/>
+              <a:lstStyle/>
+              <a:p>
+                <a:r>
+                  <a:rPr lang="nl-NL">
+                    <a:noFill/>
+                  </a:rPr>
+                  <a:t> </a:t>
+                </a:r>
+              </a:p>
+            </p:txBody>
+          </p:sp>
+        </mc:Fallback>
+      </mc:AlternateContent>
+      <p:sp>
+        <p:nvSpPr>
+          <p:cNvPr id="4" name="Footer Placeholder 3"/>
+          <p:cNvSpPr>
+            <a:spLocks noGrp="1"/>
+          </p:cNvSpPr>
+          <p:nvPr>
+            <p:ph type="ftr" sz="quarter" idx="11"/>
+          </p:nvPr>
+        </p:nvSpPr>
+        <p:spPr/>
+        <p:txBody>
+          <a:bodyPr/>
+          <a:lstStyle/>
+          <a:p>
+            <a:r>
+              <a:rPr lang="it-IT"/>
+              <a:t>INFDEV036A - G. Costantini, F. Di Giacomo</a:t>
+            </a:r>
+            <a:endParaRPr lang="en-GB"/>
+          </a:p>
+        </p:txBody>
+      </p:sp>
+    </p:spTree>
+    <p:extLst>
+      <p:ext uri="{BB962C8B-B14F-4D97-AF65-F5344CB8AC3E}">
+        <p14:creationId xmlns:p14="http://schemas.microsoft.com/office/powerpoint/2010/main" val="775092102"/>
+      </p:ext>
+    </p:extLst>
+  </p:cSld>
+  <p:clrMapOvr>
+    <a:masterClrMapping/>
+  </p:clrMapOvr>
+  <p:timing>
+    <p:tnLst>
+      <p:par>
+        <p:cTn id="1" dur="indefinite" restart="never" nodeType="tmRoot">
+          <p:childTnLst>
+            <p:seq concurrent="1" nextAc="seek">
+              <p:cTn id="2" dur="indefinite" nodeType="mainSeq">
+                <p:childTnLst>
+                  <p:par>
+                    <p:cTn id="3" fill="hold">
+                      <p:stCondLst>
+                        <p:cond delay="indefinite"/>
+                      </p:stCondLst>
+                      <p:childTnLst>
+                        <p:par>
+                          <p:cTn id="4" fill="hold">
+                            <p:stCondLst>
+                              <p:cond delay="0"/>
+                            </p:stCondLst>
+                            <p:childTnLst>
+                              <p:par>
+                                <p:cTn id="5" presetID="1" presetClass="entr" presetSubtype="0" fill="hold" nodeType="clickEffect">
+                                  <p:stCondLst>
+                                    <p:cond delay="0"/>
+                                  </p:stCondLst>
+                                  <p:childTnLst>
+                                    <p:set>
+                                      <p:cBhvr>
+                                        <p:cTn id="6" dur="1" fill="hold">
+                                          <p:stCondLst>
+                                            <p:cond delay="0"/>
+                                          </p:stCondLst>
+                                        </p:cTn>
+                                        <p:tgtEl>
+                                          <p:spTgt spid="3">
+                                            <p:txEl>
+                                              <p:pRg st="2" end="2"/>
+                                            </p:txEl>
+                                          </p:spTgt>
+                                        </p:tgtEl>
+                                        <p:attrNameLst>
+                                          <p:attrName>style.visibility</p:attrName>
+                                        </p:attrNameLst>
+                                      </p:cBhvr>
+                                      <p:to>
+                                        <p:strVal val="visible"/>
+                                      </p:to>
+                                    </p:set>
+                                  </p:childTnLst>
+                                </p:cTn>
+                              </p:par>
+                              <p:par>
+                                <p:cTn id="7" presetID="1" presetClass="entr" presetSubtype="0" fill="hold" nodeType="withEffect">
+                                  <p:stCondLst>
+                                    <p:cond delay="0"/>
+                                  </p:stCondLst>
+                                  <p:childTnLst>
+                                    <p:set>
+                                      <p:cBhvr>
+                                        <p:cTn id="8" dur="1" fill="hold">
+                                          <p:stCondLst>
+                                            <p:cond delay="0"/>
+                                          </p:stCondLst>
+                                        </p:cTn>
+                                        <p:tgtEl>
+                                          <p:spTgt spid="3">
+                                            <p:txEl>
+                                              <p:pRg st="3" end="3"/>
+                                            </p:txEl>
+                                          </p:spTgt>
+                                        </p:tgtEl>
+                                        <p:attrNameLst>
+                                          <p:attrName>style.visibility</p:attrName>
+                                        </p:attrNameLst>
+                                      </p:cBhvr>
+                                      <p:to>
+                                        <p:strVal val="visible"/>
+                                      </p:to>
+                                    </p:set>
+                                  </p:childTnLst>
+                                </p:cTn>
+                              </p:par>
+                              <p:par>
+                                <p:cTn id="9" presetID="1" presetClass="entr" presetSubtype="0" fill="hold" nodeType="withEffect">
+                                  <p:stCondLst>
+                                    <p:cond delay="0"/>
+                                  </p:stCondLst>
+                                  <p:childTnLst>
+                                    <p:set>
+                                      <p:cBhvr>
+                                        <p:cTn id="10" dur="1" fill="hold">
+                                          <p:stCondLst>
+                                            <p:cond delay="0"/>
+                                          </p:stCondLst>
+                                        </p:cTn>
+                                        <p:tgtEl>
+                                          <p:spTgt spid="3">
+                                            <p:txEl>
+                                              <p:pRg st="4" end="4"/>
+                                            </p:txEl>
+                                          </p:spTgt>
+                                        </p:tgtEl>
+                                        <p:attrNameLst>
+                                          <p:attrName>style.visibility</p:attrName>
+                                        </p:attrNameLst>
+                                      </p:cBhvr>
+                                      <p:to>
+                                        <p:strVal val="visible"/>
+                                      </p:to>
+                                    </p:set>
+                                  </p:childTnLst>
+                                </p:cTn>
+                              </p:par>
+                              <p:par>
+                                <p:cTn id="11" presetID="1" presetClass="entr" presetSubtype="0" fill="hold" nodeType="withEffect">
+                                  <p:stCondLst>
+                                    <p:cond delay="0"/>
+                                  </p:stCondLst>
+                                  <p:childTnLst>
+                                    <p:set>
+                                      <p:cBhvr>
+                                        <p:cTn id="12" dur="1" fill="hold">
+                                          <p:stCondLst>
+                                            <p:cond delay="0"/>
+                                          </p:stCondLst>
+                                        </p:cTn>
+                                        <p:tgtEl>
+                                          <p:spTgt spid="3">
+                                            <p:txEl>
+                                              <p:pRg st="5" end="5"/>
+                                            </p:txEl>
+                                          </p:spTgt>
+                                        </p:tgtEl>
+                                        <p:attrNameLst>
+                                          <p:attrName>style.visibility</p:attrName>
+                                        </p:attrNameLst>
+                                      </p:cBhvr>
+                                      <p:to>
+                                        <p:strVal val="visible"/>
+                                      </p:to>
+                                    </p:set>
+                                  </p:childTnLst>
+                                </p:cTn>
+                              </p:par>
+                            </p:childTnLst>
+                          </p:cTn>
+                        </p:par>
+                      </p:childTnLst>
+                    </p:cTn>
+                  </p:par>
+                  <p:par>
+                    <p:cTn id="13" fill="hold">
+                      <p:stCondLst>
+                        <p:cond delay="indefinite"/>
+                      </p:stCondLst>
+                      <p:childTnLst>
+                        <p:par>
+                          <p:cTn id="14" fill="hold">
+                            <p:stCondLst>
+                              <p:cond delay="0"/>
+                            </p:stCondLst>
+                            <p:childTnLst>
+                              <p:par>
+                                <p:cTn id="15" presetID="1" presetClass="entr" presetSubtype="0" fill="hold" nodeType="clickEffect">
+                                  <p:stCondLst>
+                                    <p:cond delay="0"/>
+                                  </p:stCondLst>
+                                  <p:childTnLst>
+                                    <p:set>
+                                      <p:cBhvr>
+                                        <p:cTn id="16" dur="1" fill="hold">
+                                          <p:stCondLst>
+                                            <p:cond delay="0"/>
+                                          </p:stCondLst>
+                                        </p:cTn>
+                                        <p:tgtEl>
+                                          <p:spTgt spid="3">
+                                            <p:txEl>
+                                              <p:pRg st="7" end="7"/>
+                                            </p:txEl>
+                                          </p:spTgt>
+                                        </p:tgtEl>
+                                        <p:attrNameLst>
+                                          <p:attrName>style.visibility</p:attrName>
+                                        </p:attrNameLst>
+                                      </p:cBhvr>
+                                      <p:to>
+                                        <p:strVal val="visible"/>
+                                      </p:to>
+                                    </p:set>
+                                  </p:childTnLst>
+                                </p:cTn>
+                              </p:par>
+                              <p:par>
+                                <p:cTn id="17" presetID="1" presetClass="entr" presetSubtype="0" fill="hold" nodeType="withEffect">
+                                  <p:stCondLst>
+                                    <p:cond delay="0"/>
+                                  </p:stCondLst>
+                                  <p:childTnLst>
+                                    <p:set>
+                                      <p:cBhvr>
+                                        <p:cTn id="18" dur="1" fill="hold">
+                                          <p:stCondLst>
+                                            <p:cond delay="0"/>
+                                          </p:stCondLst>
+                                        </p:cTn>
+                                        <p:tgtEl>
+                                          <p:spTgt spid="3">
+                                            <p:txEl>
+                                              <p:pRg st="8" end="8"/>
+                                            </p:txEl>
+                                          </p:spTgt>
+                                        </p:tgtEl>
+                                        <p:attrNameLst>
+                                          <p:attrName>style.visibility</p:attrName>
+                                        </p:attrNameLst>
+                                      </p:cBhvr>
+                                      <p:to>
+                                        <p:strVal val="visible"/>
+                                      </p:to>
+                                    </p:set>
+                                  </p:childTnLst>
+                                </p:cTn>
+                              </p:par>
+                              <p:par>
+                                <p:cTn id="19" presetID="1" presetClass="entr" presetSubtype="0" fill="hold" nodeType="withEffect">
+                                  <p:stCondLst>
+                                    <p:cond delay="0"/>
+                                  </p:stCondLst>
+                                  <p:childTnLst>
+                                    <p:set>
+                                      <p:cBhvr>
+                                        <p:cTn id="20" dur="1" fill="hold">
+                                          <p:stCondLst>
+                                            <p:cond delay="0"/>
+                                          </p:stCondLst>
+                                        </p:cTn>
+                                        <p:tgtEl>
+                                          <p:spTgt spid="3">
+                                            <p:txEl>
+                                              <p:pRg st="9" end="9"/>
+                                            </p:txEl>
+                                          </p:spTgt>
+                                        </p:tgtEl>
+                                        <p:attrNameLst>
+                                          <p:attrName>style.visibility</p:attrName>
+                                        </p:attrNameLst>
+                                      </p:cBhvr>
+                                      <p:to>
+                                        <p:strVal val="visible"/>
+                                      </p:to>
+                                    </p:set>
+                                  </p:childTnLst>
+                                </p:cTn>
+                              </p:par>
+                              <p:par>
+                                <p:cTn id="21" presetID="1" presetClass="entr" presetSubtype="0" fill="hold" nodeType="withEffect">
+                                  <p:stCondLst>
+                                    <p:cond delay="0"/>
+                                  </p:stCondLst>
+                                  <p:childTnLst>
+                                    <p:set>
+                                      <p:cBhvr>
+                                        <p:cTn id="22" dur="1" fill="hold">
+                                          <p:stCondLst>
+                                            <p:cond delay="0"/>
+                                          </p:stCondLst>
+                                        </p:cTn>
+                                        <p:tgtEl>
+                                          <p:spTgt spid="3">
+                                            <p:txEl>
+                                              <p:pRg st="10" end="10"/>
+                                            </p:txEl>
+                                          </p:spTgt>
+                                        </p:tgtEl>
+                                        <p:attrNameLst>
+                                          <p:attrName>style.visibility</p:attrName>
+                                        </p:attrNameLst>
+                                      </p:cBhvr>
+                                      <p:to>
+                                        <p:strVal val="visible"/>
+                                      </p:to>
+                                    </p:set>
+                                  </p:childTnLst>
+                                </p:cTn>
+                              </p:par>
+                              <p:par>
+                                <p:cTn id="23" presetID="1" presetClass="entr" presetSubtype="0" fill="hold" nodeType="withEffect">
+                                  <p:stCondLst>
+                                    <p:cond delay="0"/>
+                                  </p:stCondLst>
+                                  <p:childTnLst>
+                                    <p:set>
+                                      <p:cBhvr>
+                                        <p:cTn id="24" dur="1" fill="hold">
+                                          <p:stCondLst>
+                                            <p:cond delay="0"/>
+                                          </p:stCondLst>
+                                        </p:cTn>
+                                        <p:tgtEl>
+                                          <p:spTgt spid="3">
+                                            <p:txEl>
+                                              <p:pRg st="11" end="11"/>
+                                            </p:txEl>
+                                          </p:spTgt>
+                                        </p:tgtEl>
+                                        <p:attrNameLst>
+                                          <p:attrName>style.visibility</p:attrName>
+                                        </p:attrNameLst>
+                                      </p:cBhvr>
+                                      <p:to>
+                                        <p:strVal val="visible"/>
+                                      </p:to>
+                                    </p:set>
+                                  </p:childTnLst>
+                                </p:cTn>
+                              </p:par>
+                              <p:par>
+                                <p:cTn id="25" presetID="1" presetClass="entr" presetSubtype="0" fill="hold" nodeType="withEffect">
+                                  <p:stCondLst>
+                                    <p:cond delay="0"/>
+                                  </p:stCondLst>
+                                  <p:childTnLst>
+                                    <p:set>
+                                      <p:cBhvr>
+                                        <p:cTn id="26" dur="1" fill="hold">
+                                          <p:stCondLst>
+                                            <p:cond delay="0"/>
+                                          </p:stCondLst>
+                                        </p:cTn>
+                                        <p:tgtEl>
+                                          <p:spTgt spid="3">
+                                            <p:txEl>
+                                              <p:pRg st="12" end="12"/>
+                                            </p:txEl>
+                                          </p:spTgt>
+                                        </p:tgtEl>
+                                        <p:attrNameLst>
+                                          <p:attrName>style.visibility</p:attrName>
+                                        </p:attrNameLst>
+                                      </p:cBhvr>
+                                      <p:to>
+                                        <p:strVal val="visible"/>
+                                      </p:to>
+                                    </p:set>
+                                  </p:childTnLst>
+                                </p:cTn>
+                              </p:par>
+                            </p:childTnLst>
+                          </p:cTn>
+                        </p:par>
+                      </p:childTnLst>
+                    </p:cTn>
+                  </p:par>
+                </p:childTnLst>
+              </p:cTn>
+              <p:prevCondLst>
+                <p:cond evt="onPrev" delay="0">
+                  <p:tgtEl>
+                    <p:sldTgt/>
+                  </p:tgtEl>
+                </p:cond>
+              </p:prevCondLst>
+              <p:nextCondLst>
+                <p:cond evt="onNext" delay="0">
+                  <p:tgtEl>
+                    <p:sldTgt/>
+                  </p:tgtEl>
+                </p:cond>
+              </p:nextCondLst>
+            </p:seq>
+          </p:childTnLst>
+        </p:cTn>
+      </p:par>
+    </p:tnLst>
+  </p:timing>
+</p:sld>
+</file>
+
+<file path=ppt/slides/slide50.xml><?xml version="1.0" encoding="utf-8"?>
 <p:sld xmlns:a="http://schemas.openxmlformats.org/drawingml/2006/main" xmlns:r="http://schemas.openxmlformats.org/officeDocument/2006/relationships" xmlns:p="http://schemas.openxmlformats.org/presentationml/2006/main">
   <p:cSld>
     <p:spTree>
@@ -22871,296 +25309,7 @@
 </p:sld>
 </file>
 
-<file path=ppt/slides/slide5.xml><?xml version="1.0" encoding="utf-8"?>
-<p:sld xmlns:a="http://schemas.openxmlformats.org/drawingml/2006/main" xmlns:r="http://schemas.openxmlformats.org/officeDocument/2006/relationships" xmlns:p="http://schemas.openxmlformats.org/presentationml/2006/main">
-  <p:cSld>
-    <p:spTree>
-      <p:nvGrpSpPr>
-        <p:cNvPr id="1" name=""/>
-        <p:cNvGrpSpPr/>
-        <p:nvPr/>
-      </p:nvGrpSpPr>
-      <p:grpSpPr>
-        <a:xfrm>
-          <a:off x="0" y="0"/>
-          <a:ext cx="0" cy="0"/>
-          <a:chOff x="0" y="0"/>
-          <a:chExt cx="0" cy="0"/>
-        </a:xfrm>
-      </p:grpSpPr>
-      <p:sp>
-        <p:nvSpPr>
-          <p:cNvPr id="2" name="Title 1"/>
-          <p:cNvSpPr>
-            <a:spLocks noGrp="1"/>
-          </p:cNvSpPr>
-          <p:nvPr>
-            <p:ph type="title"/>
-          </p:nvPr>
-        </p:nvSpPr>
-        <p:spPr/>
-        <p:txBody>
-          <a:bodyPr/>
-          <a:lstStyle/>
-          <a:p>
-            <a:r>
-              <a:rPr lang="en-GB" dirty="0"/>
-              <a:t>Literature</a:t>
-            </a:r>
-          </a:p>
-        </p:txBody>
-      </p:sp>
-      <p:sp>
-        <p:nvSpPr>
-          <p:cNvPr id="3" name="Content Placeholder 2"/>
-          <p:cNvSpPr>
-            <a:spLocks noGrp="1"/>
-          </p:cNvSpPr>
-          <p:nvPr>
-            <p:ph idx="1"/>
-          </p:nvPr>
-        </p:nvSpPr>
-        <p:spPr>
-          <a:xfrm>
-            <a:off x="677334" y="2160589"/>
-            <a:ext cx="6297612" cy="4252712"/>
-          </a:xfrm>
-        </p:spPr>
-        <p:txBody>
-          <a:bodyPr>
-            <a:normAutofit/>
-          </a:bodyPr>
-          <a:lstStyle/>
-          <a:p>
-            <a:r>
-              <a:rPr lang="en-GB" dirty="0"/>
-              <a:t>All lesson materials (slides, mainly): on N@tschool</a:t>
-            </a:r>
-            <a:endParaRPr lang="en-US" i="1" dirty="0"/>
-          </a:p>
-          <a:p>
-            <a:r>
-              <a:rPr lang="en-US" sz="1600" b="1" i="1" dirty="0"/>
-              <a:t>Introduction to Algorithms</a:t>
-            </a:r>
-            <a:r>
-              <a:rPr lang="en-US" sz="1600" dirty="0"/>
-              <a:t>, T. H. </a:t>
-            </a:r>
-            <a:r>
-              <a:rPr lang="en-US" sz="1600" dirty="0" err="1"/>
-              <a:t>Cormen</a:t>
-            </a:r>
-            <a:r>
-              <a:rPr lang="en-US" sz="1600" dirty="0"/>
-              <a:t>, C. Stein, R. L. </a:t>
-            </a:r>
-            <a:r>
-              <a:rPr lang="en-US" sz="1600" dirty="0" err="1"/>
-              <a:t>Rivest</a:t>
-            </a:r>
-            <a:r>
-              <a:rPr lang="en-US" sz="1600" dirty="0"/>
-              <a:t>, C. E. </a:t>
-            </a:r>
-            <a:r>
-              <a:rPr lang="en-US" sz="1600" dirty="0" err="1"/>
-              <a:t>Leiserson</a:t>
-            </a:r>
-            <a:r>
-              <a:rPr lang="en-US" sz="1600" dirty="0"/>
-              <a:t>, The MIT Press, ISBN: 978-0-262-53305-8, 3de </a:t>
-            </a:r>
-            <a:r>
-              <a:rPr lang="en-US" sz="1600" dirty="0" err="1"/>
-              <a:t>editie</a:t>
-            </a:r>
-            <a:r>
-              <a:rPr lang="en-US" sz="1600" dirty="0"/>
-              <a:t>, 2009</a:t>
-            </a:r>
-          </a:p>
-          <a:p>
-            <a:pPr lvl="1"/>
-            <a:r>
-              <a:rPr lang="en-GB" sz="1400" dirty="0"/>
-              <a:t>Complete and general</a:t>
-            </a:r>
-          </a:p>
-          <a:p>
-            <a:pPr lvl="1"/>
-            <a:r>
-              <a:rPr lang="en-GB" sz="1400" b="1" dirty="0"/>
-              <a:t>BIBLE OF ALGORITHMS AND EVERYTHING REMOTELY RELATED</a:t>
-            </a:r>
-          </a:p>
-          <a:p>
-            <a:pPr lvl="1"/>
-            <a:endParaRPr lang="en-GB" sz="1400" b="1" dirty="0"/>
-          </a:p>
-          <a:p>
-            <a:r>
-              <a:rPr lang="en-GB" sz="1600" dirty="0"/>
-              <a:t>Another book (optional):</a:t>
-            </a:r>
-          </a:p>
-          <a:p>
-            <a:pPr lvl="1"/>
-            <a:r>
-              <a:rPr lang="en-GB" sz="1400" b="1" dirty="0"/>
-              <a:t>Algorithms</a:t>
-            </a:r>
-            <a:r>
-              <a:rPr lang="en-GB" sz="1400" dirty="0"/>
-              <a:t>, R. Sedgewick, K. Wayne, Addison Wesley, ISBN-13: 978-0321573513, 4</a:t>
-            </a:r>
-            <a:r>
-              <a:rPr lang="en-GB" sz="1400" baseline="30000" dirty="0"/>
-              <a:t>th</a:t>
-            </a:r>
-            <a:r>
-              <a:rPr lang="en-GB" sz="1400" dirty="0"/>
-              <a:t> edition, 2011</a:t>
-            </a:r>
-          </a:p>
-          <a:p>
-            <a:pPr lvl="1"/>
-            <a:r>
-              <a:rPr lang="en-GB" sz="1400" dirty="0"/>
-              <a:t>Code and all examples in Java</a:t>
-            </a:r>
-          </a:p>
-          <a:p>
-            <a:pPr lvl="1"/>
-            <a:r>
-              <a:rPr lang="en-GB" sz="1400" dirty="0">
-                <a:hlinkClick r:id="rId2"/>
-              </a:rPr>
-              <a:t>http://algs4.cs.princeton.edu/</a:t>
-            </a:r>
-            <a:endParaRPr lang="en-GB" sz="1800" b="1" dirty="0"/>
-          </a:p>
-        </p:txBody>
-      </p:sp>
-      <p:sp>
-        <p:nvSpPr>
-          <p:cNvPr id="4" name="Footer Placeholder 3"/>
-          <p:cNvSpPr>
-            <a:spLocks noGrp="1"/>
-          </p:cNvSpPr>
-          <p:nvPr>
-            <p:ph type="ftr" sz="quarter" idx="11"/>
-          </p:nvPr>
-        </p:nvSpPr>
-        <p:spPr/>
-        <p:txBody>
-          <a:bodyPr/>
-          <a:lstStyle/>
-          <a:p>
-            <a:r>
-              <a:rPr lang="it-IT"/>
-              <a:t>INFDEV036A - G. Costantini, F. Di Giacomo</a:t>
-            </a:r>
-            <a:endParaRPr lang="en-GB"/>
-          </a:p>
-        </p:txBody>
-      </p:sp>
-      <p:pic>
-        <p:nvPicPr>
-          <p:cNvPr id="1028" name="Picture 4" descr="http://upload.wikimedia.org/wikipedia/en/4/41/Clrs3.jpeg"/>
-          <p:cNvPicPr>
-            <a:picLocks noChangeAspect="1" noChangeArrowheads="1"/>
-          </p:cNvPicPr>
-          <p:nvPr/>
-        </p:nvPicPr>
-        <p:blipFill>
-          <a:blip r:embed="rId3">
-            <a:extLst>
-              <a:ext uri="{28A0092B-C50C-407E-A947-70E740481C1C}">
-                <a14:useLocalDpi xmlns:a14="http://schemas.microsoft.com/office/drawing/2010/main" val="0"/>
-              </a:ext>
-            </a:extLst>
-          </a:blip>
-          <a:srcRect/>
-          <a:stretch>
-            <a:fillRect/>
-          </a:stretch>
-        </p:blipFill>
-        <p:spPr bwMode="auto">
-          <a:xfrm>
-            <a:off x="6974946" y="128431"/>
-            <a:ext cx="3772653" cy="4266691"/>
-          </a:xfrm>
-          <a:prstGeom prst="rect">
-            <a:avLst/>
-          </a:prstGeom>
-          <a:noFill/>
-          <a:extLst>
-            <a:ext uri="{909E8E84-426E-40DD-AFC4-6F175D3DCCD1}">
-              <a14:hiddenFill xmlns:a14="http://schemas.microsoft.com/office/drawing/2010/main">
-                <a:solidFill>
-                  <a:srgbClr val="FFFFFF"/>
-                </a:solidFill>
-              </a14:hiddenFill>
-            </a:ext>
-          </a:extLst>
-        </p:spPr>
-      </p:pic>
-      <p:pic>
-        <p:nvPicPr>
-          <p:cNvPr id="5" name="Picture 2" descr="Algorithms, 4th Edition by Robert Sedgewick and Kevin Wayne"/>
-          <p:cNvPicPr>
-            <a:picLocks noChangeAspect="1" noChangeArrowheads="1"/>
-          </p:cNvPicPr>
-          <p:nvPr/>
-        </p:nvPicPr>
-        <p:blipFill>
-          <a:blip r:embed="rId4" cstate="print">
-            <a:extLst>
-              <a:ext uri="{28A0092B-C50C-407E-A947-70E740481C1C}">
-                <a14:useLocalDpi xmlns:a14="http://schemas.microsoft.com/office/drawing/2010/main" val="0"/>
-              </a:ext>
-            </a:extLst>
-          </a:blip>
-          <a:srcRect/>
-          <a:stretch>
-            <a:fillRect/>
-          </a:stretch>
-        </p:blipFill>
-        <p:spPr bwMode="auto">
-          <a:xfrm>
-            <a:off x="6974946" y="4600401"/>
-            <a:ext cx="1417214" cy="1780506"/>
-          </a:xfrm>
-          <a:prstGeom prst="rect">
-            <a:avLst/>
-          </a:prstGeom>
-          <a:noFill/>
-          <a:extLst>
-            <a:ext uri="{909E8E84-426E-40DD-AFC4-6F175D3DCCD1}">
-              <a14:hiddenFill xmlns:a14="http://schemas.microsoft.com/office/drawing/2010/main">
-                <a:solidFill>
-                  <a:srgbClr val="FFFFFF"/>
-                </a:solidFill>
-              </a14:hiddenFill>
-            </a:ext>
-          </a:extLst>
-        </p:spPr>
-      </p:pic>
-    </p:spTree>
-    <p:extLst>
-      <p:ext uri="{BB962C8B-B14F-4D97-AF65-F5344CB8AC3E}">
-        <p14:creationId xmlns:p14="http://schemas.microsoft.com/office/powerpoint/2010/main" val="3560851733"/>
-      </p:ext>
-    </p:extLst>
-  </p:cSld>
-  <p:clrMapOvr>
-    <a:masterClrMapping/>
-  </p:clrMapOvr>
-</p:sld>
-</file>
-
-<file path=ppt/slides/slide50.xml><?xml version="1.0" encoding="utf-8"?>
+<file path=ppt/slides/slide51.xml><?xml version="1.0" encoding="utf-8"?>
 <p:sld xmlns:a="http://schemas.openxmlformats.org/drawingml/2006/main" xmlns:r="http://schemas.openxmlformats.org/officeDocument/2006/relationships" xmlns:p="http://schemas.openxmlformats.org/presentationml/2006/main">
   <p:cSld>
     <p:spTree>
@@ -23264,7 +25413,7 @@
 </p:sld>
 </file>
 
-<file path=ppt/slides/slide51.xml><?xml version="1.0" encoding="utf-8"?>
+<file path=ppt/slides/slide52.xml><?xml version="1.0" encoding="utf-8"?>
 <p:sld xmlns:a="http://schemas.openxmlformats.org/drawingml/2006/main" xmlns:r="http://schemas.openxmlformats.org/officeDocument/2006/relationships" xmlns:p="http://schemas.openxmlformats.org/presentationml/2006/main">
   <p:cSld>
     <p:spTree>
@@ -23368,7 +25517,7 @@
 </p:sld>
 </file>
 
-<file path=ppt/slides/slide52.xml><?xml version="1.0" encoding="utf-8"?>
+<file path=ppt/slides/slide53.xml><?xml version="1.0" encoding="utf-8"?>
 <p:sld xmlns:a="http://schemas.openxmlformats.org/drawingml/2006/main" xmlns:r="http://schemas.openxmlformats.org/officeDocument/2006/relationships" xmlns:p="http://schemas.openxmlformats.org/presentationml/2006/main">
   <p:cSld>
     <p:spTree>
@@ -23472,7 +25621,7 @@
 </p:sld>
 </file>
 
-<file path=ppt/slides/slide53.xml><?xml version="1.0" encoding="utf-8"?>
+<file path=ppt/slides/slide54.xml><?xml version="1.0" encoding="utf-8"?>
 <p:sld xmlns:a="http://schemas.openxmlformats.org/drawingml/2006/main" xmlns:r="http://schemas.openxmlformats.org/officeDocument/2006/relationships" xmlns:p="http://schemas.openxmlformats.org/presentationml/2006/main">
   <p:cSld>
     <p:spTree>
@@ -23577,7 +25726,7 @@
 </p:sld>
 </file>
 
-<file path=ppt/slides/slide54.xml><?xml version="1.0" encoding="utf-8"?>
+<file path=ppt/slides/slide55.xml><?xml version="1.0" encoding="utf-8"?>
 <p:sld xmlns:a="http://schemas.openxmlformats.org/drawingml/2006/main" xmlns:r="http://schemas.openxmlformats.org/officeDocument/2006/relationships" xmlns:p="http://schemas.openxmlformats.org/presentationml/2006/main">
   <p:cSld>
     <p:spTree>
@@ -23682,7 +25831,7 @@
 </p:sld>
 </file>
 
-<file path=ppt/slides/slide55.xml><?xml version="1.0" encoding="utf-8"?>
+<file path=ppt/slides/slide56.xml><?xml version="1.0" encoding="utf-8"?>
 <p:sld xmlns:a="http://schemas.openxmlformats.org/drawingml/2006/main" xmlns:r="http://schemas.openxmlformats.org/officeDocument/2006/relationships" xmlns:p="http://schemas.openxmlformats.org/presentationml/2006/main">
   <p:cSld>
     <p:spTree>
@@ -23787,7 +25936,7 @@
 </p:sld>
 </file>
 
-<file path=ppt/slides/slide56.xml><?xml version="1.0" encoding="utf-8"?>
+<file path=ppt/slides/slide57.xml><?xml version="1.0" encoding="utf-8"?>
 <p:sld xmlns:a="http://schemas.openxmlformats.org/drawingml/2006/main" xmlns:r="http://schemas.openxmlformats.org/officeDocument/2006/relationships" xmlns:p="http://schemas.openxmlformats.org/presentationml/2006/main">
   <p:cSld>
     <p:spTree>
@@ -23892,6 +26041,14 @@
             <a:endParaRPr lang="en-GB" sz="2000" dirty="0">
               <a:sym typeface="Wingdings" panose="05000000000000000000" pitchFamily="2" charset="2"/>
             </a:endParaRPr>
+          </a:p>
+          <a:p>
+            <a:r>
+              <a:rPr lang="en-GB" sz="2000" dirty="0">
+                <a:sym typeface="Wingdings" panose="05000000000000000000" pitchFamily="2" charset="2"/>
+              </a:rPr>
+              <a:t>Study the slides</a:t>
+            </a:r>
           </a:p>
           <a:p>
             <a:endParaRPr lang="en-GB" sz="2000" dirty="0"/>
@@ -23982,7 +26139,13 @@
       </p:grpSpPr>
       <p:sp>
         <p:nvSpPr>
-          <p:cNvPr id="2" name="Title 1"/>
+          <p:cNvPr id="2" name="Titel 1">
+            <a:extLst>
+              <a:ext uri="{FF2B5EF4-FFF2-40B4-BE49-F238E27FC236}">
+                <a16:creationId xmlns:a16="http://schemas.microsoft.com/office/drawing/2014/main" id="{7678E782-1985-43CB-AFF9-1B63165FCF87}"/>
+              </a:ext>
+            </a:extLst>
+          </p:cNvPr>
           <p:cNvSpPr>
             <a:spLocks noGrp="1"/>
           </p:cNvSpPr>
@@ -23996,15 +26159,53 @@
           <a:lstStyle/>
           <a:p>
             <a:r>
-              <a:rPr lang="en-GB" dirty="0"/>
-              <a:t>Questions answered by the course</a:t>
+              <a:rPr lang="nl-NL" dirty="0"/>
+              <a:t>How do I pass </a:t>
+            </a:r>
+            <a:r>
+              <a:rPr lang="nl-NL" dirty="0" err="1"/>
+              <a:t>the</a:t>
+            </a:r>
+            <a:r>
+              <a:rPr lang="nl-NL" dirty="0"/>
+              <a:t> course (</a:t>
+            </a:r>
+            <a:r>
+              <a:rPr lang="nl-NL" dirty="0" err="1"/>
+              <a:t>with</a:t>
+            </a:r>
+            <a:r>
+              <a:rPr lang="nl-NL" dirty="0"/>
+              <a:t> a </a:t>
+            </a:r>
+            <a:r>
+              <a:rPr lang="nl-NL" dirty="0" err="1"/>
+              <a:t>good</a:t>
+            </a:r>
+            <a:r>
+              <a:rPr lang="nl-NL" dirty="0"/>
+              <a:t> </a:t>
+            </a:r>
+            <a:r>
+              <a:rPr lang="nl-NL" dirty="0" err="1"/>
+              <a:t>grade</a:t>
+            </a:r>
+            <a:r>
+              <a:rPr lang="nl-NL" dirty="0"/>
+              <a:t>)?</a:t>
             </a:r>
           </a:p>
         </p:txBody>
       </p:sp>
       <p:sp>
         <p:nvSpPr>
-          <p:cNvPr id="3" name="Content Placeholder 2"/>
+          <p:cNvPr id="3" name="Tijdelijke aanduiding voor inhoud 2">
+            <a:extLst>
+              <a:ext uri="{FF2B5EF4-FFF2-40B4-BE49-F238E27FC236}">
+                <a16:creationId xmlns:a16="http://schemas.microsoft.com/office/drawing/2014/main" id="{3A2A3404-5661-4E46-A8AD-BBC5E7D5C557}"/>
+              </a:ext>
+            </a:extLst>
+          </p:cNvPr>
           <p:cNvSpPr>
             <a:spLocks noGrp="1"/>
           </p:cNvSpPr>
@@ -24014,71 +26215,151 @@
         </p:nvSpPr>
         <p:spPr/>
         <p:txBody>
-          <a:bodyPr>
-            <a:normAutofit/>
-          </a:bodyPr>
+          <a:bodyPr/>
           <a:lstStyle/>
           <a:p>
             <a:r>
-              <a:rPr lang="en-GB" dirty="0"/>
-              <a:t>Why is my code slow? </a:t>
-            </a:r>
+              <a:rPr lang="nl-NL" dirty="0" err="1"/>
+              <a:t>Pay</a:t>
+            </a:r>
+            <a:r>
+              <a:rPr lang="nl-NL" dirty="0"/>
+              <a:t> attention </a:t>
+            </a:r>
+            <a:r>
+              <a:rPr lang="nl-NL" dirty="0" err="1"/>
+              <a:t>to</a:t>
+            </a:r>
+            <a:r>
+              <a:rPr lang="nl-NL" dirty="0"/>
+              <a:t> </a:t>
+            </a:r>
+            <a:r>
+              <a:rPr lang="nl-NL" dirty="0" err="1"/>
+              <a:t>the</a:t>
+            </a:r>
+            <a:r>
+              <a:rPr lang="nl-NL" dirty="0"/>
+              <a:t> </a:t>
+            </a:r>
+            <a:r>
+              <a:rPr lang="nl-NL" dirty="0" err="1"/>
+              <a:t>lessons</a:t>
+            </a:r>
+            <a:endParaRPr lang="nl-NL" dirty="0"/>
           </a:p>
           <a:p>
             <a:pPr lvl="1"/>
-            <a:r>
-              <a:rPr lang="en-GB" b="1" dirty="0"/>
-              <a:t>Empirical and complexity analysis</a:t>
-            </a:r>
-            <a:endParaRPr lang="en-GB" dirty="0"/>
-          </a:p>
-          <a:p>
-            <a:r>
-              <a:rPr lang="en-GB" dirty="0"/>
-              <a:t>How do I order my data?</a:t>
+            <a:endParaRPr lang="nl-NL" dirty="0"/>
+          </a:p>
+          <a:p>
+            <a:endParaRPr lang="nl-NL" dirty="0"/>
+          </a:p>
+          <a:p>
+            <a:pPr marL="0" indent="0">
+              <a:buNone/>
+            </a:pPr>
+            <a:endParaRPr lang="nl-NL" dirty="0"/>
+          </a:p>
+          <a:p>
+            <a:endParaRPr lang="nl-NL" dirty="0"/>
+          </a:p>
+          <a:p>
+            <a:r>
+              <a:rPr lang="nl-NL" dirty="0"/>
+              <a:t>Do </a:t>
+            </a:r>
+            <a:r>
+              <a:rPr lang="nl-NL" dirty="0" err="1"/>
+              <a:t>all</a:t>
+            </a:r>
+            <a:r>
+              <a:rPr lang="nl-NL" dirty="0"/>
+              <a:t> </a:t>
+            </a:r>
+            <a:r>
+              <a:rPr lang="nl-NL" dirty="0" err="1"/>
+              <a:t>given</a:t>
+            </a:r>
+            <a:r>
+              <a:rPr lang="nl-NL" dirty="0"/>
+              <a:t> </a:t>
+            </a:r>
+            <a:r>
+              <a:rPr lang="nl-NL" dirty="0" err="1"/>
+              <a:t>homework</a:t>
+            </a:r>
+            <a:r>
+              <a:rPr lang="nl-NL" dirty="0"/>
+              <a:t> (multiple </a:t>
+            </a:r>
+            <a:r>
+              <a:rPr lang="nl-NL" dirty="0" err="1"/>
+              <a:t>times</a:t>
+            </a:r>
+            <a:r>
+              <a:rPr lang="nl-NL" dirty="0"/>
+              <a:t>)</a:t>
             </a:r>
           </a:p>
           <a:p>
             <a:pPr lvl="1"/>
             <a:r>
-              <a:rPr lang="en-GB" b="1" dirty="0"/>
-              <a:t>Sorting algorithms</a:t>
-            </a:r>
-          </a:p>
-          <a:p>
-            <a:r>
-              <a:rPr lang="en-GB" dirty="0"/>
-              <a:t>How do I structure my data?</a:t>
+              <a:rPr lang="nl-NL" dirty="0" err="1"/>
+              <a:t>Study</a:t>
+            </a:r>
+            <a:r>
+              <a:rPr lang="nl-NL" dirty="0"/>
+              <a:t> </a:t>
+            </a:r>
+            <a:r>
+              <a:rPr lang="nl-NL" dirty="0" err="1"/>
+              <a:t>the</a:t>
+            </a:r>
+            <a:r>
+              <a:rPr lang="nl-NL" dirty="0"/>
+              <a:t> slides</a:t>
             </a:r>
           </a:p>
           <a:p>
             <a:pPr lvl="1"/>
             <a:r>
-              <a:rPr lang="en-GB" b="1" dirty="0"/>
-              <a:t>Linear, tabular, recursive data structures</a:t>
-            </a:r>
-          </a:p>
-          <a:p>
-            <a:r>
-              <a:rPr lang="en-GB" dirty="0"/>
-              <a:t>How do I represent relationship networks?</a:t>
-            </a:r>
+              <a:rPr lang="nl-NL" dirty="0"/>
+              <a:t>MC </a:t>
+            </a:r>
+            <a:r>
+              <a:rPr lang="nl-NL" dirty="0" err="1"/>
+              <a:t>questions</a:t>
+            </a:r>
+            <a:endParaRPr lang="nl-NL" dirty="0"/>
           </a:p>
           <a:p>
             <a:pPr lvl="1"/>
             <a:r>
-              <a:rPr lang="en-GB" b="1" dirty="0"/>
-              <a:t>Graphs</a:t>
-            </a:r>
-          </a:p>
-          <a:p>
-            <a:endParaRPr lang="en-GB" dirty="0"/>
+              <a:rPr lang="nl-NL" dirty="0" err="1"/>
+              <a:t>Implementation</a:t>
+            </a:r>
+            <a:r>
+              <a:rPr lang="nl-NL" dirty="0"/>
+              <a:t> </a:t>
+            </a:r>
+            <a:r>
+              <a:rPr lang="nl-NL" dirty="0" err="1"/>
+              <a:t>exercises</a:t>
+            </a:r>
+            <a:endParaRPr lang="nl-NL" dirty="0"/>
           </a:p>
         </p:txBody>
       </p:sp>
       <p:sp>
         <p:nvSpPr>
-          <p:cNvPr id="4" name="Footer Placeholder 3"/>
+          <p:cNvPr id="4" name="Tijdelijke aanduiding voor voettekst 3">
+            <a:extLst>
+              <a:ext uri="{FF2B5EF4-FFF2-40B4-BE49-F238E27FC236}">
+                <a16:creationId xmlns:a16="http://schemas.microsoft.com/office/drawing/2014/main" id="{B9255730-1FFF-4E51-9C62-868DECA53E0C}"/>
+              </a:ext>
+            </a:extLst>
+          </p:cNvPr>
           <p:cNvSpPr>
             <a:spLocks noGrp="1"/>
           </p:cNvSpPr>
@@ -24099,16 +26380,309 @@
           </a:p>
         </p:txBody>
       </p:sp>
+      <p:pic>
+        <p:nvPicPr>
+          <p:cNvPr id="1026" name="Picture 2" descr="Image result for no laptop">
+            <a:extLst>
+              <a:ext uri="{FF2B5EF4-FFF2-40B4-BE49-F238E27FC236}">
+                <a16:creationId xmlns:a16="http://schemas.microsoft.com/office/drawing/2014/main" id="{5AA96125-7552-4E63-85A0-1EB090F55298}"/>
+              </a:ext>
+            </a:extLst>
+          </p:cNvPr>
+          <p:cNvPicPr>
+            <a:picLocks noChangeAspect="1" noChangeArrowheads="1"/>
+          </p:cNvPicPr>
+          <p:nvPr/>
+        </p:nvPicPr>
+        <p:blipFill rotWithShape="1">
+          <a:blip r:embed="rId2">
+            <a:extLst>
+              <a:ext uri="{28A0092B-C50C-407E-A947-70E740481C1C}">
+                <a14:useLocalDpi xmlns:a14="http://schemas.microsoft.com/office/drawing/2010/main" val="0"/>
+              </a:ext>
+            </a:extLst>
+          </a:blip>
+          <a:srcRect l="19878" r="19407"/>
+          <a:stretch/>
+        </p:blipFill>
+        <p:spPr bwMode="auto">
+          <a:xfrm>
+            <a:off x="4398329" y="2160589"/>
+            <a:ext cx="1636711" cy="1798561"/>
+          </a:xfrm>
+          <a:prstGeom prst="rect">
+            <a:avLst/>
+          </a:prstGeom>
+          <a:noFill/>
+          <a:extLst>
+            <a:ext uri="{909E8E84-426E-40DD-AFC4-6F175D3DCCD1}">
+              <a14:hiddenFill xmlns:a14="http://schemas.microsoft.com/office/drawing/2010/main">
+                <a:solidFill>
+                  <a:srgbClr val="FFFFFF"/>
+                </a:solidFill>
+              </a14:hiddenFill>
+            </a:ext>
+          </a:extLst>
+        </p:spPr>
+      </p:pic>
     </p:spTree>
     <p:extLst>
       <p:ext uri="{BB962C8B-B14F-4D97-AF65-F5344CB8AC3E}">
-        <p14:creationId xmlns:p14="http://schemas.microsoft.com/office/powerpoint/2010/main" val="4265259471"/>
+        <p14:creationId xmlns:p14="http://schemas.microsoft.com/office/powerpoint/2010/main" val="273230769"/>
       </p:ext>
     </p:extLst>
   </p:cSld>
   <p:clrMapOvr>
     <a:masterClrMapping/>
   </p:clrMapOvr>
+  <p:timing>
+    <p:tnLst>
+      <p:par>
+        <p:cTn id="1" dur="indefinite" restart="never" nodeType="tmRoot">
+          <p:childTnLst>
+            <p:seq concurrent="1" nextAc="seek">
+              <p:cTn id="2" dur="indefinite" nodeType="mainSeq">
+                <p:childTnLst>
+                  <p:par>
+                    <p:cTn id="3" fill="hold">
+                      <p:stCondLst>
+                        <p:cond delay="indefinite"/>
+                      </p:stCondLst>
+                      <p:childTnLst>
+                        <p:par>
+                          <p:cTn id="4" fill="hold">
+                            <p:stCondLst>
+                              <p:cond delay="0"/>
+                            </p:stCondLst>
+                            <p:childTnLst>
+                              <p:par>
+                                <p:cTn id="5" presetID="1" presetClass="entr" presetSubtype="0" fill="hold" nodeType="clickEffect">
+                                  <p:stCondLst>
+                                    <p:cond delay="0"/>
+                                  </p:stCondLst>
+                                  <p:childTnLst>
+                                    <p:set>
+                                      <p:cBhvr>
+                                        <p:cTn id="6" dur="1" fill="hold">
+                                          <p:stCondLst>
+                                            <p:cond delay="0"/>
+                                          </p:stCondLst>
+                                        </p:cTn>
+                                        <p:tgtEl>
+                                          <p:spTgt spid="3">
+                                            <p:txEl>
+                                              <p:pRg st="0" end="0"/>
+                                            </p:txEl>
+                                          </p:spTgt>
+                                        </p:tgtEl>
+                                        <p:attrNameLst>
+                                          <p:attrName>style.visibility</p:attrName>
+                                        </p:attrNameLst>
+                                      </p:cBhvr>
+                                      <p:to>
+                                        <p:strVal val="visible"/>
+                                      </p:to>
+                                    </p:set>
+                                  </p:childTnLst>
+                                </p:cTn>
+                              </p:par>
+                              <p:par>
+                                <p:cTn id="7" presetID="1" presetClass="entr" presetSubtype="0" fill="hold" nodeType="withEffect">
+                                  <p:stCondLst>
+                                    <p:cond delay="0"/>
+                                  </p:stCondLst>
+                                  <p:childTnLst>
+                                    <p:set>
+                                      <p:cBhvr>
+                                        <p:cTn id="8" dur="1" fill="hold">
+                                          <p:stCondLst>
+                                            <p:cond delay="0"/>
+                                          </p:stCondLst>
+                                        </p:cTn>
+                                        <p:tgtEl>
+                                          <p:spTgt spid="1026"/>
+                                        </p:tgtEl>
+                                        <p:attrNameLst>
+                                          <p:attrName>style.visibility</p:attrName>
+                                        </p:attrNameLst>
+                                      </p:cBhvr>
+                                      <p:to>
+                                        <p:strVal val="visible"/>
+                                      </p:to>
+                                    </p:set>
+                                  </p:childTnLst>
+                                </p:cTn>
+                              </p:par>
+                            </p:childTnLst>
+                          </p:cTn>
+                        </p:par>
+                      </p:childTnLst>
+                    </p:cTn>
+                  </p:par>
+                  <p:par>
+                    <p:cTn id="9" fill="hold">
+                      <p:stCondLst>
+                        <p:cond delay="indefinite"/>
+                      </p:stCondLst>
+                      <p:childTnLst>
+                        <p:par>
+                          <p:cTn id="10" fill="hold">
+                            <p:stCondLst>
+                              <p:cond delay="0"/>
+                            </p:stCondLst>
+                            <p:childTnLst>
+                              <p:par>
+                                <p:cTn id="11" presetID="1" presetClass="entr" presetSubtype="0" fill="hold" nodeType="clickEffect">
+                                  <p:stCondLst>
+                                    <p:cond delay="0"/>
+                                  </p:stCondLst>
+                                  <p:childTnLst>
+                                    <p:set>
+                                      <p:cBhvr>
+                                        <p:cTn id="12" dur="1" fill="hold">
+                                          <p:stCondLst>
+                                            <p:cond delay="0"/>
+                                          </p:stCondLst>
+                                        </p:cTn>
+                                        <p:tgtEl>
+                                          <p:spTgt spid="3">
+                                            <p:txEl>
+                                              <p:pRg st="5" end="5"/>
+                                            </p:txEl>
+                                          </p:spTgt>
+                                        </p:tgtEl>
+                                        <p:attrNameLst>
+                                          <p:attrName>style.visibility</p:attrName>
+                                        </p:attrNameLst>
+                                      </p:cBhvr>
+                                      <p:to>
+                                        <p:strVal val="visible"/>
+                                      </p:to>
+                                    </p:set>
+                                  </p:childTnLst>
+                                </p:cTn>
+                              </p:par>
+                              <p:par>
+                                <p:cTn id="13" presetID="1" presetClass="entr" presetSubtype="0" fill="hold" nodeType="withEffect">
+                                  <p:stCondLst>
+                                    <p:cond delay="0"/>
+                                  </p:stCondLst>
+                                  <p:childTnLst>
+                                    <p:set>
+                                      <p:cBhvr>
+                                        <p:cTn id="14" dur="1" fill="hold">
+                                          <p:stCondLst>
+                                            <p:cond delay="0"/>
+                                          </p:stCondLst>
+                                        </p:cTn>
+                                        <p:tgtEl>
+                                          <p:spTgt spid="3">
+                                            <p:txEl>
+                                              <p:pRg st="6" end="6"/>
+                                            </p:txEl>
+                                          </p:spTgt>
+                                        </p:tgtEl>
+                                        <p:attrNameLst>
+                                          <p:attrName>style.visibility</p:attrName>
+                                        </p:attrNameLst>
+                                      </p:cBhvr>
+                                      <p:to>
+                                        <p:strVal val="visible"/>
+                                      </p:to>
+                                    </p:set>
+                                  </p:childTnLst>
+                                </p:cTn>
+                              </p:par>
+                              <p:par>
+                                <p:cTn id="15" presetID="1" presetClass="entr" presetSubtype="0" fill="hold" nodeType="withEffect">
+                                  <p:stCondLst>
+                                    <p:cond delay="0"/>
+                                  </p:stCondLst>
+                                  <p:childTnLst>
+                                    <p:set>
+                                      <p:cBhvr>
+                                        <p:cTn id="16" dur="1" fill="hold">
+                                          <p:stCondLst>
+                                            <p:cond delay="0"/>
+                                          </p:stCondLst>
+                                        </p:cTn>
+                                        <p:tgtEl>
+                                          <p:spTgt spid="3">
+                                            <p:txEl>
+                                              <p:pRg st="7" end="7"/>
+                                            </p:txEl>
+                                          </p:spTgt>
+                                        </p:tgtEl>
+                                        <p:attrNameLst>
+                                          <p:attrName>style.visibility</p:attrName>
+                                        </p:attrNameLst>
+                                      </p:cBhvr>
+                                      <p:to>
+                                        <p:strVal val="visible"/>
+                                      </p:to>
+                                    </p:set>
+                                  </p:childTnLst>
+                                </p:cTn>
+                              </p:par>
+                              <p:par>
+                                <p:cTn id="17" presetID="1" presetClass="entr" presetSubtype="0" fill="hold" nodeType="withEffect">
+                                  <p:stCondLst>
+                                    <p:cond delay="0"/>
+                                  </p:stCondLst>
+                                  <p:childTnLst>
+                                    <p:set>
+                                      <p:cBhvr>
+                                        <p:cTn id="18" dur="1" fill="hold">
+                                          <p:stCondLst>
+                                            <p:cond delay="0"/>
+                                          </p:stCondLst>
+                                        </p:cTn>
+                                        <p:tgtEl>
+                                          <p:spTgt spid="3">
+                                            <p:txEl>
+                                              <p:pRg st="8" end="8"/>
+                                            </p:txEl>
+                                          </p:spTgt>
+                                        </p:tgtEl>
+                                        <p:attrNameLst>
+                                          <p:attrName>style.visibility</p:attrName>
+                                        </p:attrNameLst>
+                                      </p:cBhvr>
+                                      <p:to>
+                                        <p:strVal val="visible"/>
+                                      </p:to>
+                                    </p:set>
+                                  </p:childTnLst>
+                                </p:cTn>
+                              </p:par>
+                            </p:childTnLst>
+                          </p:cTn>
+                        </p:par>
+                      </p:childTnLst>
+                    </p:cTn>
+                  </p:par>
+                </p:childTnLst>
+              </p:cTn>
+              <p:prevCondLst>
+                <p:cond evt="onPrev" delay="0">
+                  <p:tgtEl>
+                    <p:sldTgt/>
+                  </p:tgtEl>
+                </p:cond>
+              </p:prevCondLst>
+              <p:nextCondLst>
+                <p:cond evt="onNext" delay="0">
+                  <p:tgtEl>
+                    <p:sldTgt/>
+                  </p:tgtEl>
+                </p:cond>
+              </p:nextCondLst>
+            </p:seq>
+          </p:childTnLst>
+        </p:cTn>
+      </p:par>
+    </p:tnLst>
+  </p:timing>
 </p:sld>
 </file>
 
@@ -24146,7 +26720,7 @@
           <a:p>
             <a:r>
               <a:rPr lang="en-GB" dirty="0"/>
-              <a:t>Today</a:t>
+              <a:t>Questions answered by the course</a:t>
             </a:r>
           </a:p>
         </p:txBody>
@@ -24169,29 +26743,17 @@
           <a:lstStyle/>
           <a:p>
             <a:r>
-              <a:rPr lang="en-GB" dirty="0">
-                <a:solidFill>
-                  <a:schemeClr val="accent1"/>
-                </a:solidFill>
-              </a:rPr>
+              <a:rPr lang="en-GB" dirty="0"/>
               <a:t>Why is my code slow? </a:t>
             </a:r>
           </a:p>
           <a:p>
             <a:pPr lvl="1"/>
             <a:r>
-              <a:rPr lang="en-GB" b="1" dirty="0">
-                <a:solidFill>
-                  <a:schemeClr val="accent1"/>
-                </a:solidFill>
-              </a:rPr>
+              <a:rPr lang="en-GB" b="1" dirty="0"/>
               <a:t>Empirical and complexity analysis</a:t>
             </a:r>
-            <a:endParaRPr lang="en-GB" dirty="0">
-              <a:solidFill>
-                <a:schemeClr val="accent1"/>
-              </a:solidFill>
-            </a:endParaRPr>
+            <a:endParaRPr lang="en-GB" dirty="0"/>
           </a:p>
           <a:p>
             <a:r>
@@ -24263,6 +26825,167 @@
     </p:spTree>
     <p:extLst>
       <p:ext uri="{BB962C8B-B14F-4D97-AF65-F5344CB8AC3E}">
+        <p14:creationId xmlns:p14="http://schemas.microsoft.com/office/powerpoint/2010/main" val="4265259471"/>
+      </p:ext>
+    </p:extLst>
+  </p:cSld>
+  <p:clrMapOvr>
+    <a:masterClrMapping/>
+  </p:clrMapOvr>
+</p:sld>
+</file>
+
+<file path=ppt/slides/slide8.xml><?xml version="1.0" encoding="utf-8"?>
+<p:sld xmlns:a="http://schemas.openxmlformats.org/drawingml/2006/main" xmlns:r="http://schemas.openxmlformats.org/officeDocument/2006/relationships" xmlns:p="http://schemas.openxmlformats.org/presentationml/2006/main">
+  <p:cSld>
+    <p:spTree>
+      <p:nvGrpSpPr>
+        <p:cNvPr id="1" name=""/>
+        <p:cNvGrpSpPr/>
+        <p:nvPr/>
+      </p:nvGrpSpPr>
+      <p:grpSpPr>
+        <a:xfrm>
+          <a:off x="0" y="0"/>
+          <a:ext cx="0" cy="0"/>
+          <a:chOff x="0" y="0"/>
+          <a:chExt cx="0" cy="0"/>
+        </a:xfrm>
+      </p:grpSpPr>
+      <p:sp>
+        <p:nvSpPr>
+          <p:cNvPr id="2" name="Title 1"/>
+          <p:cNvSpPr>
+            <a:spLocks noGrp="1"/>
+          </p:cNvSpPr>
+          <p:nvPr>
+            <p:ph type="title"/>
+          </p:nvPr>
+        </p:nvSpPr>
+        <p:spPr/>
+        <p:txBody>
+          <a:bodyPr/>
+          <a:lstStyle/>
+          <a:p>
+            <a:r>
+              <a:rPr lang="en-GB" dirty="0"/>
+              <a:t>Today</a:t>
+            </a:r>
+          </a:p>
+        </p:txBody>
+      </p:sp>
+      <p:sp>
+        <p:nvSpPr>
+          <p:cNvPr id="3" name="Content Placeholder 2"/>
+          <p:cNvSpPr>
+            <a:spLocks noGrp="1"/>
+          </p:cNvSpPr>
+          <p:nvPr>
+            <p:ph idx="1"/>
+          </p:nvPr>
+        </p:nvSpPr>
+        <p:spPr/>
+        <p:txBody>
+          <a:bodyPr>
+            <a:normAutofit/>
+          </a:bodyPr>
+          <a:lstStyle/>
+          <a:p>
+            <a:r>
+              <a:rPr lang="en-GB" dirty="0">
+                <a:solidFill>
+                  <a:schemeClr val="accent1"/>
+                </a:solidFill>
+              </a:rPr>
+              <a:t>Why is my code slow? </a:t>
+            </a:r>
+          </a:p>
+          <a:p>
+            <a:pPr lvl="1"/>
+            <a:r>
+              <a:rPr lang="en-GB" b="1" dirty="0">
+                <a:solidFill>
+                  <a:schemeClr val="accent1"/>
+                </a:solidFill>
+              </a:rPr>
+              <a:t>Empirical and complexity analysis</a:t>
+            </a:r>
+            <a:endParaRPr lang="en-GB" dirty="0">
+              <a:solidFill>
+                <a:schemeClr val="accent1"/>
+              </a:solidFill>
+            </a:endParaRPr>
+          </a:p>
+          <a:p>
+            <a:r>
+              <a:rPr lang="en-GB" dirty="0"/>
+              <a:t>How do I order my data?</a:t>
+            </a:r>
+          </a:p>
+          <a:p>
+            <a:pPr lvl="1"/>
+            <a:r>
+              <a:rPr lang="en-GB" b="1" dirty="0"/>
+              <a:t>Sorting algorithms</a:t>
+            </a:r>
+          </a:p>
+          <a:p>
+            <a:r>
+              <a:rPr lang="en-GB" dirty="0"/>
+              <a:t>How do I structure my data?</a:t>
+            </a:r>
+          </a:p>
+          <a:p>
+            <a:pPr lvl="1"/>
+            <a:r>
+              <a:rPr lang="en-GB" b="1" dirty="0"/>
+              <a:t>Linear, tabular, recursive data structures</a:t>
+            </a:r>
+          </a:p>
+          <a:p>
+            <a:r>
+              <a:rPr lang="en-GB" dirty="0"/>
+              <a:t>How do I represent relationship networks?</a:t>
+            </a:r>
+          </a:p>
+          <a:p>
+            <a:pPr lvl="1"/>
+            <a:r>
+              <a:rPr lang="en-GB" b="1" dirty="0"/>
+              <a:t>Graphs</a:t>
+            </a:r>
+          </a:p>
+          <a:p>
+            <a:endParaRPr lang="en-GB" dirty="0"/>
+          </a:p>
+        </p:txBody>
+      </p:sp>
+      <p:sp>
+        <p:nvSpPr>
+          <p:cNvPr id="4" name="Footer Placeholder 3"/>
+          <p:cNvSpPr>
+            <a:spLocks noGrp="1"/>
+          </p:cNvSpPr>
+          <p:nvPr>
+            <p:ph type="ftr" sz="quarter" idx="11"/>
+          </p:nvPr>
+        </p:nvSpPr>
+        <p:spPr/>
+        <p:txBody>
+          <a:bodyPr/>
+          <a:lstStyle/>
+          <a:p>
+            <a:r>
+              <a:rPr lang="it-IT"/>
+              <a:t>INFDEV036A - G. Costantini, F. Di Giacomo</a:t>
+            </a:r>
+            <a:endParaRPr lang="en-GB"/>
+          </a:p>
+        </p:txBody>
+      </p:sp>
+    </p:spTree>
+    <p:extLst>
+      <p:ext uri="{BB962C8B-B14F-4D97-AF65-F5344CB8AC3E}">
         <p14:creationId xmlns:p14="http://schemas.microsoft.com/office/powerpoint/2010/main" val="3005854515"/>
       </p:ext>
     </p:extLst>
@@ -24273,7 +26996,7 @@
 </p:sld>
 </file>
 
-<file path=ppt/slides/slide8.xml><?xml version="1.0" encoding="utf-8"?>
+<file path=ppt/slides/slide9.xml><?xml version="1.0" encoding="utf-8"?>
 <p:sld xmlns:a="http://schemas.openxmlformats.org/drawingml/2006/main" xmlns:r="http://schemas.openxmlformats.org/officeDocument/2006/relationships" xmlns:p="http://schemas.openxmlformats.org/presentationml/2006/main">
   <p:cSld>
     <p:spTree>
@@ -24451,85 +27174,6 @@
     <p:extLst>
       <p:ext uri="{BB962C8B-B14F-4D97-AF65-F5344CB8AC3E}">
         <p14:creationId xmlns:p14="http://schemas.microsoft.com/office/powerpoint/2010/main" val="553652381"/>
-      </p:ext>
-    </p:extLst>
-  </p:cSld>
-  <p:clrMapOvr>
-    <a:masterClrMapping/>
-  </p:clrMapOvr>
-</p:sld>
-</file>
-
-<file path=ppt/slides/slide9.xml><?xml version="1.0" encoding="utf-8"?>
-<p:sld xmlns:a="http://schemas.openxmlformats.org/drawingml/2006/main" xmlns:r="http://schemas.openxmlformats.org/officeDocument/2006/relationships" xmlns:p="http://schemas.openxmlformats.org/presentationml/2006/main">
-  <p:cSld>
-    <p:spTree>
-      <p:nvGrpSpPr>
-        <p:cNvPr id="1" name=""/>
-        <p:cNvGrpSpPr/>
-        <p:nvPr/>
-      </p:nvGrpSpPr>
-      <p:grpSpPr>
-        <a:xfrm>
-          <a:off x="0" y="0"/>
-          <a:ext cx="0" cy="0"/>
-          <a:chOff x="0" y="0"/>
-          <a:chExt cx="0" cy="0"/>
-        </a:xfrm>
-      </p:grpSpPr>
-      <p:sp>
-        <p:nvSpPr>
-          <p:cNvPr id="2" name="Title 1"/>
-          <p:cNvSpPr>
-            <a:spLocks noGrp="1"/>
-          </p:cNvSpPr>
-          <p:nvPr>
-            <p:ph type="ctrTitle"/>
-          </p:nvPr>
-        </p:nvSpPr>
-        <p:spPr>
-          <a:xfrm>
-            <a:off x="1507067" y="2404534"/>
-            <a:ext cx="7950832" cy="1646302"/>
-          </a:xfrm>
-        </p:spPr>
-        <p:txBody>
-          <a:bodyPr/>
-          <a:lstStyle/>
-          <a:p>
-            <a:r>
-              <a:rPr lang="en-GB" dirty="0"/>
-              <a:t>Arrays: a quick summary</a:t>
-            </a:r>
-          </a:p>
-        </p:txBody>
-      </p:sp>
-      <p:sp>
-        <p:nvSpPr>
-          <p:cNvPr id="6" name="Subtitle 5"/>
-          <p:cNvSpPr>
-            <a:spLocks noGrp="1"/>
-          </p:cNvSpPr>
-          <p:nvPr>
-            <p:ph type="subTitle" idx="1"/>
-          </p:nvPr>
-        </p:nvSpPr>
-        <p:spPr/>
-        <p:txBody>
-          <a:bodyPr/>
-          <a:lstStyle/>
-          <a:p>
-            <a:r>
-              <a:rPr lang="en-GB" dirty="0"/>
-              <a:t>Definition, Basic manipulation &amp; properties, Search algorithms</a:t>
-            </a:r>
-          </a:p>
-        </p:txBody>
-      </p:sp>
-    </p:spTree>
-    <p:extLst>
-      <p:ext uri="{BB962C8B-B14F-4D97-AF65-F5344CB8AC3E}">
-        <p14:creationId xmlns:p14="http://schemas.microsoft.com/office/powerpoint/2010/main" val="1277042364"/>
       </p:ext>
     </p:extLst>
   </p:cSld>
